--- a/docs/ch6/main.pptx
+++ b/docs/ch6/main.pptx
@@ -7,6 +7,7 @@
   <p:sldIdLst>
     <p:sldId id="256" r:id="rId2"/>
     <p:sldId id="258" r:id="rId3"/>
+    <p:sldId id="259" r:id="rId4"/>
   </p:sldIdLst>
   <p:sldSz cx="12192000" cy="6858000"/>
   <p:notesSz cx="6858000" cy="9144000"/>
@@ -260,7 +261,7 @@
           <a:p>
             <a:fld id="{BE7954B5-D689-9A42-94C4-4F3A049241B2}" type="datetimeFigureOut">
               <a:rPr kumimoji="1" lang="zh-CN" altLang="en-US" smtClean="0"/>
-              <a:t>2023/8/16</a:t>
+              <a:t>2023/8/18</a:t>
             </a:fld>
             <a:endParaRPr kumimoji="1" lang="zh-CN" altLang="en-US"/>
           </a:p>
@@ -458,7 +459,7 @@
           <a:p>
             <a:fld id="{BE7954B5-D689-9A42-94C4-4F3A049241B2}" type="datetimeFigureOut">
               <a:rPr kumimoji="1" lang="zh-CN" altLang="en-US" smtClean="0"/>
-              <a:t>2023/8/16</a:t>
+              <a:t>2023/8/18</a:t>
             </a:fld>
             <a:endParaRPr kumimoji="1" lang="zh-CN" altLang="en-US"/>
           </a:p>
@@ -666,7 +667,7 @@
           <a:p>
             <a:fld id="{BE7954B5-D689-9A42-94C4-4F3A049241B2}" type="datetimeFigureOut">
               <a:rPr kumimoji="1" lang="zh-CN" altLang="en-US" smtClean="0"/>
-              <a:t>2023/8/16</a:t>
+              <a:t>2023/8/18</a:t>
             </a:fld>
             <a:endParaRPr kumimoji="1" lang="zh-CN" altLang="en-US"/>
           </a:p>
@@ -864,7 +865,7 @@
           <a:p>
             <a:fld id="{BE7954B5-D689-9A42-94C4-4F3A049241B2}" type="datetimeFigureOut">
               <a:rPr kumimoji="1" lang="zh-CN" altLang="en-US" smtClean="0"/>
-              <a:t>2023/8/16</a:t>
+              <a:t>2023/8/18</a:t>
             </a:fld>
             <a:endParaRPr kumimoji="1" lang="zh-CN" altLang="en-US"/>
           </a:p>
@@ -1139,7 +1140,7 @@
           <a:p>
             <a:fld id="{BE7954B5-D689-9A42-94C4-4F3A049241B2}" type="datetimeFigureOut">
               <a:rPr kumimoji="1" lang="zh-CN" altLang="en-US" smtClean="0"/>
-              <a:t>2023/8/16</a:t>
+              <a:t>2023/8/18</a:t>
             </a:fld>
             <a:endParaRPr kumimoji="1" lang="zh-CN" altLang="en-US"/>
           </a:p>
@@ -1404,7 +1405,7 @@
           <a:p>
             <a:fld id="{BE7954B5-D689-9A42-94C4-4F3A049241B2}" type="datetimeFigureOut">
               <a:rPr kumimoji="1" lang="zh-CN" altLang="en-US" smtClean="0"/>
-              <a:t>2023/8/16</a:t>
+              <a:t>2023/8/18</a:t>
             </a:fld>
             <a:endParaRPr kumimoji="1" lang="zh-CN" altLang="en-US"/>
           </a:p>
@@ -1816,7 +1817,7 @@
           <a:p>
             <a:fld id="{BE7954B5-D689-9A42-94C4-4F3A049241B2}" type="datetimeFigureOut">
               <a:rPr kumimoji="1" lang="zh-CN" altLang="en-US" smtClean="0"/>
-              <a:t>2023/8/16</a:t>
+              <a:t>2023/8/18</a:t>
             </a:fld>
             <a:endParaRPr kumimoji="1" lang="zh-CN" altLang="en-US"/>
           </a:p>
@@ -1957,7 +1958,7 @@
           <a:p>
             <a:fld id="{BE7954B5-D689-9A42-94C4-4F3A049241B2}" type="datetimeFigureOut">
               <a:rPr kumimoji="1" lang="zh-CN" altLang="en-US" smtClean="0"/>
-              <a:t>2023/8/16</a:t>
+              <a:t>2023/8/18</a:t>
             </a:fld>
             <a:endParaRPr kumimoji="1" lang="zh-CN" altLang="en-US"/>
           </a:p>
@@ -2070,7 +2071,7 @@
           <a:p>
             <a:fld id="{BE7954B5-D689-9A42-94C4-4F3A049241B2}" type="datetimeFigureOut">
               <a:rPr kumimoji="1" lang="zh-CN" altLang="en-US" smtClean="0"/>
-              <a:t>2023/8/16</a:t>
+              <a:t>2023/8/18</a:t>
             </a:fld>
             <a:endParaRPr kumimoji="1" lang="zh-CN" altLang="en-US"/>
           </a:p>
@@ -2381,7 +2382,7 @@
           <a:p>
             <a:fld id="{BE7954B5-D689-9A42-94C4-4F3A049241B2}" type="datetimeFigureOut">
               <a:rPr kumimoji="1" lang="zh-CN" altLang="en-US" smtClean="0"/>
-              <a:t>2023/8/16</a:t>
+              <a:t>2023/8/18</a:t>
             </a:fld>
             <a:endParaRPr kumimoji="1" lang="zh-CN" altLang="en-US"/>
           </a:p>
@@ -2669,7 +2670,7 @@
           <a:p>
             <a:fld id="{BE7954B5-D689-9A42-94C4-4F3A049241B2}" type="datetimeFigureOut">
               <a:rPr kumimoji="1" lang="zh-CN" altLang="en-US" smtClean="0"/>
-              <a:t>2023/8/16</a:t>
+              <a:t>2023/8/18</a:t>
             </a:fld>
             <a:endParaRPr kumimoji="1" lang="zh-CN" altLang="en-US"/>
           </a:p>
@@ -2910,7 +2911,7 @@
           <a:p>
             <a:fld id="{BE7954B5-D689-9A42-94C4-4F3A049241B2}" type="datetimeFigureOut">
               <a:rPr kumimoji="1" lang="zh-CN" altLang="en-US" smtClean="0"/>
-              <a:t>2023/8/16</a:t>
+              <a:t>2023/8/18</a:t>
             </a:fld>
             <a:endParaRPr kumimoji="1" lang="zh-CN" altLang="en-US"/>
           </a:p>
@@ -3634,10 +3635,10 @@
       </p:grpSpPr>
       <p:sp>
         <p:nvSpPr>
-          <p:cNvPr id="7" name="矩形 6">
-            <a:extLst>
-              <a:ext uri="{FF2B5EF4-FFF2-40B4-BE49-F238E27FC236}">
-                <a16:creationId xmlns:a16="http://schemas.microsoft.com/office/drawing/2014/main" id="{4A2A9CD8-C1D4-A56E-0BBA-9A4FBF74A862}"/>
+          <p:cNvPr id="2" name="矩形: 圆角 1">
+            <a:extLst>
+              <a:ext uri="{FF2B5EF4-FFF2-40B4-BE49-F238E27FC236}">
+                <a16:creationId xmlns:a16="http://schemas.microsoft.com/office/drawing/2014/main" id="{E8DE5292-A9E1-1B14-B521-BDF13F6F3561}"/>
               </a:ext>
             </a:extLst>
           </p:cNvPr>
@@ -3646,13 +3647,638 @@
         </p:nvSpPr>
         <p:spPr>
           <a:xfrm>
-            <a:off x="4562951" y="2425232"/>
-            <a:ext cx="720000" cy="720000"/>
+            <a:off x="1410269" y="1737360"/>
+            <a:ext cx="864000" cy="648000"/>
+          </a:xfrm>
+          <a:prstGeom prst="roundRect">
+            <a:avLst/>
+          </a:prstGeom>
+          <a:solidFill>
+            <a:schemeClr val="accent4">
+              <a:lumMod val="20000"/>
+              <a:lumOff val="80000"/>
+            </a:schemeClr>
+          </a:solidFill>
+        </p:spPr>
+        <p:style>
+          <a:lnRef idx="2">
+            <a:schemeClr val="accent1">
+              <a:shade val="15000"/>
+            </a:schemeClr>
+          </a:lnRef>
+          <a:fillRef idx="1">
+            <a:schemeClr val="accent1"/>
+          </a:fillRef>
+          <a:effectRef idx="0">
+            <a:schemeClr val="accent1"/>
+          </a:effectRef>
+          <a:fontRef idx="minor">
+            <a:schemeClr val="lt1"/>
+          </a:fontRef>
+        </p:style>
+        <p:txBody>
+          <a:bodyPr rtlCol="0" anchor="ctr"/>
+          <a:lstStyle/>
+          <a:p>
+            <a:pPr algn="ctr"/>
+            <a:r>
+              <a:rPr lang="zh-CN" altLang="en-US">
+                <a:solidFill>
+                  <a:schemeClr val="tx1"/>
+                </a:solidFill>
+                <a:latin typeface="宋体" panose="02010600030101010101" pitchFamily="2" charset="-122"/>
+                <a:ea typeface="宋体" panose="02010600030101010101" pitchFamily="2" charset="-122"/>
+              </a:rPr>
+              <a:t>样本</a:t>
+            </a:r>
+          </a:p>
+        </p:txBody>
+      </p:sp>
+      <p:sp>
+        <p:nvSpPr>
+          <p:cNvPr id="3" name="矩形: 圆角 2">
+            <a:extLst>
+              <a:ext uri="{FF2B5EF4-FFF2-40B4-BE49-F238E27FC236}">
+                <a16:creationId xmlns:a16="http://schemas.microsoft.com/office/drawing/2014/main" id="{D24F33C6-F633-F2B5-78AB-0B1D18772F22}"/>
+              </a:ext>
+            </a:extLst>
+          </p:cNvPr>
+          <p:cNvSpPr/>
+          <p:nvPr/>
+        </p:nvSpPr>
+        <p:spPr>
+          <a:xfrm>
+            <a:off x="4028264" y="1737731"/>
+            <a:ext cx="864000" cy="648000"/>
+          </a:xfrm>
+          <a:prstGeom prst="roundRect">
+            <a:avLst/>
+          </a:prstGeom>
+          <a:solidFill>
+            <a:schemeClr val="accent6">
+              <a:lumMod val="20000"/>
+              <a:lumOff val="80000"/>
+            </a:schemeClr>
+          </a:solidFill>
+        </p:spPr>
+        <p:style>
+          <a:lnRef idx="2">
+            <a:schemeClr val="accent1">
+              <a:shade val="15000"/>
+            </a:schemeClr>
+          </a:lnRef>
+          <a:fillRef idx="1">
+            <a:schemeClr val="accent1"/>
+          </a:fillRef>
+          <a:effectRef idx="0">
+            <a:schemeClr val="accent1"/>
+          </a:effectRef>
+          <a:fontRef idx="minor">
+            <a:schemeClr val="lt1"/>
+          </a:fontRef>
+        </p:style>
+        <p:txBody>
+          <a:bodyPr rtlCol="0" anchor="ctr"/>
+          <a:lstStyle/>
+          <a:p>
+            <a:pPr algn="ctr"/>
+            <a:r>
+              <a:rPr lang="zh-CN" altLang="en-US">
+                <a:solidFill>
+                  <a:schemeClr val="tx1"/>
+                </a:solidFill>
+                <a:latin typeface="宋体" panose="02010600030101010101" pitchFamily="2" charset="-122"/>
+                <a:ea typeface="宋体" panose="02010600030101010101" pitchFamily="2" charset="-122"/>
+              </a:rPr>
+              <a:t>模型</a:t>
+            </a:r>
+          </a:p>
+        </p:txBody>
+      </p:sp>
+      <p:sp>
+        <p:nvSpPr>
+          <p:cNvPr id="4" name="矩形: 圆角 3">
+            <a:extLst>
+              <a:ext uri="{FF2B5EF4-FFF2-40B4-BE49-F238E27FC236}">
+                <a16:creationId xmlns:a16="http://schemas.microsoft.com/office/drawing/2014/main" id="{6EBF9BE9-AC1B-06F9-F976-55F2EBE1CCA2}"/>
+              </a:ext>
+            </a:extLst>
+          </p:cNvPr>
+          <p:cNvSpPr/>
+          <p:nvPr/>
+        </p:nvSpPr>
+        <p:spPr>
+          <a:xfrm>
+            <a:off x="1410269" y="3874542"/>
+            <a:ext cx="864000" cy="648000"/>
+          </a:xfrm>
+          <a:prstGeom prst="roundRect">
+            <a:avLst/>
+          </a:prstGeom>
+          <a:solidFill>
+            <a:schemeClr val="accent4">
+              <a:lumMod val="20000"/>
+              <a:lumOff val="80000"/>
+            </a:schemeClr>
+          </a:solidFill>
+        </p:spPr>
+        <p:style>
+          <a:lnRef idx="2">
+            <a:schemeClr val="accent1">
+              <a:shade val="15000"/>
+            </a:schemeClr>
+          </a:lnRef>
+          <a:fillRef idx="1">
+            <a:schemeClr val="accent1"/>
+          </a:fillRef>
+          <a:effectRef idx="0">
+            <a:schemeClr val="accent1"/>
+          </a:effectRef>
+          <a:fontRef idx="minor">
+            <a:schemeClr val="lt1"/>
+          </a:fontRef>
+        </p:style>
+        <p:txBody>
+          <a:bodyPr rtlCol="0" anchor="ctr"/>
+          <a:lstStyle/>
+          <a:p>
+            <a:pPr algn="ctr"/>
+            <a:r>
+              <a:rPr lang="zh-CN" altLang="en-US">
+                <a:solidFill>
+                  <a:schemeClr val="tx1"/>
+                </a:solidFill>
+                <a:latin typeface="宋体" panose="02010600030101010101" pitchFamily="2" charset="-122"/>
+                <a:ea typeface="宋体" panose="02010600030101010101" pitchFamily="2" charset="-122"/>
+              </a:rPr>
+              <a:t>样本</a:t>
+            </a:r>
+          </a:p>
+        </p:txBody>
+      </p:sp>
+      <p:sp>
+        <p:nvSpPr>
+          <p:cNvPr id="5" name="矩形: 圆角 4">
+            <a:extLst>
+              <a:ext uri="{FF2B5EF4-FFF2-40B4-BE49-F238E27FC236}">
+                <a16:creationId xmlns:a16="http://schemas.microsoft.com/office/drawing/2014/main" id="{5DEADDBC-995C-4DAB-C4D6-D6885D702B37}"/>
+              </a:ext>
+            </a:extLst>
+          </p:cNvPr>
+          <p:cNvSpPr/>
+          <p:nvPr/>
+        </p:nvSpPr>
+        <p:spPr>
+          <a:xfrm>
+            <a:off x="4028264" y="3912642"/>
+            <a:ext cx="864000" cy="648000"/>
+          </a:xfrm>
+          <a:prstGeom prst="roundRect">
+            <a:avLst/>
+          </a:prstGeom>
+          <a:solidFill>
+            <a:schemeClr val="accent6">
+              <a:lumMod val="20000"/>
+              <a:lumOff val="80000"/>
+            </a:schemeClr>
+          </a:solidFill>
+        </p:spPr>
+        <p:style>
+          <a:lnRef idx="2">
+            <a:schemeClr val="accent1">
+              <a:shade val="15000"/>
+            </a:schemeClr>
+          </a:lnRef>
+          <a:fillRef idx="1">
+            <a:schemeClr val="accent1"/>
+          </a:fillRef>
+          <a:effectRef idx="0">
+            <a:schemeClr val="accent1"/>
+          </a:effectRef>
+          <a:fontRef idx="minor">
+            <a:schemeClr val="lt1"/>
+          </a:fontRef>
+        </p:style>
+        <p:txBody>
+          <a:bodyPr rtlCol="0" anchor="ctr"/>
+          <a:lstStyle/>
+          <a:p>
+            <a:pPr algn="ctr"/>
+            <a:r>
+              <a:rPr lang="zh-CN" altLang="en-US">
+                <a:solidFill>
+                  <a:schemeClr val="tx1"/>
+                </a:solidFill>
+                <a:latin typeface="宋体" panose="02010600030101010101" pitchFamily="2" charset="-122"/>
+                <a:ea typeface="宋体" panose="02010600030101010101" pitchFamily="2" charset="-122"/>
+              </a:rPr>
+              <a:t>模型</a:t>
+            </a:r>
+          </a:p>
+        </p:txBody>
+      </p:sp>
+      <p:cxnSp>
+        <p:nvCxnSpPr>
+          <p:cNvPr id="15" name="直接箭头连接符 14">
+            <a:extLst>
+              <a:ext uri="{FF2B5EF4-FFF2-40B4-BE49-F238E27FC236}">
+                <a16:creationId xmlns:a16="http://schemas.microsoft.com/office/drawing/2014/main" id="{304A610A-731B-DE92-2CFA-E7BB9F81267D}"/>
+              </a:ext>
+            </a:extLst>
+          </p:cNvPr>
+          <p:cNvCxnSpPr>
+            <a:cxnSpLocks/>
+            <a:stCxn id="2" idx="3"/>
+            <a:endCxn id="3" idx="1"/>
+          </p:cNvCxnSpPr>
+          <p:nvPr/>
+        </p:nvCxnSpPr>
+        <p:spPr>
+          <a:xfrm>
+            <a:off x="2274269" y="2061360"/>
+            <a:ext cx="1753995" cy="371"/>
+          </a:xfrm>
+          <a:prstGeom prst="straightConnector1">
+            <a:avLst/>
+          </a:prstGeom>
+          <a:ln w="19050">
+            <a:solidFill>
+              <a:schemeClr val="tx1"/>
+            </a:solidFill>
+            <a:tailEnd type="stealth"/>
+          </a:ln>
+        </p:spPr>
+        <p:style>
+          <a:lnRef idx="1">
+            <a:schemeClr val="accent1"/>
+          </a:lnRef>
+          <a:fillRef idx="0">
+            <a:schemeClr val="accent1"/>
+          </a:fillRef>
+          <a:effectRef idx="0">
+            <a:schemeClr val="accent1"/>
+          </a:effectRef>
+          <a:fontRef idx="minor">
+            <a:schemeClr val="tx1"/>
+          </a:fontRef>
+        </p:style>
+      </p:cxnSp>
+      <p:cxnSp>
+        <p:nvCxnSpPr>
+          <p:cNvPr id="20" name="连接符: 肘形 19">
+            <a:extLst>
+              <a:ext uri="{FF2B5EF4-FFF2-40B4-BE49-F238E27FC236}">
+                <a16:creationId xmlns:a16="http://schemas.microsoft.com/office/drawing/2014/main" id="{4CE3D7A1-9650-DD3C-7752-8C940999CDCE}"/>
+              </a:ext>
+            </a:extLst>
+          </p:cNvPr>
+          <p:cNvCxnSpPr>
+            <a:stCxn id="4" idx="0"/>
+            <a:endCxn id="5" idx="0"/>
+          </p:cNvCxnSpPr>
+          <p:nvPr/>
+        </p:nvCxnSpPr>
+        <p:spPr>
+          <a:xfrm rot="16200000" flipH="1">
+            <a:off x="3132216" y="2584595"/>
+            <a:ext cx="38100" cy="2617995"/>
+          </a:xfrm>
+          <a:prstGeom prst="bentConnector3">
+            <a:avLst>
+              <a:gd name="adj1" fmla="val -380000"/>
+            </a:avLst>
+          </a:prstGeom>
+          <a:ln w="19050">
+            <a:solidFill>
+              <a:schemeClr val="tx1"/>
+            </a:solidFill>
+            <a:tailEnd type="stealth"/>
+          </a:ln>
+        </p:spPr>
+        <p:style>
+          <a:lnRef idx="1">
+            <a:schemeClr val="accent1"/>
+          </a:lnRef>
+          <a:fillRef idx="0">
+            <a:schemeClr val="accent1"/>
+          </a:fillRef>
+          <a:effectRef idx="0">
+            <a:schemeClr val="accent1"/>
+          </a:effectRef>
+          <a:fontRef idx="minor">
+            <a:schemeClr val="tx1"/>
+          </a:fontRef>
+        </p:style>
+      </p:cxnSp>
+      <p:cxnSp>
+        <p:nvCxnSpPr>
+          <p:cNvPr id="24" name="连接符: 肘形 23">
+            <a:extLst>
+              <a:ext uri="{FF2B5EF4-FFF2-40B4-BE49-F238E27FC236}">
+                <a16:creationId xmlns:a16="http://schemas.microsoft.com/office/drawing/2014/main" id="{FA2B0599-B0D2-9630-6F55-F94BD1E59FEF}"/>
+              </a:ext>
+            </a:extLst>
+          </p:cNvPr>
+          <p:cNvCxnSpPr>
+            <a:stCxn id="5" idx="2"/>
+            <a:endCxn id="4" idx="2"/>
+          </p:cNvCxnSpPr>
+          <p:nvPr/>
+        </p:nvCxnSpPr>
+        <p:spPr>
+          <a:xfrm rot="5400000" flipH="1">
+            <a:off x="3132217" y="3232595"/>
+            <a:ext cx="38100" cy="2617995"/>
+          </a:xfrm>
+          <a:prstGeom prst="bentConnector3">
+            <a:avLst>
+              <a:gd name="adj1" fmla="val -460005"/>
+            </a:avLst>
+          </a:prstGeom>
+          <a:ln w="19050">
+            <a:solidFill>
+              <a:schemeClr val="tx1"/>
+            </a:solidFill>
+            <a:tailEnd type="stealth"/>
+          </a:ln>
+        </p:spPr>
+        <p:style>
+          <a:lnRef idx="1">
+            <a:schemeClr val="accent1"/>
+          </a:lnRef>
+          <a:fillRef idx="0">
+            <a:schemeClr val="accent1"/>
+          </a:fillRef>
+          <a:effectRef idx="0">
+            <a:schemeClr val="accent1"/>
+          </a:effectRef>
+          <a:fontRef idx="minor">
+            <a:schemeClr val="tx1"/>
+          </a:fontRef>
+        </p:style>
+      </p:cxnSp>
+      <p:sp>
+        <p:nvSpPr>
+          <p:cNvPr id="26" name="文本框 25">
+            <a:extLst>
+              <a:ext uri="{FF2B5EF4-FFF2-40B4-BE49-F238E27FC236}">
+                <a16:creationId xmlns:a16="http://schemas.microsoft.com/office/drawing/2014/main" id="{546AECBB-1670-AFFE-EE2D-D37A9DD3EDF4}"/>
+              </a:ext>
+            </a:extLst>
+          </p:cNvPr>
+          <p:cNvSpPr txBox="1"/>
+          <p:nvPr/>
+        </p:nvSpPr>
+        <p:spPr>
+          <a:xfrm>
+            <a:off x="2251019" y="4769677"/>
+            <a:ext cx="1800493" cy="307777"/>
           </a:xfrm>
           <a:prstGeom prst="rect">
             <a:avLst/>
           </a:prstGeom>
           <a:noFill/>
+        </p:spPr>
+        <p:txBody>
+          <a:bodyPr wrap="none" rtlCol="0">
+            <a:spAutoFit/>
+          </a:bodyPr>
+          <a:lstStyle/>
+          <a:p>
+            <a:r>
+              <a:rPr lang="zh-CN" altLang="en-US" sz="1400">
+                <a:latin typeface="宋体" panose="02010600030101010101" pitchFamily="2" charset="-122"/>
+                <a:ea typeface="宋体" panose="02010600030101010101" pitchFamily="2" charset="-122"/>
+              </a:rPr>
+              <a:t>与环境交互生成样本</a:t>
+            </a:r>
+          </a:p>
+        </p:txBody>
+      </p:sp>
+      <p:sp>
+        <p:nvSpPr>
+          <p:cNvPr id="27" name="文本框 26">
+            <a:extLst>
+              <a:ext uri="{FF2B5EF4-FFF2-40B4-BE49-F238E27FC236}">
+                <a16:creationId xmlns:a16="http://schemas.microsoft.com/office/drawing/2014/main" id="{BBAD516C-BB60-2CAA-1E05-53B8685D8428}"/>
+              </a:ext>
+            </a:extLst>
+          </p:cNvPr>
+          <p:cNvSpPr txBox="1"/>
+          <p:nvPr/>
+        </p:nvSpPr>
+        <p:spPr>
+          <a:xfrm>
+            <a:off x="2340788" y="3415704"/>
+            <a:ext cx="1620957" cy="307777"/>
+          </a:xfrm>
+          <a:prstGeom prst="rect">
+            <a:avLst/>
+          </a:prstGeom>
+          <a:noFill/>
+        </p:spPr>
+        <p:txBody>
+          <a:bodyPr wrap="none" rtlCol="0">
+            <a:spAutoFit/>
+          </a:bodyPr>
+          <a:lstStyle/>
+          <a:p>
+            <a:r>
+              <a:rPr lang="zh-CN" altLang="en-US" sz="1400">
+                <a:latin typeface="宋体" panose="02010600030101010101" pitchFamily="2" charset="-122"/>
+                <a:ea typeface="宋体" panose="02010600030101010101" pitchFamily="2" charset="-122"/>
+              </a:rPr>
+              <a:t>通过训练生成模型</a:t>
+            </a:r>
+          </a:p>
+        </p:txBody>
+      </p:sp>
+      <p:sp>
+        <p:nvSpPr>
+          <p:cNvPr id="28" name="文本框 27">
+            <a:extLst>
+              <a:ext uri="{FF2B5EF4-FFF2-40B4-BE49-F238E27FC236}">
+                <a16:creationId xmlns:a16="http://schemas.microsoft.com/office/drawing/2014/main" id="{40590150-367E-34A5-59D6-E4186C19681D}"/>
+              </a:ext>
+            </a:extLst>
+          </p:cNvPr>
+          <p:cNvSpPr txBox="1"/>
+          <p:nvPr/>
+        </p:nvSpPr>
+        <p:spPr>
+          <a:xfrm>
+            <a:off x="2340788" y="1725251"/>
+            <a:ext cx="1620957" cy="307777"/>
+          </a:xfrm>
+          <a:prstGeom prst="rect">
+            <a:avLst/>
+          </a:prstGeom>
+          <a:noFill/>
+        </p:spPr>
+        <p:txBody>
+          <a:bodyPr wrap="square" rtlCol="0">
+            <a:spAutoFit/>
+          </a:bodyPr>
+          <a:lstStyle/>
+          <a:p>
+            <a:r>
+              <a:rPr lang="zh-CN" altLang="en-US" sz="1400">
+                <a:latin typeface="宋体" panose="02010600030101010101" pitchFamily="2" charset="-122"/>
+                <a:ea typeface="宋体" panose="02010600030101010101" pitchFamily="2" charset="-122"/>
+              </a:rPr>
+              <a:t>通过训练生成模型</a:t>
+            </a:r>
+          </a:p>
+        </p:txBody>
+      </p:sp>
+      <p:sp>
+        <p:nvSpPr>
+          <p:cNvPr id="32" name="矩形: 圆角 31">
+            <a:extLst>
+              <a:ext uri="{FF2B5EF4-FFF2-40B4-BE49-F238E27FC236}">
+                <a16:creationId xmlns:a16="http://schemas.microsoft.com/office/drawing/2014/main" id="{0053104B-D6FD-6F08-9D62-47A753008F07}"/>
+              </a:ext>
+            </a:extLst>
+          </p:cNvPr>
+          <p:cNvSpPr/>
+          <p:nvPr/>
+        </p:nvSpPr>
+        <p:spPr>
+          <a:xfrm>
+            <a:off x="7507689" y="1773360"/>
+            <a:ext cx="1440000" cy="576000"/>
+          </a:xfrm>
+          <a:prstGeom prst="roundRect">
+            <a:avLst/>
+          </a:prstGeom>
+          <a:solidFill>
+            <a:schemeClr val="accent6">
+              <a:lumMod val="20000"/>
+              <a:lumOff val="80000"/>
+            </a:schemeClr>
+          </a:solidFill>
+        </p:spPr>
+        <p:style>
+          <a:lnRef idx="2">
+            <a:schemeClr val="accent1">
+              <a:shade val="15000"/>
+            </a:schemeClr>
+          </a:lnRef>
+          <a:fillRef idx="1">
+            <a:schemeClr val="accent1"/>
+          </a:fillRef>
+          <a:effectRef idx="0">
+            <a:schemeClr val="accent1"/>
+          </a:effectRef>
+          <a:fontRef idx="minor">
+            <a:schemeClr val="lt1"/>
+          </a:fontRef>
+        </p:style>
+        <p:txBody>
+          <a:bodyPr rtlCol="0" anchor="ctr"/>
+          <a:lstStyle/>
+          <a:p>
+            <a:pPr algn="ctr"/>
+            <a:r>
+              <a:rPr lang="zh-CN" altLang="en-US">
+                <a:solidFill>
+                  <a:schemeClr val="tx1"/>
+                </a:solidFill>
+                <a:latin typeface="宋体" panose="02010600030101010101" pitchFamily="2" charset="-122"/>
+                <a:ea typeface="宋体" panose="02010600030101010101" pitchFamily="2" charset="-122"/>
+              </a:rPr>
+              <a:t>前向控制</a:t>
+            </a:r>
+          </a:p>
+        </p:txBody>
+      </p:sp>
+      <p:sp>
+        <p:nvSpPr>
+          <p:cNvPr id="33" name="矩形: 圆角 32">
+            <a:extLst>
+              <a:ext uri="{FF2B5EF4-FFF2-40B4-BE49-F238E27FC236}">
+                <a16:creationId xmlns:a16="http://schemas.microsoft.com/office/drawing/2014/main" id="{57D82E1E-2D36-0AA2-759F-091588C9ED97}"/>
+              </a:ext>
+            </a:extLst>
+          </p:cNvPr>
+          <p:cNvSpPr/>
+          <p:nvPr/>
+        </p:nvSpPr>
+        <p:spPr>
+          <a:xfrm>
+            <a:off x="7523538" y="3569592"/>
+            <a:ext cx="1440000" cy="576000"/>
+          </a:xfrm>
+          <a:prstGeom prst="roundRect">
+            <a:avLst/>
+          </a:prstGeom>
+          <a:solidFill>
+            <a:schemeClr val="accent6">
+              <a:lumMod val="20000"/>
+              <a:lumOff val="80000"/>
+            </a:schemeClr>
+          </a:solidFill>
+        </p:spPr>
+        <p:style>
+          <a:lnRef idx="2">
+            <a:schemeClr val="accent1">
+              <a:shade val="15000"/>
+            </a:schemeClr>
+          </a:lnRef>
+          <a:fillRef idx="1">
+            <a:schemeClr val="accent1"/>
+          </a:fillRef>
+          <a:effectRef idx="0">
+            <a:schemeClr val="accent1"/>
+          </a:effectRef>
+          <a:fontRef idx="minor">
+            <a:schemeClr val="lt1"/>
+          </a:fontRef>
+        </p:style>
+        <p:txBody>
+          <a:bodyPr rtlCol="0" anchor="ctr"/>
+          <a:lstStyle/>
+          <a:p>
+            <a:pPr algn="ctr"/>
+            <a:r>
+              <a:rPr lang="zh-CN" altLang="en-US">
+                <a:solidFill>
+                  <a:schemeClr val="tx1"/>
+                </a:solidFill>
+                <a:latin typeface="宋体" panose="02010600030101010101" pitchFamily="2" charset="-122"/>
+                <a:ea typeface="宋体" panose="02010600030101010101" pitchFamily="2" charset="-122"/>
+              </a:rPr>
+              <a:t>前向控制</a:t>
+            </a:r>
+          </a:p>
+        </p:txBody>
+      </p:sp>
+      <p:sp>
+        <p:nvSpPr>
+          <p:cNvPr id="34" name="矩形: 圆角 33">
+            <a:extLst>
+              <a:ext uri="{FF2B5EF4-FFF2-40B4-BE49-F238E27FC236}">
+                <a16:creationId xmlns:a16="http://schemas.microsoft.com/office/drawing/2014/main" id="{F8C8AB33-B7EC-B981-798D-93CD1F4A4317}"/>
+              </a:ext>
+            </a:extLst>
+          </p:cNvPr>
+          <p:cNvSpPr/>
+          <p:nvPr/>
+        </p:nvSpPr>
+        <p:spPr>
+          <a:xfrm>
+            <a:off x="7523538" y="4464976"/>
+            <a:ext cx="1440000" cy="576000"/>
+          </a:xfrm>
+          <a:prstGeom prst="roundRect">
+            <a:avLst/>
+          </a:prstGeom>
+          <a:solidFill>
+            <a:schemeClr val="accent2">
+              <a:lumMod val="20000"/>
+              <a:lumOff val="80000"/>
+            </a:schemeClr>
+          </a:solidFill>
           <a:ln>
             <a:solidFill>
               <a:schemeClr val="tx1"/>
@@ -3662,7 +4288,7 @@
         <p:style>
           <a:lnRef idx="2">
             <a:schemeClr val="accent1">
-              <a:shade val="50000"/>
+              <a:shade val="15000"/>
             </a:schemeClr>
           </a:lnRef>
           <a:fillRef idx="1">
@@ -3680,31 +4306,871 @@
           <a:lstStyle/>
           <a:p>
             <a:pPr algn="ctr"/>
-            <a:endParaRPr kumimoji="1" lang="zh-CN" altLang="en-US"/>
-          </a:p>
-        </p:txBody>
-      </p:sp>
-      <p:sp>
-        <p:nvSpPr>
-          <p:cNvPr id="8" name="矩形 7">
-            <a:extLst>
-              <a:ext uri="{FF2B5EF4-FFF2-40B4-BE49-F238E27FC236}">
-                <a16:creationId xmlns:a16="http://schemas.microsoft.com/office/drawing/2014/main" id="{9131832C-BFB8-AC42-DB06-E62737AA08FC}"/>
-              </a:ext>
-            </a:extLst>
-          </p:cNvPr>
-          <p:cNvSpPr/>
+            <a:r>
+              <a:rPr lang="zh-CN" altLang="en-US">
+                <a:solidFill>
+                  <a:schemeClr val="tx1"/>
+                </a:solidFill>
+              </a:rPr>
+              <a:t>反馈回路</a:t>
+            </a:r>
+          </a:p>
+        </p:txBody>
+      </p:sp>
+      <p:cxnSp>
+        <p:nvCxnSpPr>
+          <p:cNvPr id="36" name="直接箭头连接符 35">
+            <a:extLst>
+              <a:ext uri="{FF2B5EF4-FFF2-40B4-BE49-F238E27FC236}">
+                <a16:creationId xmlns:a16="http://schemas.microsoft.com/office/drawing/2014/main" id="{D4EB9FDC-9655-B571-0A46-B3E53E9906C9}"/>
+              </a:ext>
+            </a:extLst>
+          </p:cNvPr>
+          <p:cNvCxnSpPr>
+            <a:cxnSpLocks/>
+          </p:cNvCxnSpPr>
           <p:nvPr/>
-        </p:nvSpPr>
-        <p:spPr>
-          <a:xfrm>
-            <a:off x="4562951" y="1705232"/>
-            <a:ext cx="720000" cy="720000"/>
+        </p:nvCxnSpPr>
+        <p:spPr>
+          <a:xfrm flipV="1">
+            <a:off x="6776963" y="2058651"/>
+            <a:ext cx="720000" cy="0"/>
+          </a:xfrm>
+          <a:prstGeom prst="straightConnector1">
+            <a:avLst/>
+          </a:prstGeom>
+          <a:ln w="19050">
+            <a:solidFill>
+              <a:schemeClr val="tx1"/>
+            </a:solidFill>
+            <a:tailEnd type="stealth"/>
+          </a:ln>
+        </p:spPr>
+        <p:style>
+          <a:lnRef idx="1">
+            <a:schemeClr val="accent1"/>
+          </a:lnRef>
+          <a:fillRef idx="0">
+            <a:schemeClr val="accent1"/>
+          </a:fillRef>
+          <a:effectRef idx="0">
+            <a:schemeClr val="accent1"/>
+          </a:effectRef>
+          <a:fontRef idx="minor">
+            <a:schemeClr val="tx1"/>
+          </a:fontRef>
+        </p:style>
+      </p:cxnSp>
+      <p:cxnSp>
+        <p:nvCxnSpPr>
+          <p:cNvPr id="38" name="直接箭头连接符 37">
+            <a:extLst>
+              <a:ext uri="{FF2B5EF4-FFF2-40B4-BE49-F238E27FC236}">
+                <a16:creationId xmlns:a16="http://schemas.microsoft.com/office/drawing/2014/main" id="{542231F6-D4BF-9A02-AE97-377538EAA55D}"/>
+              </a:ext>
+            </a:extLst>
+          </p:cNvPr>
+          <p:cNvCxnSpPr>
+            <a:cxnSpLocks/>
+            <a:stCxn id="32" idx="3"/>
+          </p:cNvCxnSpPr>
+          <p:nvPr/>
+        </p:nvCxnSpPr>
+        <p:spPr>
+          <a:xfrm>
+            <a:off x="8947689" y="2061360"/>
+            <a:ext cx="720000" cy="0"/>
+          </a:xfrm>
+          <a:prstGeom prst="straightConnector1">
+            <a:avLst/>
+          </a:prstGeom>
+          <a:ln w="19050">
+            <a:solidFill>
+              <a:schemeClr val="tx1"/>
+            </a:solidFill>
+            <a:tailEnd type="stealth"/>
+          </a:ln>
+        </p:spPr>
+        <p:style>
+          <a:lnRef idx="1">
+            <a:schemeClr val="accent1"/>
+          </a:lnRef>
+          <a:fillRef idx="0">
+            <a:schemeClr val="accent1"/>
+          </a:fillRef>
+          <a:effectRef idx="0">
+            <a:schemeClr val="accent1"/>
+          </a:effectRef>
+          <a:fontRef idx="minor">
+            <a:schemeClr val="tx1"/>
+          </a:fontRef>
+        </p:style>
+      </p:cxnSp>
+      <p:cxnSp>
+        <p:nvCxnSpPr>
+          <p:cNvPr id="40" name="直接箭头连接符 39">
+            <a:extLst>
+              <a:ext uri="{FF2B5EF4-FFF2-40B4-BE49-F238E27FC236}">
+                <a16:creationId xmlns:a16="http://schemas.microsoft.com/office/drawing/2014/main" id="{FB099CEA-F1DC-A0E5-15C9-4E08312566B1}"/>
+              </a:ext>
+            </a:extLst>
+          </p:cNvPr>
+          <p:cNvCxnSpPr>
+            <a:cxnSpLocks/>
+            <a:endCxn id="33" idx="1"/>
+          </p:cNvCxnSpPr>
+          <p:nvPr/>
+        </p:nvCxnSpPr>
+        <p:spPr>
+          <a:xfrm>
+            <a:off x="6780113" y="3857592"/>
+            <a:ext cx="743425" cy="0"/>
+          </a:xfrm>
+          <a:prstGeom prst="straightConnector1">
+            <a:avLst/>
+          </a:prstGeom>
+          <a:ln w="19050">
+            <a:solidFill>
+              <a:schemeClr val="tx1"/>
+            </a:solidFill>
+            <a:tailEnd type="stealth"/>
+          </a:ln>
+        </p:spPr>
+        <p:style>
+          <a:lnRef idx="1">
+            <a:schemeClr val="accent1"/>
+          </a:lnRef>
+          <a:fillRef idx="0">
+            <a:schemeClr val="accent1"/>
+          </a:fillRef>
+          <a:effectRef idx="0">
+            <a:schemeClr val="accent1"/>
+          </a:effectRef>
+          <a:fontRef idx="minor">
+            <a:schemeClr val="tx1"/>
+          </a:fontRef>
+        </p:style>
+      </p:cxnSp>
+      <p:cxnSp>
+        <p:nvCxnSpPr>
+          <p:cNvPr id="42" name="直接箭头连接符 41">
+            <a:extLst>
+              <a:ext uri="{FF2B5EF4-FFF2-40B4-BE49-F238E27FC236}">
+                <a16:creationId xmlns:a16="http://schemas.microsoft.com/office/drawing/2014/main" id="{132AB81C-E9EF-C22D-ABBE-9395F15D2C98}"/>
+              </a:ext>
+            </a:extLst>
+          </p:cNvPr>
+          <p:cNvCxnSpPr>
+            <a:cxnSpLocks/>
+            <a:stCxn id="33" idx="3"/>
+          </p:cNvCxnSpPr>
+          <p:nvPr/>
+        </p:nvCxnSpPr>
+        <p:spPr>
+          <a:xfrm>
+            <a:off x="8963538" y="3857592"/>
+            <a:ext cx="720000" cy="0"/>
+          </a:xfrm>
+          <a:prstGeom prst="straightConnector1">
+            <a:avLst/>
+          </a:prstGeom>
+          <a:ln w="19050">
+            <a:solidFill>
+              <a:schemeClr val="tx1"/>
+            </a:solidFill>
+            <a:tailEnd type="stealth"/>
+          </a:ln>
+        </p:spPr>
+        <p:style>
+          <a:lnRef idx="1">
+            <a:schemeClr val="accent1"/>
+          </a:lnRef>
+          <a:fillRef idx="0">
+            <a:schemeClr val="accent1"/>
+          </a:fillRef>
+          <a:effectRef idx="0">
+            <a:schemeClr val="accent1"/>
+          </a:effectRef>
+          <a:fontRef idx="minor">
+            <a:schemeClr val="tx1"/>
+          </a:fontRef>
+        </p:style>
+      </p:cxnSp>
+      <p:cxnSp>
+        <p:nvCxnSpPr>
+          <p:cNvPr id="44" name="连接符: 肘形 43">
+            <a:extLst>
+              <a:ext uri="{FF2B5EF4-FFF2-40B4-BE49-F238E27FC236}">
+                <a16:creationId xmlns:a16="http://schemas.microsoft.com/office/drawing/2014/main" id="{8FBACBFE-D204-9ADA-F406-431EC7EE1D98}"/>
+              </a:ext>
+            </a:extLst>
+          </p:cNvPr>
+          <p:cNvCxnSpPr>
+            <a:cxnSpLocks/>
+            <a:stCxn id="33" idx="3"/>
+            <a:endCxn id="34" idx="3"/>
+          </p:cNvCxnSpPr>
+          <p:nvPr/>
+        </p:nvCxnSpPr>
+        <p:spPr>
+          <a:xfrm>
+            <a:off x="8963538" y="3857592"/>
+            <a:ext cx="12700" cy="895384"/>
+          </a:xfrm>
+          <a:prstGeom prst="bentConnector3">
+            <a:avLst>
+              <a:gd name="adj1" fmla="val 1800000"/>
+            </a:avLst>
+          </a:prstGeom>
+          <a:ln w="19050">
+            <a:solidFill>
+              <a:schemeClr val="tx1"/>
+            </a:solidFill>
+            <a:tailEnd type="stealth"/>
+          </a:ln>
+        </p:spPr>
+        <p:style>
+          <a:lnRef idx="1">
+            <a:schemeClr val="accent1"/>
+          </a:lnRef>
+          <a:fillRef idx="0">
+            <a:schemeClr val="accent1"/>
+          </a:fillRef>
+          <a:effectRef idx="0">
+            <a:schemeClr val="accent1"/>
+          </a:effectRef>
+          <a:fontRef idx="minor">
+            <a:schemeClr val="tx1"/>
+          </a:fontRef>
+        </p:style>
+      </p:cxnSp>
+      <p:cxnSp>
+        <p:nvCxnSpPr>
+          <p:cNvPr id="46" name="连接符: 肘形 45">
+            <a:extLst>
+              <a:ext uri="{FF2B5EF4-FFF2-40B4-BE49-F238E27FC236}">
+                <a16:creationId xmlns:a16="http://schemas.microsoft.com/office/drawing/2014/main" id="{3BBC5033-A9A5-7E46-B257-B5FC4D0A54E4}"/>
+              </a:ext>
+            </a:extLst>
+          </p:cNvPr>
+          <p:cNvCxnSpPr>
+            <a:cxnSpLocks/>
+            <a:stCxn id="34" idx="1"/>
+            <a:endCxn id="33" idx="1"/>
+          </p:cNvCxnSpPr>
+          <p:nvPr/>
+        </p:nvCxnSpPr>
+        <p:spPr>
+          <a:xfrm rot="10800000">
+            <a:off x="7523538" y="3857592"/>
+            <a:ext cx="12700" cy="895384"/>
+          </a:xfrm>
+          <a:prstGeom prst="bentConnector3">
+            <a:avLst>
+              <a:gd name="adj1" fmla="val 1800000"/>
+            </a:avLst>
+          </a:prstGeom>
+          <a:ln w="19050">
+            <a:solidFill>
+              <a:schemeClr val="tx1"/>
+            </a:solidFill>
+            <a:tailEnd type="stealth"/>
+          </a:ln>
+        </p:spPr>
+        <p:style>
+          <a:lnRef idx="1">
+            <a:schemeClr val="accent1"/>
+          </a:lnRef>
+          <a:fillRef idx="0">
+            <a:schemeClr val="accent1"/>
+          </a:fillRef>
+          <a:effectRef idx="0">
+            <a:schemeClr val="accent1"/>
+          </a:effectRef>
+          <a:fontRef idx="minor">
+            <a:schemeClr val="tx1"/>
+          </a:fontRef>
+        </p:style>
+      </p:cxnSp>
+      <p:sp>
+        <p:nvSpPr>
+          <p:cNvPr id="68" name="文本框 67">
+            <a:extLst>
+              <a:ext uri="{FF2B5EF4-FFF2-40B4-BE49-F238E27FC236}">
+                <a16:creationId xmlns:a16="http://schemas.microsoft.com/office/drawing/2014/main" id="{8A3E9F67-8ABF-9087-D450-FFF2E4E3125F}"/>
+              </a:ext>
+            </a:extLst>
+          </p:cNvPr>
+          <p:cNvSpPr txBox="1"/>
+          <p:nvPr/>
+        </p:nvSpPr>
+        <p:spPr>
+          <a:xfrm>
+            <a:off x="6764264" y="1750874"/>
+            <a:ext cx="543382" cy="307777"/>
           </a:xfrm>
           <a:prstGeom prst="rect">
             <a:avLst/>
           </a:prstGeom>
           <a:noFill/>
+        </p:spPr>
+        <p:txBody>
+          <a:bodyPr wrap="square" rtlCol="0">
+            <a:spAutoFit/>
+          </a:bodyPr>
+          <a:lstStyle/>
+          <a:p>
+            <a:r>
+              <a:rPr lang="zh-CN" altLang="en-US" sz="1400">
+                <a:latin typeface="宋体" panose="02010600030101010101" pitchFamily="2" charset="-122"/>
+                <a:ea typeface="宋体" panose="02010600030101010101" pitchFamily="2" charset="-122"/>
+              </a:rPr>
+              <a:t>输入</a:t>
+            </a:r>
+          </a:p>
+        </p:txBody>
+      </p:sp>
+      <p:sp>
+        <p:nvSpPr>
+          <p:cNvPr id="69" name="文本框 68">
+            <a:extLst>
+              <a:ext uri="{FF2B5EF4-FFF2-40B4-BE49-F238E27FC236}">
+                <a16:creationId xmlns:a16="http://schemas.microsoft.com/office/drawing/2014/main" id="{E81286F7-B60C-CDE8-FC40-75B1952C1345}"/>
+              </a:ext>
+            </a:extLst>
+          </p:cNvPr>
+          <p:cNvSpPr txBox="1"/>
+          <p:nvPr/>
+        </p:nvSpPr>
+        <p:spPr>
+          <a:xfrm>
+            <a:off x="9108458" y="1773360"/>
+            <a:ext cx="543382" cy="307777"/>
+          </a:xfrm>
+          <a:prstGeom prst="rect">
+            <a:avLst/>
+          </a:prstGeom>
+          <a:noFill/>
+        </p:spPr>
+        <p:txBody>
+          <a:bodyPr wrap="square" rtlCol="0">
+            <a:spAutoFit/>
+          </a:bodyPr>
+          <a:lstStyle/>
+          <a:p>
+            <a:r>
+              <a:rPr lang="zh-CN" altLang="en-US" sz="1400">
+                <a:latin typeface="宋体" panose="02010600030101010101" pitchFamily="2" charset="-122"/>
+                <a:ea typeface="宋体" panose="02010600030101010101" pitchFamily="2" charset="-122"/>
+              </a:rPr>
+              <a:t>输出</a:t>
+            </a:r>
+          </a:p>
+        </p:txBody>
+      </p:sp>
+      <p:sp>
+        <p:nvSpPr>
+          <p:cNvPr id="85" name="文本框 84">
+            <a:extLst>
+              <a:ext uri="{FF2B5EF4-FFF2-40B4-BE49-F238E27FC236}">
+                <a16:creationId xmlns:a16="http://schemas.microsoft.com/office/drawing/2014/main" id="{82A308FA-E074-6064-FB72-E0722DE2C88B}"/>
+              </a:ext>
+            </a:extLst>
+          </p:cNvPr>
+          <p:cNvSpPr txBox="1"/>
+          <p:nvPr/>
+        </p:nvSpPr>
+        <p:spPr>
+          <a:xfrm>
+            <a:off x="9124307" y="3526828"/>
+            <a:ext cx="543382" cy="307777"/>
+          </a:xfrm>
+          <a:prstGeom prst="rect">
+            <a:avLst/>
+          </a:prstGeom>
+          <a:noFill/>
+        </p:spPr>
+        <p:txBody>
+          <a:bodyPr wrap="square" rtlCol="0">
+            <a:spAutoFit/>
+          </a:bodyPr>
+          <a:lstStyle/>
+          <a:p>
+            <a:r>
+              <a:rPr lang="zh-CN" altLang="en-US" sz="1400">
+                <a:latin typeface="宋体" panose="02010600030101010101" pitchFamily="2" charset="-122"/>
+                <a:ea typeface="宋体" panose="02010600030101010101" pitchFamily="2" charset="-122"/>
+              </a:rPr>
+              <a:t>输出</a:t>
+            </a:r>
+          </a:p>
+        </p:txBody>
+      </p:sp>
+      <p:sp>
+        <p:nvSpPr>
+          <p:cNvPr id="86" name="文本框 85">
+            <a:extLst>
+              <a:ext uri="{FF2B5EF4-FFF2-40B4-BE49-F238E27FC236}">
+                <a16:creationId xmlns:a16="http://schemas.microsoft.com/office/drawing/2014/main" id="{704E77DF-D0BE-1BB0-DE5D-6DD632E92C30}"/>
+              </a:ext>
+            </a:extLst>
+          </p:cNvPr>
+          <p:cNvSpPr txBox="1"/>
+          <p:nvPr/>
+        </p:nvSpPr>
+        <p:spPr>
+          <a:xfrm>
+            <a:off x="6780113" y="3527959"/>
+            <a:ext cx="543382" cy="307777"/>
+          </a:xfrm>
+          <a:prstGeom prst="rect">
+            <a:avLst/>
+          </a:prstGeom>
+          <a:noFill/>
+        </p:spPr>
+        <p:txBody>
+          <a:bodyPr wrap="square" rtlCol="0">
+            <a:spAutoFit/>
+          </a:bodyPr>
+          <a:lstStyle/>
+          <a:p>
+            <a:r>
+              <a:rPr lang="zh-CN" altLang="en-US" sz="1400">
+                <a:latin typeface="宋体" panose="02010600030101010101" pitchFamily="2" charset="-122"/>
+                <a:ea typeface="宋体" panose="02010600030101010101" pitchFamily="2" charset="-122"/>
+              </a:rPr>
+              <a:t>输入</a:t>
+            </a:r>
+          </a:p>
+        </p:txBody>
+      </p:sp>
+      <p:sp>
+        <p:nvSpPr>
+          <p:cNvPr id="96" name="箭头: 右 95">
+            <a:extLst>
+              <a:ext uri="{FF2B5EF4-FFF2-40B4-BE49-F238E27FC236}">
+                <a16:creationId xmlns:a16="http://schemas.microsoft.com/office/drawing/2014/main" id="{1EE08D51-5FD2-47FE-6F64-F8220E869694}"/>
+              </a:ext>
+            </a:extLst>
+          </p:cNvPr>
+          <p:cNvSpPr/>
+          <p:nvPr/>
+        </p:nvSpPr>
+        <p:spPr>
+          <a:xfrm>
+            <a:off x="5468264" y="1917360"/>
+            <a:ext cx="720000" cy="288000"/>
+          </a:xfrm>
+          <a:prstGeom prst="rightArrow">
+            <a:avLst/>
+          </a:prstGeom>
+          <a:solidFill>
+            <a:schemeClr val="bg1"/>
+          </a:solidFill>
+          <a:ln w="25400">
+            <a:solidFill>
+              <a:schemeClr val="tx1"/>
+            </a:solidFill>
+          </a:ln>
+        </p:spPr>
+        <p:style>
+          <a:lnRef idx="2">
+            <a:schemeClr val="accent1">
+              <a:shade val="15000"/>
+            </a:schemeClr>
+          </a:lnRef>
+          <a:fillRef idx="1">
+            <a:schemeClr val="accent1"/>
+          </a:fillRef>
+          <a:effectRef idx="0">
+            <a:schemeClr val="accent1"/>
+          </a:effectRef>
+          <a:fontRef idx="minor">
+            <a:schemeClr val="lt1"/>
+          </a:fontRef>
+        </p:style>
+        <p:txBody>
+          <a:bodyPr rtlCol="0" anchor="ctr"/>
+          <a:lstStyle/>
+          <a:p>
+            <a:pPr algn="ctr"/>
+            <a:endParaRPr lang="zh-CN" altLang="en-US"/>
+          </a:p>
+        </p:txBody>
+      </p:sp>
+      <p:sp>
+        <p:nvSpPr>
+          <p:cNvPr id="97" name="箭头: 右 96">
+            <a:extLst>
+              <a:ext uri="{FF2B5EF4-FFF2-40B4-BE49-F238E27FC236}">
+                <a16:creationId xmlns:a16="http://schemas.microsoft.com/office/drawing/2014/main" id="{7C4D456C-21D1-1ADB-C048-02C3502149F8}"/>
+              </a:ext>
+            </a:extLst>
+          </p:cNvPr>
+          <p:cNvSpPr/>
+          <p:nvPr/>
+        </p:nvSpPr>
+        <p:spPr>
+          <a:xfrm>
+            <a:off x="5468264" y="4054542"/>
+            <a:ext cx="720000" cy="288000"/>
+          </a:xfrm>
+          <a:prstGeom prst="rightArrow">
+            <a:avLst/>
+          </a:prstGeom>
+          <a:solidFill>
+            <a:schemeClr val="bg1"/>
+          </a:solidFill>
+          <a:ln w="25400">
+            <a:solidFill>
+              <a:schemeClr val="tx1"/>
+            </a:solidFill>
+          </a:ln>
+        </p:spPr>
+        <p:style>
+          <a:lnRef idx="2">
+            <a:schemeClr val="accent1">
+              <a:shade val="15000"/>
+            </a:schemeClr>
+          </a:lnRef>
+          <a:fillRef idx="1">
+            <a:schemeClr val="accent1"/>
+          </a:fillRef>
+          <a:effectRef idx="0">
+            <a:schemeClr val="accent1"/>
+          </a:effectRef>
+          <a:fontRef idx="minor">
+            <a:schemeClr val="lt1"/>
+          </a:fontRef>
+        </p:style>
+        <p:txBody>
+          <a:bodyPr rtlCol="0" anchor="ctr"/>
+          <a:lstStyle/>
+          <a:p>
+            <a:pPr algn="ctr"/>
+            <a:endParaRPr lang="zh-CN" altLang="en-US"/>
+          </a:p>
+        </p:txBody>
+      </p:sp>
+      <p:sp>
+        <p:nvSpPr>
+          <p:cNvPr id="98" name="文本框 97">
+            <a:extLst>
+              <a:ext uri="{FF2B5EF4-FFF2-40B4-BE49-F238E27FC236}">
+                <a16:creationId xmlns:a16="http://schemas.microsoft.com/office/drawing/2014/main" id="{AE51F8EA-3ACA-902D-9FA1-4975F795F1A7}"/>
+              </a:ext>
+            </a:extLst>
+          </p:cNvPr>
+          <p:cNvSpPr txBox="1"/>
+          <p:nvPr/>
+        </p:nvSpPr>
+        <p:spPr>
+          <a:xfrm>
+            <a:off x="5373693" y="1188041"/>
+            <a:ext cx="909142" cy="307777"/>
+          </a:xfrm>
+          <a:prstGeom prst="rect">
+            <a:avLst/>
+          </a:prstGeom>
+          <a:noFill/>
+        </p:spPr>
+        <p:txBody>
+          <a:bodyPr wrap="square" rtlCol="0">
+            <a:spAutoFit/>
+          </a:bodyPr>
+          <a:lstStyle/>
+          <a:p>
+            <a:r>
+              <a:rPr lang="zh-CN" altLang="en-US" sz="1400" b="1">
+                <a:latin typeface="宋体" panose="02010600030101010101" pitchFamily="2" charset="-122"/>
+                <a:ea typeface="宋体" panose="02010600030101010101" pitchFamily="2" charset="-122"/>
+              </a:rPr>
+              <a:t>深度学习</a:t>
+            </a:r>
+          </a:p>
+        </p:txBody>
+      </p:sp>
+      <p:sp>
+        <p:nvSpPr>
+          <p:cNvPr id="99" name="文本框 98">
+            <a:extLst>
+              <a:ext uri="{FF2B5EF4-FFF2-40B4-BE49-F238E27FC236}">
+                <a16:creationId xmlns:a16="http://schemas.microsoft.com/office/drawing/2014/main" id="{693EA107-DA5E-4A8D-EB17-FE4ADB15B6E2}"/>
+              </a:ext>
+            </a:extLst>
+          </p:cNvPr>
+          <p:cNvSpPr txBox="1"/>
+          <p:nvPr/>
+        </p:nvSpPr>
+        <p:spPr>
+          <a:xfrm>
+            <a:off x="5373693" y="3429000"/>
+            <a:ext cx="909142" cy="307777"/>
+          </a:xfrm>
+          <a:prstGeom prst="rect">
+            <a:avLst/>
+          </a:prstGeom>
+          <a:noFill/>
+        </p:spPr>
+        <p:txBody>
+          <a:bodyPr wrap="square" rtlCol="0">
+            <a:spAutoFit/>
+          </a:bodyPr>
+          <a:lstStyle/>
+          <a:p>
+            <a:r>
+              <a:rPr lang="zh-CN" altLang="en-US" sz="1400" b="1">
+                <a:latin typeface="宋体" panose="02010600030101010101" pitchFamily="2" charset="-122"/>
+                <a:ea typeface="宋体" panose="02010600030101010101" pitchFamily="2" charset="-122"/>
+              </a:rPr>
+              <a:t>强化学习</a:t>
+            </a:r>
+          </a:p>
+        </p:txBody>
+      </p:sp>
+    </p:spTree>
+    <p:extLst>
+      <p:ext uri="{BB962C8B-B14F-4D97-AF65-F5344CB8AC3E}">
+        <p14:creationId xmlns:p14="http://schemas.microsoft.com/office/powerpoint/2010/main" val="3319464383"/>
+      </p:ext>
+    </p:extLst>
+  </p:cSld>
+  <p:clrMapOvr>
+    <a:masterClrMapping/>
+  </p:clrMapOvr>
+</p:sld>
+</file>
+
+<file path=ppt/slides/slide3.xml><?xml version="1.0" encoding="utf-8"?>
+<p:sld xmlns:a="http://schemas.openxmlformats.org/drawingml/2006/main" xmlns:r="http://schemas.openxmlformats.org/officeDocument/2006/relationships" xmlns:p="http://schemas.openxmlformats.org/presentationml/2006/main">
+  <p:cSld>
+    <p:spTree>
+      <p:nvGrpSpPr>
+        <p:cNvPr id="1" name=""/>
+        <p:cNvGrpSpPr/>
+        <p:nvPr/>
+      </p:nvGrpSpPr>
+      <p:grpSpPr>
+        <a:xfrm>
+          <a:off x="0" y="0"/>
+          <a:ext cx="0" cy="0"/>
+          <a:chOff x="0" y="0"/>
+          <a:chExt cx="0" cy="0"/>
+        </a:xfrm>
+      </p:grpSpPr>
+      <p:sp>
+        <p:nvSpPr>
+          <p:cNvPr id="13" name="任意多边形: 形状 12">
+            <a:extLst>
+              <a:ext uri="{FF2B5EF4-FFF2-40B4-BE49-F238E27FC236}">
+                <a16:creationId xmlns:a16="http://schemas.microsoft.com/office/drawing/2014/main" id="{A13403B4-2553-3C18-E065-58CB7E866D92}"/>
+              </a:ext>
+            </a:extLst>
+          </p:cNvPr>
+          <p:cNvSpPr/>
+          <p:nvPr/>
+        </p:nvSpPr>
+        <p:spPr>
+          <a:xfrm>
+            <a:off x="2259827" y="2342861"/>
+            <a:ext cx="2653990" cy="2172277"/>
+          </a:xfrm>
+          <a:custGeom>
+            <a:avLst/>
+            <a:gdLst>
+              <a:gd name="connsiteX0" fmla="*/ 0 w 2653990"/>
+              <a:gd name="connsiteY0" fmla="*/ 2172277 h 2172277"/>
+              <a:gd name="connsiteX1" fmla="*/ 1868944 w 2653990"/>
+              <a:gd name="connsiteY1" fmla="*/ 19 h 2172277"/>
+              <a:gd name="connsiteX2" fmla="*/ 2653990 w 2653990"/>
+              <a:gd name="connsiteY2" fmla="*/ 2132132 h 2172277"/>
+            </a:gdLst>
+            <a:ahLst/>
+            <a:cxnLst>
+              <a:cxn ang="0">
+                <a:pos x="connsiteX0" y="connsiteY0"/>
+              </a:cxn>
+              <a:cxn ang="0">
+                <a:pos x="connsiteX1" y="connsiteY1"/>
+              </a:cxn>
+              <a:cxn ang="0">
+                <a:pos x="connsiteX2" y="connsiteY2"/>
+              </a:cxn>
+            </a:cxnLst>
+            <a:rect l="l" t="t" r="r" b="b"/>
+            <a:pathLst>
+              <a:path w="2653990" h="2172277">
+                <a:moveTo>
+                  <a:pt x="0" y="2172277"/>
+                </a:moveTo>
+                <a:cubicBezTo>
+                  <a:pt x="713306" y="1089493"/>
+                  <a:pt x="1426612" y="6710"/>
+                  <a:pt x="1868944" y="19"/>
+                </a:cubicBezTo>
+                <a:cubicBezTo>
+                  <a:pt x="2311276" y="-6672"/>
+                  <a:pt x="2509768" y="1741839"/>
+                  <a:pt x="2653990" y="2132132"/>
+                </a:cubicBezTo>
+              </a:path>
+            </a:pathLst>
+          </a:custGeom>
+          <a:noFill/>
+        </p:spPr>
+        <p:style>
+          <a:lnRef idx="2">
+            <a:schemeClr val="accent1">
+              <a:shade val="15000"/>
+            </a:schemeClr>
+          </a:lnRef>
+          <a:fillRef idx="1">
+            <a:schemeClr val="accent1"/>
+          </a:fillRef>
+          <a:effectRef idx="0">
+            <a:schemeClr val="accent1"/>
+          </a:effectRef>
+          <a:fontRef idx="minor">
+            <a:schemeClr val="lt1"/>
+          </a:fontRef>
+        </p:style>
+        <p:txBody>
+          <a:bodyPr rtlCol="0" anchor="ctr"/>
+          <a:lstStyle/>
+          <a:p>
+            <a:pPr algn="ctr"/>
+            <a:endParaRPr lang="zh-CN" altLang="en-US"/>
+          </a:p>
+        </p:txBody>
+      </p:sp>
+      <p:sp>
+        <p:nvSpPr>
+          <p:cNvPr id="18" name="任意多边形: 形状 17">
+            <a:extLst>
+              <a:ext uri="{FF2B5EF4-FFF2-40B4-BE49-F238E27FC236}">
+                <a16:creationId xmlns:a16="http://schemas.microsoft.com/office/drawing/2014/main" id="{F63EEC30-6907-6A57-8F80-7288CB4019E6}"/>
+              </a:ext>
+            </a:extLst>
+          </p:cNvPr>
+          <p:cNvSpPr/>
+          <p:nvPr/>
+        </p:nvSpPr>
+        <p:spPr>
+          <a:xfrm>
+            <a:off x="6311590" y="1936559"/>
+            <a:ext cx="3385511" cy="2617599"/>
+          </a:xfrm>
+          <a:custGeom>
+            <a:avLst/>
+            <a:gdLst>
+              <a:gd name="connsiteX0" fmla="*/ 0 w 3385511"/>
+              <a:gd name="connsiteY0" fmla="*/ 2617599 h 2617599"/>
+              <a:gd name="connsiteX1" fmla="*/ 1409515 w 3385511"/>
+              <a:gd name="connsiteY1" fmla="*/ 654984 h 2617599"/>
+              <a:gd name="connsiteX2" fmla="*/ 1775275 w 3385511"/>
+              <a:gd name="connsiteY2" fmla="*/ 1524779 h 2617599"/>
+              <a:gd name="connsiteX3" fmla="*/ 2475571 w 3385511"/>
+              <a:gd name="connsiteY3" fmla="*/ 128647 h 2617599"/>
+              <a:gd name="connsiteX4" fmla="*/ 3385511 w 3385511"/>
+              <a:gd name="connsiteY4" fmla="*/ 146489 h 2617599"/>
+            </a:gdLst>
+            <a:ahLst/>
+            <a:cxnLst>
+              <a:cxn ang="0">
+                <a:pos x="connsiteX0" y="connsiteY0"/>
+              </a:cxn>
+              <a:cxn ang="0">
+                <a:pos x="connsiteX1" y="connsiteY1"/>
+              </a:cxn>
+              <a:cxn ang="0">
+                <a:pos x="connsiteX2" y="connsiteY2"/>
+              </a:cxn>
+              <a:cxn ang="0">
+                <a:pos x="connsiteX3" y="connsiteY3"/>
+              </a:cxn>
+              <a:cxn ang="0">
+                <a:pos x="connsiteX4" y="connsiteY4"/>
+              </a:cxn>
+            </a:cxnLst>
+            <a:rect l="l" t="t" r="r" b="b"/>
+            <a:pathLst>
+              <a:path w="3385511" h="2617599">
+                <a:moveTo>
+                  <a:pt x="0" y="2617599"/>
+                </a:moveTo>
+                <a:cubicBezTo>
+                  <a:pt x="556818" y="1727360"/>
+                  <a:pt x="1113636" y="837121"/>
+                  <a:pt x="1409515" y="654984"/>
+                </a:cubicBezTo>
+                <a:cubicBezTo>
+                  <a:pt x="1705394" y="472847"/>
+                  <a:pt x="1597599" y="1612502"/>
+                  <a:pt x="1775275" y="1524779"/>
+                </a:cubicBezTo>
+                <a:cubicBezTo>
+                  <a:pt x="1952951" y="1437056"/>
+                  <a:pt x="2207198" y="358362"/>
+                  <a:pt x="2475571" y="128647"/>
+                </a:cubicBezTo>
+                <a:cubicBezTo>
+                  <a:pt x="2743944" y="-101068"/>
+                  <a:pt x="3064727" y="22710"/>
+                  <a:pt x="3385511" y="146489"/>
+                </a:cubicBezTo>
+              </a:path>
+            </a:pathLst>
+          </a:custGeom>
+          <a:noFill/>
+        </p:spPr>
+        <p:style>
+          <a:lnRef idx="2">
+            <a:schemeClr val="accent1">
+              <a:shade val="15000"/>
+            </a:schemeClr>
+          </a:lnRef>
+          <a:fillRef idx="1">
+            <a:schemeClr val="accent1"/>
+          </a:fillRef>
+          <a:effectRef idx="0">
+            <a:schemeClr val="accent1"/>
+          </a:effectRef>
+          <a:fontRef idx="minor">
+            <a:schemeClr val="lt1"/>
+          </a:fontRef>
+        </p:style>
+        <p:txBody>
+          <a:bodyPr rtlCol="0" anchor="ctr"/>
+          <a:lstStyle/>
+          <a:p>
+            <a:pPr algn="ctr"/>
+            <a:endParaRPr lang="zh-CN" altLang="en-US"/>
+          </a:p>
+        </p:txBody>
+      </p:sp>
+      <p:sp>
+        <p:nvSpPr>
+          <p:cNvPr id="19" name="椭圆 18">
+            <a:extLst>
+              <a:ext uri="{FF2B5EF4-FFF2-40B4-BE49-F238E27FC236}">
+                <a16:creationId xmlns:a16="http://schemas.microsoft.com/office/drawing/2014/main" id="{932003F3-788D-FDDA-E4D4-B8C27EE8F89C}"/>
+              </a:ext>
+            </a:extLst>
+          </p:cNvPr>
+          <p:cNvSpPr/>
+          <p:nvPr/>
+        </p:nvSpPr>
+        <p:spPr>
+          <a:xfrm>
+            <a:off x="4126787" y="2270861"/>
+            <a:ext cx="72000" cy="72000"/>
+          </a:xfrm>
+          <a:prstGeom prst="ellipse">
+            <a:avLst/>
+          </a:prstGeom>
+          <a:solidFill>
+            <a:schemeClr val="tx1"/>
+          </a:solidFill>
           <a:ln>
             <a:solidFill>
               <a:schemeClr val="tx1"/>
@@ -3714,7 +5180,7 @@
         <p:style>
           <a:lnRef idx="2">
             <a:schemeClr val="accent1">
-              <a:shade val="50000"/>
+              <a:shade val="15000"/>
             </a:schemeClr>
           </a:lnRef>
           <a:fillRef idx="1">
@@ -3732,31 +5198,113 @@
           <a:lstStyle/>
           <a:p>
             <a:pPr algn="ctr"/>
-            <a:endParaRPr kumimoji="1" lang="zh-CN" altLang="en-US"/>
-          </a:p>
-        </p:txBody>
-      </p:sp>
-      <p:sp>
-        <p:nvSpPr>
-          <p:cNvPr id="9" name="矩形 8">
-            <a:extLst>
-              <a:ext uri="{FF2B5EF4-FFF2-40B4-BE49-F238E27FC236}">
-                <a16:creationId xmlns:a16="http://schemas.microsoft.com/office/drawing/2014/main" id="{07B0BE27-896E-A33D-20F1-4C2F2AC50BF0}"/>
-              </a:ext>
-            </a:extLst>
-          </p:cNvPr>
-          <p:cNvSpPr/>
+            <a:endParaRPr lang="zh-CN" altLang="en-US"/>
+          </a:p>
+        </p:txBody>
+      </p:sp>
+      <p:cxnSp>
+        <p:nvCxnSpPr>
+          <p:cNvPr id="22" name="直接箭头连接符 21">
+            <a:extLst>
+              <a:ext uri="{FF2B5EF4-FFF2-40B4-BE49-F238E27FC236}">
+                <a16:creationId xmlns:a16="http://schemas.microsoft.com/office/drawing/2014/main" id="{B0F6BD61-5110-E385-4120-4267C7D5F6B8}"/>
+              </a:ext>
+            </a:extLst>
+          </p:cNvPr>
+          <p:cNvCxnSpPr/>
           <p:nvPr/>
-        </p:nvSpPr>
-        <p:spPr>
-          <a:xfrm>
-            <a:off x="5282951" y="1705232"/>
-            <a:ext cx="720000" cy="720000"/>
+        </p:nvCxnSpPr>
+        <p:spPr>
+          <a:xfrm>
+            <a:off x="4354489" y="2342861"/>
+            <a:ext cx="559328" cy="952789"/>
+          </a:xfrm>
+          <a:prstGeom prst="straightConnector1">
+            <a:avLst/>
+          </a:prstGeom>
+          <a:ln w="12700">
+            <a:solidFill>
+              <a:schemeClr val="tx1"/>
+            </a:solidFill>
+            <a:tailEnd type="stealth"/>
+          </a:ln>
+        </p:spPr>
+        <p:style>
+          <a:lnRef idx="1">
+            <a:schemeClr val="accent1"/>
+          </a:lnRef>
+          <a:fillRef idx="0">
+            <a:schemeClr val="accent1"/>
+          </a:fillRef>
+          <a:effectRef idx="0">
+            <a:schemeClr val="accent1"/>
+          </a:effectRef>
+          <a:fontRef idx="minor">
+            <a:schemeClr val="tx1"/>
+          </a:fontRef>
+        </p:style>
+      </p:cxnSp>
+      <p:sp>
+        <p:nvSpPr>
+          <p:cNvPr id="23" name="文本框 22">
+            <a:extLst>
+              <a:ext uri="{FF2B5EF4-FFF2-40B4-BE49-F238E27FC236}">
+                <a16:creationId xmlns:a16="http://schemas.microsoft.com/office/drawing/2014/main" id="{6BEEE1F2-51DA-873B-597C-91B9E8AD5B1E}"/>
+              </a:ext>
+            </a:extLst>
+          </p:cNvPr>
+          <p:cNvSpPr txBox="1"/>
+          <p:nvPr/>
+        </p:nvSpPr>
+        <p:spPr>
+          <a:xfrm>
+            <a:off x="4494189" y="2371725"/>
+            <a:ext cx="902811" cy="307777"/>
           </a:xfrm>
           <a:prstGeom prst="rect">
             <a:avLst/>
           </a:prstGeom>
           <a:noFill/>
+        </p:spPr>
+        <p:txBody>
+          <a:bodyPr wrap="none" rtlCol="0">
+            <a:spAutoFit/>
+          </a:bodyPr>
+          <a:lstStyle/>
+          <a:p>
+            <a:r>
+              <a:rPr lang="zh-CN" altLang="en-US" sz="1400">
+                <a:latin typeface="宋体" panose="02010600030101010101" pitchFamily="2" charset="-122"/>
+                <a:ea typeface="宋体" panose="02010600030101010101" pitchFamily="2" charset="-122"/>
+              </a:rPr>
+              <a:t>坡度更陡</a:t>
+            </a:r>
+          </a:p>
+        </p:txBody>
+      </p:sp>
+      <p:sp>
+        <p:nvSpPr>
+          <p:cNvPr id="29" name="椭圆 28">
+            <a:extLst>
+              <a:ext uri="{FF2B5EF4-FFF2-40B4-BE49-F238E27FC236}">
+                <a16:creationId xmlns:a16="http://schemas.microsoft.com/office/drawing/2014/main" id="{A6776E2E-3CD3-FA11-6037-51EFB5DC8621}"/>
+              </a:ext>
+            </a:extLst>
+          </p:cNvPr>
+          <p:cNvSpPr/>
+          <p:nvPr/>
+        </p:nvSpPr>
+        <p:spPr>
+          <a:xfrm>
+            <a:off x="7750438" y="2525613"/>
+            <a:ext cx="72000" cy="72000"/>
+          </a:xfrm>
+          <a:prstGeom prst="ellipse">
+            <a:avLst/>
+          </a:prstGeom>
+          <a:solidFill>
+            <a:schemeClr val="tx1"/>
+          </a:solidFill>
           <a:ln>
             <a:solidFill>
               <a:schemeClr val="tx1"/>
@@ -3766,7 +5314,7 @@
         <p:style>
           <a:lnRef idx="2">
             <a:schemeClr val="accent1">
-              <a:shade val="50000"/>
+              <a:shade val="15000"/>
             </a:schemeClr>
           </a:lnRef>
           <a:fillRef idx="1">
@@ -3784,450 +5332,52 @@
           <a:lstStyle/>
           <a:p>
             <a:pPr algn="ctr"/>
-            <a:endParaRPr kumimoji="1" lang="zh-CN" altLang="en-US"/>
-          </a:p>
-        </p:txBody>
-      </p:sp>
-      <p:sp>
-        <p:nvSpPr>
-          <p:cNvPr id="10" name="矩形 9">
-            <a:extLst>
-              <a:ext uri="{FF2B5EF4-FFF2-40B4-BE49-F238E27FC236}">
-                <a16:creationId xmlns:a16="http://schemas.microsoft.com/office/drawing/2014/main" id="{F2D4A9F2-E9D0-27B5-D126-1CB1ACC058C5}"/>
-              </a:ext>
-            </a:extLst>
-          </p:cNvPr>
-          <p:cNvSpPr/>
+            <a:endParaRPr lang="zh-CN" altLang="en-US"/>
+          </a:p>
+        </p:txBody>
+      </p:sp>
+      <p:sp>
+        <p:nvSpPr>
+          <p:cNvPr id="30" name="文本框 29">
+            <a:extLst>
+              <a:ext uri="{FF2B5EF4-FFF2-40B4-BE49-F238E27FC236}">
+                <a16:creationId xmlns:a16="http://schemas.microsoft.com/office/drawing/2014/main" id="{E8491EB0-D51B-9FC9-E29A-F63CB94D7AD6}"/>
+              </a:ext>
+            </a:extLst>
+          </p:cNvPr>
+          <p:cNvSpPr txBox="1"/>
           <p:nvPr/>
         </p:nvSpPr>
         <p:spPr>
           <a:xfrm>
-            <a:off x="5282951" y="2425232"/>
-            <a:ext cx="720000" cy="720000"/>
+            <a:off x="7082029" y="3682731"/>
+            <a:ext cx="3458971" cy="523220"/>
           </a:xfrm>
           <a:prstGeom prst="rect">
             <a:avLst/>
           </a:prstGeom>
           <a:noFill/>
-          <a:ln>
-            <a:solidFill>
-              <a:schemeClr val="tx1"/>
-            </a:solidFill>
-          </a:ln>
-        </p:spPr>
-        <p:style>
-          <a:lnRef idx="2">
-            <a:schemeClr val="accent1">
-              <a:shade val="50000"/>
-            </a:schemeClr>
-          </a:lnRef>
-          <a:fillRef idx="1">
-            <a:schemeClr val="accent1"/>
-          </a:fillRef>
-          <a:effectRef idx="0">
-            <a:schemeClr val="accent1"/>
-          </a:effectRef>
-          <a:fontRef idx="minor">
-            <a:schemeClr val="lt1"/>
-          </a:fontRef>
-        </p:style>
-        <p:txBody>
-          <a:bodyPr rtlCol="0" anchor="ctr"/>
-          <a:lstStyle/>
-          <a:p>
-            <a:pPr algn="ctr"/>
-            <a:endParaRPr kumimoji="1" lang="zh-CN" altLang="en-US"/>
-          </a:p>
-        </p:txBody>
-      </p:sp>
-      <mc:AlternateContent xmlns:mc="http://schemas.openxmlformats.org/markup-compatibility/2006" xmlns:a14="http://schemas.microsoft.com/office/drawing/2010/main">
-        <mc:Choice Requires="a14">
-          <p:sp>
-            <p:nvSpPr>
-              <p:cNvPr id="11" name="文本框 10">
-                <a:extLst>
-                  <a:ext uri="{FF2B5EF4-FFF2-40B4-BE49-F238E27FC236}">
-                    <a16:creationId xmlns:a16="http://schemas.microsoft.com/office/drawing/2014/main" id="{D88A30F1-5C6A-1A7D-64D9-1C6884F55882}"/>
-                  </a:ext>
-                </a:extLst>
-              </p:cNvPr>
-              <p:cNvSpPr txBox="1"/>
-              <p:nvPr/>
-            </p:nvSpPr>
-            <p:spPr>
-              <a:xfrm>
-                <a:off x="4641554" y="1930960"/>
-                <a:ext cx="540211" cy="276999"/>
-              </a:xfrm>
-              <a:prstGeom prst="rect">
-                <a:avLst/>
-              </a:prstGeom>
-              <a:noFill/>
-            </p:spPr>
-            <p:txBody>
-              <a:bodyPr wrap="none" lIns="0" tIns="0" rIns="0" bIns="0" rtlCol="0">
-                <a:spAutoFit/>
-              </a:bodyPr>
-              <a:lstStyle/>
-              <a:p>
-                <a:pPr/>
-                <a14:m>
-                  <m:oMathPara xmlns:m="http://schemas.openxmlformats.org/officeDocument/2006/math">
-                    <m:oMathParaPr>
-                      <m:jc m:val="centerGroup"/>
-                    </m:oMathParaPr>
-                    <m:oMath xmlns:m="http://schemas.openxmlformats.org/officeDocument/2006/math">
-                      <m:r>
-                        <a:rPr kumimoji="1" lang="en-US" altLang="zh-CN" b="0" i="1" smtClean="0">
-                          <a:latin typeface="Cambria Math" panose="02040503050406030204" pitchFamily="18" charset="0"/>
-                        </a:rPr>
-                        <m:t>−1.4</m:t>
-                      </m:r>
-                    </m:oMath>
-                  </m:oMathPara>
-                </a14:m>
-                <a:endParaRPr kumimoji="1" lang="zh-CN" altLang="en-US" dirty="0"/>
-              </a:p>
-            </p:txBody>
-          </p:sp>
-        </mc:Choice>
-        <mc:Fallback xmlns="">
-          <p:sp>
-            <p:nvSpPr>
-              <p:cNvPr id="11" name="文本框 10">
-                <a:extLst>
-                  <a:ext uri="{FF2B5EF4-FFF2-40B4-BE49-F238E27FC236}">
-                    <a16:creationId xmlns:a16="http://schemas.microsoft.com/office/drawing/2014/main" id="{D88A30F1-5C6A-1A7D-64D9-1C6884F55882}"/>
-                  </a:ext>
-                </a:extLst>
-              </p:cNvPr>
-              <p:cNvSpPr txBox="1">
-                <a:spLocks noRot="1" noChangeAspect="1" noMove="1" noResize="1" noEditPoints="1" noAdjustHandles="1" noChangeArrowheads="1" noChangeShapeType="1" noTextEdit="1"/>
-              </p:cNvSpPr>
-              <p:nvPr/>
-            </p:nvSpPr>
-            <p:spPr>
-              <a:xfrm>
-                <a:off x="4641554" y="1930960"/>
-                <a:ext cx="540211" cy="276999"/>
-              </a:xfrm>
-              <a:prstGeom prst="rect">
-                <a:avLst/>
-              </a:prstGeom>
-              <a:blipFill>
-                <a:blip r:embed="rId2"/>
-                <a:stretch>
-                  <a:fillRect l="-2273" r="-6818" b="-9091"/>
-                </a:stretch>
-              </a:blipFill>
-            </p:spPr>
-            <p:txBody>
-              <a:bodyPr/>
-              <a:lstStyle/>
-              <a:p>
-                <a:r>
-                  <a:rPr lang="zh-CN" altLang="en-US">
-                    <a:noFill/>
-                  </a:rPr>
-                  <a:t> </a:t>
-                </a:r>
-              </a:p>
-            </p:txBody>
-          </p:sp>
-        </mc:Fallback>
-      </mc:AlternateContent>
-      <mc:AlternateContent xmlns:mc="http://schemas.openxmlformats.org/markup-compatibility/2006" xmlns:a14="http://schemas.microsoft.com/office/drawing/2010/main">
-        <mc:Choice Requires="a14">
-          <p:sp>
-            <p:nvSpPr>
-              <p:cNvPr id="12" name="文本框 11">
-                <a:extLst>
-                  <a:ext uri="{FF2B5EF4-FFF2-40B4-BE49-F238E27FC236}">
-                    <a16:creationId xmlns:a16="http://schemas.microsoft.com/office/drawing/2014/main" id="{B81D961A-FBD0-17FC-F88C-1459BFA417C3}"/>
-                  </a:ext>
-                </a:extLst>
-              </p:cNvPr>
-              <p:cNvSpPr txBox="1"/>
-              <p:nvPr/>
-            </p:nvSpPr>
-            <p:spPr>
-              <a:xfrm>
-                <a:off x="5461009" y="1926732"/>
-                <a:ext cx="363882" cy="276999"/>
-              </a:xfrm>
-              <a:prstGeom prst="rect">
-                <a:avLst/>
-              </a:prstGeom>
-              <a:noFill/>
-            </p:spPr>
-            <p:txBody>
-              <a:bodyPr wrap="none" lIns="0" tIns="0" rIns="0" bIns="0" rtlCol="0">
-                <a:spAutoFit/>
-              </a:bodyPr>
-              <a:lstStyle/>
-              <a:p>
-                <a:pPr/>
-                <a14:m>
-                  <m:oMathPara xmlns:m="http://schemas.openxmlformats.org/officeDocument/2006/math">
-                    <m:oMathParaPr>
-                      <m:jc m:val="centerGroup"/>
-                    </m:oMathParaPr>
-                    <m:oMath xmlns:m="http://schemas.openxmlformats.org/officeDocument/2006/math">
-                      <m:r>
-                        <a:rPr kumimoji="1" lang="en-US" altLang="zh-CN" b="0" i="1" smtClean="0">
-                          <a:latin typeface="Cambria Math" panose="02040503050406030204" pitchFamily="18" charset="0"/>
-                        </a:rPr>
-                        <m:t>−1</m:t>
-                      </m:r>
-                    </m:oMath>
-                  </m:oMathPara>
-                </a14:m>
-                <a:endParaRPr kumimoji="1" lang="zh-CN" altLang="en-US" dirty="0"/>
-              </a:p>
-            </p:txBody>
-          </p:sp>
-        </mc:Choice>
-        <mc:Fallback xmlns="">
-          <p:sp>
-            <p:nvSpPr>
-              <p:cNvPr id="12" name="文本框 11">
-                <a:extLst>
-                  <a:ext uri="{FF2B5EF4-FFF2-40B4-BE49-F238E27FC236}">
-                    <a16:creationId xmlns:a16="http://schemas.microsoft.com/office/drawing/2014/main" id="{B81D961A-FBD0-17FC-F88C-1459BFA417C3}"/>
-                  </a:ext>
-                </a:extLst>
-              </p:cNvPr>
-              <p:cNvSpPr txBox="1">
-                <a:spLocks noRot="1" noChangeAspect="1" noMove="1" noResize="1" noEditPoints="1" noAdjustHandles="1" noChangeArrowheads="1" noChangeShapeType="1" noTextEdit="1"/>
-              </p:cNvSpPr>
-              <p:nvPr/>
-            </p:nvSpPr>
-            <p:spPr>
-              <a:xfrm>
-                <a:off x="5461009" y="1926732"/>
-                <a:ext cx="363882" cy="276999"/>
-              </a:xfrm>
-              <a:prstGeom prst="rect">
-                <a:avLst/>
-              </a:prstGeom>
-              <a:blipFill>
-                <a:blip r:embed="rId3"/>
-                <a:stretch>
-                  <a:fillRect l="-3448" r="-13793" b="-4348"/>
-                </a:stretch>
-              </a:blipFill>
-            </p:spPr>
-            <p:txBody>
-              <a:bodyPr/>
-              <a:lstStyle/>
-              <a:p>
-                <a:r>
-                  <a:rPr lang="zh-CN" altLang="en-US">
-                    <a:noFill/>
-                  </a:rPr>
-                  <a:t> </a:t>
-                </a:r>
-              </a:p>
-            </p:txBody>
-          </p:sp>
-        </mc:Fallback>
-      </mc:AlternateContent>
-      <mc:AlternateContent xmlns:mc="http://schemas.openxmlformats.org/markup-compatibility/2006" xmlns:a14="http://schemas.microsoft.com/office/drawing/2010/main">
-        <mc:Choice Requires="a14">
-          <p:sp>
-            <p:nvSpPr>
-              <p:cNvPr id="13" name="文本框 12">
-                <a:extLst>
-                  <a:ext uri="{FF2B5EF4-FFF2-40B4-BE49-F238E27FC236}">
-                    <a16:creationId xmlns:a16="http://schemas.microsoft.com/office/drawing/2014/main" id="{60032CFF-A712-BEBA-57C7-FCFF0E4A2864}"/>
-                  </a:ext>
-                </a:extLst>
-              </p:cNvPr>
-              <p:cNvSpPr txBox="1"/>
-              <p:nvPr/>
-            </p:nvSpPr>
-            <p:spPr>
-              <a:xfrm>
-                <a:off x="4741010" y="2641912"/>
-                <a:ext cx="363882" cy="276999"/>
-              </a:xfrm>
-              <a:prstGeom prst="rect">
-                <a:avLst/>
-              </a:prstGeom>
-              <a:noFill/>
-            </p:spPr>
-            <p:txBody>
-              <a:bodyPr wrap="none" lIns="0" tIns="0" rIns="0" bIns="0" rtlCol="0">
-                <a:spAutoFit/>
-              </a:bodyPr>
-              <a:lstStyle/>
-              <a:p>
-                <a:pPr/>
-                <a14:m>
-                  <m:oMathPara xmlns:m="http://schemas.openxmlformats.org/officeDocument/2006/math">
-                    <m:oMathParaPr>
-                      <m:jc m:val="centerGroup"/>
-                    </m:oMathParaPr>
-                    <m:oMath xmlns:m="http://schemas.openxmlformats.org/officeDocument/2006/math">
-                      <m:r>
-                        <a:rPr kumimoji="1" lang="en-US" altLang="zh-CN" b="0" i="1" smtClean="0">
-                          <a:latin typeface="Cambria Math" panose="02040503050406030204" pitchFamily="18" charset="0"/>
-                        </a:rPr>
-                        <m:t>−1</m:t>
-                      </m:r>
-                    </m:oMath>
-                  </m:oMathPara>
-                </a14:m>
-                <a:endParaRPr kumimoji="1" lang="zh-CN" altLang="en-US" dirty="0"/>
-              </a:p>
-            </p:txBody>
-          </p:sp>
-        </mc:Choice>
-        <mc:Fallback xmlns="">
-          <p:sp>
-            <p:nvSpPr>
-              <p:cNvPr id="13" name="文本框 12">
-                <a:extLst>
-                  <a:ext uri="{FF2B5EF4-FFF2-40B4-BE49-F238E27FC236}">
-                    <a16:creationId xmlns:a16="http://schemas.microsoft.com/office/drawing/2014/main" id="{60032CFF-A712-BEBA-57C7-FCFF0E4A2864}"/>
-                  </a:ext>
-                </a:extLst>
-              </p:cNvPr>
-              <p:cNvSpPr txBox="1">
-                <a:spLocks noRot="1" noChangeAspect="1" noMove="1" noResize="1" noEditPoints="1" noAdjustHandles="1" noChangeArrowheads="1" noChangeShapeType="1" noTextEdit="1"/>
-              </p:cNvSpPr>
-              <p:nvPr/>
-            </p:nvSpPr>
-            <p:spPr>
-              <a:xfrm>
-                <a:off x="4741010" y="2641912"/>
-                <a:ext cx="363882" cy="276999"/>
-              </a:xfrm>
-              <a:prstGeom prst="rect">
-                <a:avLst/>
-              </a:prstGeom>
-              <a:blipFill>
-                <a:blip r:embed="rId4"/>
-                <a:stretch>
-                  <a:fillRect l="-3448" r="-13793" b="-8696"/>
-                </a:stretch>
-              </a:blipFill>
-            </p:spPr>
-            <p:txBody>
-              <a:bodyPr/>
-              <a:lstStyle/>
-              <a:p>
-                <a:r>
-                  <a:rPr lang="zh-CN" altLang="en-US">
-                    <a:noFill/>
-                  </a:rPr>
-                  <a:t> </a:t>
-                </a:r>
-              </a:p>
-            </p:txBody>
-          </p:sp>
-        </mc:Fallback>
-      </mc:AlternateContent>
-      <mc:AlternateContent xmlns:mc="http://schemas.openxmlformats.org/markup-compatibility/2006" xmlns:a14="http://schemas.microsoft.com/office/drawing/2010/main">
-        <mc:Choice Requires="a14">
-          <p:sp>
-            <p:nvSpPr>
-              <p:cNvPr id="14" name="文本框 13">
-                <a:extLst>
-                  <a:ext uri="{FF2B5EF4-FFF2-40B4-BE49-F238E27FC236}">
-                    <a16:creationId xmlns:a16="http://schemas.microsoft.com/office/drawing/2014/main" id="{9CDA1B56-8525-1DD3-5A48-0DE72FD82753}"/>
-                  </a:ext>
-                </a:extLst>
-              </p:cNvPr>
-              <p:cNvSpPr txBox="1"/>
-              <p:nvPr/>
-            </p:nvSpPr>
-            <p:spPr>
-              <a:xfrm>
-                <a:off x="5547572" y="2646732"/>
-                <a:ext cx="190757" cy="276999"/>
-              </a:xfrm>
-              <a:prstGeom prst="rect">
-                <a:avLst/>
-              </a:prstGeom>
-              <a:noFill/>
-            </p:spPr>
-            <p:txBody>
-              <a:bodyPr wrap="none" lIns="0" tIns="0" rIns="0" bIns="0" rtlCol="0">
-                <a:spAutoFit/>
-              </a:bodyPr>
-              <a:lstStyle/>
-              <a:p>
-                <a:pPr/>
-                <a14:m>
-                  <m:oMathPara xmlns:m="http://schemas.openxmlformats.org/officeDocument/2006/math">
-                    <m:oMathParaPr>
-                      <m:jc m:val="centerGroup"/>
-                    </m:oMathParaPr>
-                    <m:oMath xmlns:m="http://schemas.openxmlformats.org/officeDocument/2006/math">
-                      <m:r>
-                        <a:rPr kumimoji="1" lang="en-US" altLang="zh-CN" b="0" i="1" smtClean="0">
-                          <a:latin typeface="Cambria Math" panose="02040503050406030204" pitchFamily="18" charset="0"/>
-                        </a:rPr>
-                        <m:t>0</m:t>
-                      </m:r>
-                    </m:oMath>
-                  </m:oMathPara>
-                </a14:m>
-                <a:endParaRPr kumimoji="1" lang="zh-CN" altLang="en-US" dirty="0"/>
-              </a:p>
-            </p:txBody>
-          </p:sp>
-        </mc:Choice>
-        <mc:Fallback xmlns="">
-          <p:sp>
-            <p:nvSpPr>
-              <p:cNvPr id="14" name="文本框 13">
-                <a:extLst>
-                  <a:ext uri="{FF2B5EF4-FFF2-40B4-BE49-F238E27FC236}">
-                    <a16:creationId xmlns:a16="http://schemas.microsoft.com/office/drawing/2014/main" id="{9CDA1B56-8525-1DD3-5A48-0DE72FD82753}"/>
-                  </a:ext>
-                </a:extLst>
-              </p:cNvPr>
-              <p:cNvSpPr txBox="1">
-                <a:spLocks noRot="1" noChangeAspect="1" noMove="1" noResize="1" noEditPoints="1" noAdjustHandles="1" noChangeArrowheads="1" noChangeShapeType="1" noTextEdit="1"/>
-              </p:cNvSpPr>
-              <p:nvPr/>
-            </p:nvSpPr>
-            <p:spPr>
-              <a:xfrm>
-                <a:off x="5547572" y="2646732"/>
-                <a:ext cx="190757" cy="276999"/>
-              </a:xfrm>
-              <a:prstGeom prst="rect">
-                <a:avLst/>
-              </a:prstGeom>
-              <a:blipFill>
-                <a:blip r:embed="rId5"/>
-                <a:stretch>
-                  <a:fillRect l="-25000" r="-25000" b="-4348"/>
-                </a:stretch>
-              </a:blipFill>
-            </p:spPr>
-            <p:txBody>
-              <a:bodyPr/>
-              <a:lstStyle/>
-              <a:p>
-                <a:r>
-                  <a:rPr lang="zh-CN" altLang="en-US">
-                    <a:noFill/>
-                  </a:rPr>
-                  <a:t> </a:t>
-                </a:r>
-              </a:p>
-            </p:txBody>
-          </p:sp>
-        </mc:Fallback>
-      </mc:AlternateContent>
+        </p:spPr>
+        <p:txBody>
+          <a:bodyPr wrap="square" rtlCol="0">
+            <a:spAutoFit/>
+          </a:bodyPr>
+          <a:lstStyle/>
+          <a:p>
+            <a:r>
+              <a:rPr lang="zh-CN" altLang="en-US" sz="1400">
+                <a:latin typeface="宋体" panose="02010600030101010101" pitchFamily="2" charset="-122"/>
+                <a:ea typeface="宋体" panose="02010600030101010101" pitchFamily="2" charset="-122"/>
+              </a:rPr>
+              <a:t>尽管坡度更陡，但由于看不到更远的地方反而下不去了！</a:t>
+            </a:r>
+          </a:p>
+        </p:txBody>
+      </p:sp>
     </p:spTree>
     <p:extLst>
       <p:ext uri="{BB962C8B-B14F-4D97-AF65-F5344CB8AC3E}">
-        <p14:creationId xmlns:p14="http://schemas.microsoft.com/office/powerpoint/2010/main" val="3319464383"/>
+        <p14:creationId xmlns:p14="http://schemas.microsoft.com/office/powerpoint/2010/main" val="2586943949"/>
       </p:ext>
     </p:extLst>
   </p:cSld>

--- a/docs/ch6/main.pptx
+++ b/docs/ch6/main.pptx
@@ -8,6 +8,8 @@
     <p:sldId id="256" r:id="rId2"/>
     <p:sldId id="258" r:id="rId3"/>
     <p:sldId id="259" r:id="rId4"/>
+    <p:sldId id="260" r:id="rId5"/>
+    <p:sldId id="261" r:id="rId6"/>
   </p:sldIdLst>
   <p:sldSz cx="12192000" cy="6858000"/>
   <p:notesSz cx="6858000" cy="9144000"/>
@@ -5387,6 +5389,4089 @@
 </p:sld>
 </file>
 
+<file path=ppt/slides/slide4.xml><?xml version="1.0" encoding="utf-8"?>
+<p:sld xmlns:a="http://schemas.openxmlformats.org/drawingml/2006/main" xmlns:r="http://schemas.openxmlformats.org/officeDocument/2006/relationships" xmlns:p="http://schemas.openxmlformats.org/presentationml/2006/main">
+  <p:cSld>
+    <p:spTree>
+      <p:nvGrpSpPr>
+        <p:cNvPr id="1" name=""/>
+        <p:cNvGrpSpPr/>
+        <p:nvPr/>
+      </p:nvGrpSpPr>
+      <p:grpSpPr>
+        <a:xfrm>
+          <a:off x="0" y="0"/>
+          <a:ext cx="0" cy="0"/>
+          <a:chOff x="0" y="0"/>
+          <a:chExt cx="0" cy="0"/>
+        </a:xfrm>
+      </p:grpSpPr>
+      <p:grpSp>
+        <p:nvGrpSpPr>
+          <p:cNvPr id="91" name="组合 90">
+            <a:extLst>
+              <a:ext uri="{FF2B5EF4-FFF2-40B4-BE49-F238E27FC236}">
+                <a16:creationId xmlns:a16="http://schemas.microsoft.com/office/drawing/2014/main" id="{519310EF-EF59-9A86-CBDB-5838CFC35EB6}"/>
+              </a:ext>
+            </a:extLst>
+          </p:cNvPr>
+          <p:cNvGrpSpPr/>
+          <p:nvPr/>
+        </p:nvGrpSpPr>
+        <p:grpSpPr>
+          <a:xfrm>
+            <a:off x="1141686" y="1912257"/>
+            <a:ext cx="2833678" cy="1409761"/>
+            <a:chOff x="1121102" y="2047770"/>
+            <a:chExt cx="2833678" cy="1409761"/>
+          </a:xfrm>
+        </p:grpSpPr>
+        <p:sp>
+          <p:nvSpPr>
+            <p:cNvPr id="2" name="椭圆 1">
+              <a:extLst>
+                <a:ext uri="{FF2B5EF4-FFF2-40B4-BE49-F238E27FC236}">
+                  <a16:creationId xmlns:a16="http://schemas.microsoft.com/office/drawing/2014/main" id="{8B647DD8-1064-1043-F195-164B9E0424F4}"/>
+                </a:ext>
+              </a:extLst>
+            </p:cNvPr>
+            <p:cNvSpPr/>
+            <p:nvPr/>
+          </p:nvSpPr>
+          <p:spPr>
+            <a:xfrm>
+              <a:off x="1199684" y="2359132"/>
+              <a:ext cx="720000" cy="720000"/>
+            </a:xfrm>
+            <a:prstGeom prst="ellipse">
+              <a:avLst/>
+            </a:prstGeom>
+            <a:solidFill>
+              <a:schemeClr val="bg1"/>
+            </a:solidFill>
+          </p:spPr>
+          <p:style>
+            <a:lnRef idx="2">
+              <a:schemeClr val="accent1">
+                <a:shade val="15000"/>
+              </a:schemeClr>
+            </a:lnRef>
+            <a:fillRef idx="1">
+              <a:schemeClr val="accent1"/>
+            </a:fillRef>
+            <a:effectRef idx="0">
+              <a:schemeClr val="accent1"/>
+            </a:effectRef>
+            <a:fontRef idx="minor">
+              <a:schemeClr val="lt1"/>
+            </a:fontRef>
+          </p:style>
+          <p:txBody>
+            <a:bodyPr rtlCol="0" anchor="ctr"/>
+            <a:lstStyle/>
+            <a:p>
+              <a:pPr algn="ctr"/>
+              <a:endParaRPr lang="zh-CN" altLang="en-US"/>
+            </a:p>
+          </p:txBody>
+        </p:sp>
+        <p:sp>
+          <p:nvSpPr>
+            <p:cNvPr id="3" name="椭圆 2">
+              <a:extLst>
+                <a:ext uri="{FF2B5EF4-FFF2-40B4-BE49-F238E27FC236}">
+                  <a16:creationId xmlns:a16="http://schemas.microsoft.com/office/drawing/2014/main" id="{9A7FD2F7-0B00-00D4-337F-49EA3A35C756}"/>
+                </a:ext>
+              </a:extLst>
+            </p:cNvPr>
+            <p:cNvSpPr/>
+            <p:nvPr/>
+          </p:nvSpPr>
+          <p:spPr>
+            <a:xfrm>
+              <a:off x="3234780" y="2359132"/>
+              <a:ext cx="720000" cy="720000"/>
+            </a:xfrm>
+            <a:prstGeom prst="ellipse">
+              <a:avLst/>
+            </a:prstGeom>
+            <a:solidFill>
+              <a:schemeClr val="bg1"/>
+            </a:solidFill>
+          </p:spPr>
+          <p:style>
+            <a:lnRef idx="2">
+              <a:schemeClr val="accent1">
+                <a:shade val="15000"/>
+              </a:schemeClr>
+            </a:lnRef>
+            <a:fillRef idx="1">
+              <a:schemeClr val="accent1"/>
+            </a:fillRef>
+            <a:effectRef idx="0">
+              <a:schemeClr val="accent1"/>
+            </a:effectRef>
+            <a:fontRef idx="minor">
+              <a:schemeClr val="lt1"/>
+            </a:fontRef>
+          </p:style>
+          <p:txBody>
+            <a:bodyPr rtlCol="0" anchor="ctr"/>
+            <a:lstStyle/>
+            <a:p>
+              <a:pPr algn="ctr"/>
+              <a:endParaRPr lang="zh-CN" altLang="en-US"/>
+            </a:p>
+          </p:txBody>
+        </p:sp>
+        <p:cxnSp>
+          <p:nvCxnSpPr>
+            <p:cNvPr id="5" name="直接连接符 4">
+              <a:extLst>
+                <a:ext uri="{FF2B5EF4-FFF2-40B4-BE49-F238E27FC236}">
+                  <a16:creationId xmlns:a16="http://schemas.microsoft.com/office/drawing/2014/main" id="{C1D7FBF9-7825-7C8F-177C-24EF6348BC55}"/>
+                </a:ext>
+              </a:extLst>
+            </p:cNvPr>
+            <p:cNvCxnSpPr>
+              <a:cxnSpLocks/>
+            </p:cNvCxnSpPr>
+            <p:nvPr/>
+          </p:nvCxnSpPr>
+          <p:spPr>
+            <a:xfrm flipV="1">
+              <a:off x="1919684" y="2719132"/>
+              <a:ext cx="1258809" cy="3554"/>
+            </a:xfrm>
+            <a:prstGeom prst="line">
+              <a:avLst/>
+            </a:prstGeom>
+            <a:ln w="12700">
+              <a:solidFill>
+                <a:schemeClr val="tx1"/>
+              </a:solidFill>
+            </a:ln>
+          </p:spPr>
+          <p:style>
+            <a:lnRef idx="1">
+              <a:schemeClr val="accent1"/>
+            </a:lnRef>
+            <a:fillRef idx="0">
+              <a:schemeClr val="accent1"/>
+            </a:fillRef>
+            <a:effectRef idx="0">
+              <a:schemeClr val="accent1"/>
+            </a:effectRef>
+            <a:fontRef idx="minor">
+              <a:schemeClr val="tx1"/>
+            </a:fontRef>
+          </p:style>
+        </p:cxnSp>
+        <p:cxnSp>
+          <p:nvCxnSpPr>
+            <p:cNvPr id="7" name="直接连接符 6">
+              <a:extLst>
+                <a:ext uri="{FF2B5EF4-FFF2-40B4-BE49-F238E27FC236}">
+                  <a16:creationId xmlns:a16="http://schemas.microsoft.com/office/drawing/2014/main" id="{94D70445-B153-D554-6287-4BA73BF96820}"/>
+                </a:ext>
+              </a:extLst>
+            </p:cNvPr>
+            <p:cNvCxnSpPr>
+              <a:cxnSpLocks/>
+            </p:cNvCxnSpPr>
+            <p:nvPr/>
+          </p:nvCxnSpPr>
+          <p:spPr>
+            <a:xfrm flipV="1">
+              <a:off x="3177600" y="2475071"/>
+              <a:ext cx="74711" cy="244061"/>
+            </a:xfrm>
+            <a:prstGeom prst="line">
+              <a:avLst/>
+            </a:prstGeom>
+            <a:ln w="12700">
+              <a:solidFill>
+                <a:schemeClr val="tx1"/>
+              </a:solidFill>
+            </a:ln>
+          </p:spPr>
+          <p:style>
+            <a:lnRef idx="1">
+              <a:schemeClr val="accent1"/>
+            </a:lnRef>
+            <a:fillRef idx="0">
+              <a:schemeClr val="accent1"/>
+            </a:fillRef>
+            <a:effectRef idx="0">
+              <a:schemeClr val="accent1"/>
+            </a:effectRef>
+            <a:fontRef idx="minor">
+              <a:schemeClr val="tx1"/>
+            </a:fontRef>
+          </p:style>
+        </p:cxnSp>
+        <p:cxnSp>
+          <p:nvCxnSpPr>
+            <p:cNvPr id="9" name="直接连接符 8">
+              <a:extLst>
+                <a:ext uri="{FF2B5EF4-FFF2-40B4-BE49-F238E27FC236}">
+                  <a16:creationId xmlns:a16="http://schemas.microsoft.com/office/drawing/2014/main" id="{96443FB0-1F6F-5E93-1C29-A779E2E4CF9D}"/>
+                </a:ext>
+              </a:extLst>
+            </p:cNvPr>
+            <p:cNvCxnSpPr>
+              <a:cxnSpLocks/>
+            </p:cNvCxnSpPr>
+            <p:nvPr/>
+          </p:nvCxnSpPr>
+          <p:spPr>
+            <a:xfrm>
+              <a:off x="3177600" y="2719132"/>
+              <a:ext cx="74711" cy="256002"/>
+            </a:xfrm>
+            <a:prstGeom prst="line">
+              <a:avLst/>
+            </a:prstGeom>
+            <a:ln w="12700">
+              <a:solidFill>
+                <a:schemeClr val="tx1"/>
+              </a:solidFill>
+            </a:ln>
+          </p:spPr>
+          <p:style>
+            <a:lnRef idx="1">
+              <a:schemeClr val="accent1"/>
+            </a:lnRef>
+            <a:fillRef idx="0">
+              <a:schemeClr val="accent1"/>
+            </a:fillRef>
+            <a:effectRef idx="0">
+              <a:schemeClr val="accent1"/>
+            </a:effectRef>
+            <a:fontRef idx="minor">
+              <a:schemeClr val="tx1"/>
+            </a:fontRef>
+          </p:style>
+        </p:cxnSp>
+        <p:sp>
+          <p:nvSpPr>
+            <p:cNvPr id="14" name="文本框 13">
+              <a:extLst>
+                <a:ext uri="{FF2B5EF4-FFF2-40B4-BE49-F238E27FC236}">
+                  <a16:creationId xmlns:a16="http://schemas.microsoft.com/office/drawing/2014/main" id="{1FFCAA72-413A-10A6-2B99-17411634DABA}"/>
+                </a:ext>
+              </a:extLst>
+            </p:cNvPr>
+            <p:cNvSpPr txBox="1"/>
+            <p:nvPr/>
+          </p:nvSpPr>
+          <p:spPr>
+            <a:xfrm>
+              <a:off x="1121102" y="3088199"/>
+              <a:ext cx="877163" cy="369332"/>
+            </a:xfrm>
+            <a:prstGeom prst="rect">
+              <a:avLst/>
+            </a:prstGeom>
+            <a:noFill/>
+          </p:spPr>
+          <p:txBody>
+            <a:bodyPr wrap="none" rtlCol="0">
+              <a:spAutoFit/>
+            </a:bodyPr>
+            <a:lstStyle/>
+            <a:p>
+              <a:r>
+                <a:rPr lang="zh-CN" altLang="en-US">
+                  <a:latin typeface="宋体" panose="02010600030101010101" pitchFamily="2" charset="-122"/>
+                  <a:ea typeface="宋体" panose="02010600030101010101" pitchFamily="2" charset="-122"/>
+                </a:rPr>
+                <a:t>神经元</a:t>
+              </a:r>
+            </a:p>
+          </p:txBody>
+        </p:sp>
+        <p:sp>
+          <p:nvSpPr>
+            <p:cNvPr id="15" name="文本框 14">
+              <a:extLst>
+                <a:ext uri="{FF2B5EF4-FFF2-40B4-BE49-F238E27FC236}">
+                  <a16:creationId xmlns:a16="http://schemas.microsoft.com/office/drawing/2014/main" id="{DC838974-8CD4-DF2D-A496-E63E25E2B3A1}"/>
+                </a:ext>
+              </a:extLst>
+            </p:cNvPr>
+            <p:cNvSpPr txBox="1"/>
+            <p:nvPr/>
+          </p:nvSpPr>
+          <p:spPr>
+            <a:xfrm>
+              <a:off x="2787803" y="2047770"/>
+              <a:ext cx="671677" cy="369332"/>
+            </a:xfrm>
+            <a:prstGeom prst="rect">
+              <a:avLst/>
+            </a:prstGeom>
+            <a:noFill/>
+          </p:spPr>
+          <p:txBody>
+            <a:bodyPr wrap="square" rtlCol="0">
+              <a:spAutoFit/>
+            </a:bodyPr>
+            <a:lstStyle/>
+            <a:p>
+              <a:r>
+                <a:rPr lang="zh-CN" altLang="en-US">
+                  <a:latin typeface="宋体" panose="02010600030101010101" pitchFamily="2" charset="-122"/>
+                  <a:ea typeface="宋体" panose="02010600030101010101" pitchFamily="2" charset="-122"/>
+                </a:rPr>
+                <a:t>突触</a:t>
+              </a:r>
+            </a:p>
+          </p:txBody>
+        </p:sp>
+      </p:grpSp>
+      <p:grpSp>
+        <p:nvGrpSpPr>
+          <p:cNvPr id="94" name="组合 93">
+            <a:extLst>
+              <a:ext uri="{FF2B5EF4-FFF2-40B4-BE49-F238E27FC236}">
+                <a16:creationId xmlns:a16="http://schemas.microsoft.com/office/drawing/2014/main" id="{E0771EF5-1030-3048-6CBB-5344ED1C3928}"/>
+              </a:ext>
+            </a:extLst>
+          </p:cNvPr>
+          <p:cNvGrpSpPr/>
+          <p:nvPr/>
+        </p:nvGrpSpPr>
+        <p:grpSpPr>
+          <a:xfrm>
+            <a:off x="5065739" y="1578344"/>
+            <a:ext cx="4712861" cy="2281576"/>
+            <a:chOff x="5065739" y="1578344"/>
+            <a:chExt cx="4712861" cy="2281576"/>
+          </a:xfrm>
+        </p:grpSpPr>
+        <p:grpSp>
+          <p:nvGrpSpPr>
+            <p:cNvPr id="90" name="组合 89">
+              <a:extLst>
+                <a:ext uri="{FF2B5EF4-FFF2-40B4-BE49-F238E27FC236}">
+                  <a16:creationId xmlns:a16="http://schemas.microsoft.com/office/drawing/2014/main" id="{43ECDEA3-B8A0-8D38-975F-B6F8C7C95AB7}"/>
+                </a:ext>
+              </a:extLst>
+            </p:cNvPr>
+            <p:cNvGrpSpPr>
+              <a:grpSpLocks/>
+            </p:cNvGrpSpPr>
+            <p:nvPr/>
+          </p:nvGrpSpPr>
+          <p:grpSpPr>
+            <a:xfrm>
+              <a:off x="5065739" y="1578344"/>
+              <a:ext cx="4712861" cy="2281576"/>
+              <a:chOff x="5065739" y="1578344"/>
+              <a:chExt cx="4712861" cy="2281576"/>
+            </a:xfrm>
+          </p:grpSpPr>
+          <mc:AlternateContent xmlns:mc="http://schemas.openxmlformats.org/markup-compatibility/2006">
+            <mc:Choice xmlns:a14="http://schemas.microsoft.com/office/drawing/2010/main" Requires="a14">
+              <p:sp>
+                <p:nvSpPr>
+                  <p:cNvPr id="53" name="文本框 52">
+                    <a:extLst>
+                      <a:ext uri="{FF2B5EF4-FFF2-40B4-BE49-F238E27FC236}">
+                        <a16:creationId xmlns:a16="http://schemas.microsoft.com/office/drawing/2014/main" id="{6F043BC7-A8D5-C0BC-9A84-AE4634926F96}"/>
+                      </a:ext>
+                    </a:extLst>
+                  </p:cNvPr>
+                  <p:cNvSpPr txBox="1"/>
+                  <p:nvPr/>
+                </p:nvSpPr>
+                <p:spPr>
+                  <a:xfrm>
+                    <a:off x="6560429" y="1718838"/>
+                    <a:ext cx="326756" cy="276999"/>
+                  </a:xfrm>
+                  <a:prstGeom prst="rect">
+                    <a:avLst/>
+                  </a:prstGeom>
+                  <a:noFill/>
+                </p:spPr>
+                <p:txBody>
+                  <a:bodyPr wrap="none" lIns="0" tIns="0" rIns="0" bIns="0" rtlCol="0">
+                    <a:spAutoFit/>
+                  </a:bodyPr>
+                  <a:lstStyle/>
+                  <a:p>
+                    <a14:m>
+                      <m:oMathPara xmlns:m="http://schemas.openxmlformats.org/officeDocument/2006/math">
+                        <m:oMathParaPr>
+                          <m:jc m:val="centerGroup"/>
+                        </m:oMathParaPr>
+                        <m:oMath xmlns:m="http://schemas.openxmlformats.org/officeDocument/2006/math">
+                          <m:sSub>
+                            <m:sSubPr>
+                              <m:ctrlPr>
+                                <a:rPr lang="en-US" altLang="zh-CN" b="0" i="1" smtClean="0">
+                                  <a:latin typeface="Cambria Math" panose="02040503050406030204" pitchFamily="18" charset="0"/>
+                                </a:rPr>
+                              </m:ctrlPr>
+                            </m:sSubPr>
+                            <m:e>
+                              <m:r>
+                                <a:rPr lang="en-US" altLang="zh-CN" b="0" i="1" smtClean="0">
+                                  <a:latin typeface="Cambria Math" panose="02040503050406030204" pitchFamily="18" charset="0"/>
+                                </a:rPr>
+                                <m:t>𝑤</m:t>
+                              </m:r>
+                            </m:e>
+                            <m:sub>
+                              <m:r>
+                                <a:rPr lang="en-US" altLang="zh-CN" b="0" i="1" smtClean="0">
+                                  <a:latin typeface="Cambria Math" panose="02040503050406030204" pitchFamily="18" charset="0"/>
+                                </a:rPr>
+                                <m:t>1</m:t>
+                              </m:r>
+                            </m:sub>
+                          </m:sSub>
+                        </m:oMath>
+                      </m:oMathPara>
+                    </a14:m>
+                    <a:endParaRPr lang="zh-CN" altLang="en-US"/>
+                  </a:p>
+                </p:txBody>
+              </p:sp>
+            </mc:Choice>
+            <mc:Fallback>
+              <p:sp>
+                <p:nvSpPr>
+                  <p:cNvPr id="53" name="文本框 52">
+                    <a:extLst>
+                      <a:ext uri="{FF2B5EF4-FFF2-40B4-BE49-F238E27FC236}">
+                        <a16:creationId xmlns:a16="http://schemas.microsoft.com/office/drawing/2014/main" id="{6F043BC7-A8D5-C0BC-9A84-AE4634926F96}"/>
+                      </a:ext>
+                    </a:extLst>
+                  </p:cNvPr>
+                  <p:cNvSpPr txBox="1">
+                    <a:spLocks noRot="1" noChangeAspect="1" noMove="1" noResize="1" noEditPoints="1" noAdjustHandles="1" noChangeArrowheads="1" noChangeShapeType="1" noTextEdit="1"/>
+                  </p:cNvSpPr>
+                  <p:nvPr/>
+                </p:nvSpPr>
+                <p:spPr>
+                  <a:xfrm>
+                    <a:off x="6560429" y="1718838"/>
+                    <a:ext cx="326756" cy="276999"/>
+                  </a:xfrm>
+                  <a:prstGeom prst="rect">
+                    <a:avLst/>
+                  </a:prstGeom>
+                  <a:blipFill>
+                    <a:blip r:embed="rId2"/>
+                    <a:stretch>
+                      <a:fillRect l="-9259" r="-5556" b="-15556"/>
+                    </a:stretch>
+                  </a:blipFill>
+                </p:spPr>
+                <p:txBody>
+                  <a:bodyPr/>
+                  <a:lstStyle/>
+                  <a:p>
+                    <a:r>
+                      <a:rPr lang="zh-CN" altLang="en-US">
+                        <a:noFill/>
+                      </a:rPr>
+                      <a:t> </a:t>
+                    </a:r>
+                  </a:p>
+                </p:txBody>
+              </p:sp>
+            </mc:Fallback>
+          </mc:AlternateContent>
+          <mc:AlternateContent xmlns:mc="http://schemas.openxmlformats.org/markup-compatibility/2006">
+            <mc:Choice xmlns:a14="http://schemas.microsoft.com/office/drawing/2010/main" Requires="a14">
+              <p:sp>
+                <p:nvSpPr>
+                  <p:cNvPr id="54" name="文本框 53">
+                    <a:extLst>
+                      <a:ext uri="{FF2B5EF4-FFF2-40B4-BE49-F238E27FC236}">
+                        <a16:creationId xmlns:a16="http://schemas.microsoft.com/office/drawing/2014/main" id="{1ED07B4C-D6E1-041E-5CF8-9DA33E3C9727}"/>
+                      </a:ext>
+                    </a:extLst>
+                  </p:cNvPr>
+                  <p:cNvSpPr txBox="1"/>
+                  <p:nvPr/>
+                </p:nvSpPr>
+                <p:spPr>
+                  <a:xfrm>
+                    <a:off x="6345375" y="2115156"/>
+                    <a:ext cx="332078" cy="276999"/>
+                  </a:xfrm>
+                  <a:prstGeom prst="rect">
+                    <a:avLst/>
+                  </a:prstGeom>
+                  <a:noFill/>
+                </p:spPr>
+                <p:txBody>
+                  <a:bodyPr wrap="none" lIns="0" tIns="0" rIns="0" bIns="0" rtlCol="0">
+                    <a:spAutoFit/>
+                  </a:bodyPr>
+                  <a:lstStyle/>
+                  <a:p>
+                    <a14:m>
+                      <m:oMathPara xmlns:m="http://schemas.openxmlformats.org/officeDocument/2006/math">
+                        <m:oMathParaPr>
+                          <m:jc m:val="centerGroup"/>
+                        </m:oMathParaPr>
+                        <m:oMath xmlns:m="http://schemas.openxmlformats.org/officeDocument/2006/math">
+                          <m:sSub>
+                            <m:sSubPr>
+                              <m:ctrlPr>
+                                <a:rPr lang="en-US" altLang="zh-CN" b="0" i="1" smtClean="0">
+                                  <a:latin typeface="Cambria Math" panose="02040503050406030204" pitchFamily="18" charset="0"/>
+                                </a:rPr>
+                              </m:ctrlPr>
+                            </m:sSubPr>
+                            <m:e>
+                              <m:r>
+                                <a:rPr lang="en-US" altLang="zh-CN" b="0" i="1" smtClean="0">
+                                  <a:latin typeface="Cambria Math" panose="02040503050406030204" pitchFamily="18" charset="0"/>
+                                </a:rPr>
+                                <m:t>𝑤</m:t>
+                              </m:r>
+                            </m:e>
+                            <m:sub>
+                              <m:r>
+                                <a:rPr lang="en-US" altLang="zh-CN" b="0" i="1" smtClean="0">
+                                  <a:latin typeface="Cambria Math" panose="02040503050406030204" pitchFamily="18" charset="0"/>
+                                </a:rPr>
+                                <m:t>2</m:t>
+                              </m:r>
+                            </m:sub>
+                          </m:sSub>
+                        </m:oMath>
+                      </m:oMathPara>
+                    </a14:m>
+                    <a:endParaRPr lang="zh-CN" altLang="en-US"/>
+                  </a:p>
+                </p:txBody>
+              </p:sp>
+            </mc:Choice>
+            <mc:Fallback>
+              <p:sp>
+                <p:nvSpPr>
+                  <p:cNvPr id="54" name="文本框 53">
+                    <a:extLst>
+                      <a:ext uri="{FF2B5EF4-FFF2-40B4-BE49-F238E27FC236}">
+                        <a16:creationId xmlns:a16="http://schemas.microsoft.com/office/drawing/2014/main" id="{1ED07B4C-D6E1-041E-5CF8-9DA33E3C9727}"/>
+                      </a:ext>
+                    </a:extLst>
+                  </p:cNvPr>
+                  <p:cNvSpPr txBox="1">
+                    <a:spLocks noRot="1" noChangeAspect="1" noMove="1" noResize="1" noEditPoints="1" noAdjustHandles="1" noChangeArrowheads="1" noChangeShapeType="1" noTextEdit="1"/>
+                  </p:cNvSpPr>
+                  <p:nvPr/>
+                </p:nvSpPr>
+                <p:spPr>
+                  <a:xfrm>
+                    <a:off x="6345375" y="2115156"/>
+                    <a:ext cx="332078" cy="276999"/>
+                  </a:xfrm>
+                  <a:prstGeom prst="rect">
+                    <a:avLst/>
+                  </a:prstGeom>
+                  <a:blipFill>
+                    <a:blip r:embed="rId3"/>
+                    <a:stretch>
+                      <a:fillRect l="-9259" r="-5556" b="-15556"/>
+                    </a:stretch>
+                  </a:blipFill>
+                </p:spPr>
+                <p:txBody>
+                  <a:bodyPr/>
+                  <a:lstStyle/>
+                  <a:p>
+                    <a:r>
+                      <a:rPr lang="zh-CN" altLang="en-US">
+                        <a:noFill/>
+                      </a:rPr>
+                      <a:t> </a:t>
+                    </a:r>
+                  </a:p>
+                </p:txBody>
+              </p:sp>
+            </mc:Fallback>
+          </mc:AlternateContent>
+          <mc:AlternateContent xmlns:mc="http://schemas.openxmlformats.org/markup-compatibility/2006">
+            <mc:Choice xmlns:a14="http://schemas.microsoft.com/office/drawing/2010/main" Requires="a14">
+              <p:sp>
+                <p:nvSpPr>
+                  <p:cNvPr id="55" name="文本框 54">
+                    <a:extLst>
+                      <a:ext uri="{FF2B5EF4-FFF2-40B4-BE49-F238E27FC236}">
+                        <a16:creationId xmlns:a16="http://schemas.microsoft.com/office/drawing/2014/main" id="{077637E1-153F-8A09-FD7F-9A5019387F5B}"/>
+                      </a:ext>
+                    </a:extLst>
+                  </p:cNvPr>
+                  <p:cNvSpPr txBox="1"/>
+                  <p:nvPr/>
+                </p:nvSpPr>
+                <p:spPr>
+                  <a:xfrm>
+                    <a:off x="6356501" y="2843111"/>
+                    <a:ext cx="397481" cy="276999"/>
+                  </a:xfrm>
+                  <a:prstGeom prst="rect">
+                    <a:avLst/>
+                  </a:prstGeom>
+                  <a:noFill/>
+                </p:spPr>
+                <p:txBody>
+                  <a:bodyPr wrap="none" lIns="0" tIns="0" rIns="0" bIns="0" rtlCol="0">
+                    <a:spAutoFit/>
+                  </a:bodyPr>
+                  <a:lstStyle/>
+                  <a:p>
+                    <a14:m>
+                      <m:oMathPara xmlns:m="http://schemas.openxmlformats.org/officeDocument/2006/math">
+                        <m:oMathParaPr>
+                          <m:jc m:val="centerGroup"/>
+                        </m:oMathParaPr>
+                        <m:oMath xmlns:m="http://schemas.openxmlformats.org/officeDocument/2006/math">
+                          <m:sSub>
+                            <m:sSubPr>
+                              <m:ctrlPr>
+                                <a:rPr lang="en-US" altLang="zh-CN" b="0" i="1" smtClean="0">
+                                  <a:latin typeface="Cambria Math" panose="02040503050406030204" pitchFamily="18" charset="0"/>
+                                </a:rPr>
+                              </m:ctrlPr>
+                            </m:sSubPr>
+                            <m:e>
+                              <m:r>
+                                <a:rPr lang="en-US" altLang="zh-CN" b="0" i="1" smtClean="0">
+                                  <a:latin typeface="Cambria Math" panose="02040503050406030204" pitchFamily="18" charset="0"/>
+                                </a:rPr>
+                                <m:t>𝑤</m:t>
+                              </m:r>
+                            </m:e>
+                            <m:sub>
+                              <m:r>
+                                <a:rPr lang="en-US" altLang="zh-CN" b="0" i="1" smtClean="0">
+                                  <a:latin typeface="Cambria Math" panose="02040503050406030204" pitchFamily="18" charset="0"/>
+                                </a:rPr>
+                                <m:t>𝑚</m:t>
+                              </m:r>
+                            </m:sub>
+                          </m:sSub>
+                        </m:oMath>
+                      </m:oMathPara>
+                    </a14:m>
+                    <a:endParaRPr lang="zh-CN" altLang="en-US"/>
+                  </a:p>
+                </p:txBody>
+              </p:sp>
+            </mc:Choice>
+            <mc:Fallback>
+              <p:sp>
+                <p:nvSpPr>
+                  <p:cNvPr id="55" name="文本框 54">
+                    <a:extLst>
+                      <a:ext uri="{FF2B5EF4-FFF2-40B4-BE49-F238E27FC236}">
+                        <a16:creationId xmlns:a16="http://schemas.microsoft.com/office/drawing/2014/main" id="{077637E1-153F-8A09-FD7F-9A5019387F5B}"/>
+                      </a:ext>
+                    </a:extLst>
+                  </p:cNvPr>
+                  <p:cNvSpPr txBox="1">
+                    <a:spLocks noRot="1" noChangeAspect="1" noMove="1" noResize="1" noEditPoints="1" noAdjustHandles="1" noChangeArrowheads="1" noChangeShapeType="1" noTextEdit="1"/>
+                  </p:cNvSpPr>
+                  <p:nvPr/>
+                </p:nvSpPr>
+                <p:spPr>
+                  <a:xfrm>
+                    <a:off x="6356501" y="2843111"/>
+                    <a:ext cx="397481" cy="276999"/>
+                  </a:xfrm>
+                  <a:prstGeom prst="rect">
+                    <a:avLst/>
+                  </a:prstGeom>
+                  <a:blipFill>
+                    <a:blip r:embed="rId4"/>
+                    <a:stretch>
+                      <a:fillRect l="-6154" b="-10870"/>
+                    </a:stretch>
+                  </a:blipFill>
+                </p:spPr>
+                <p:txBody>
+                  <a:bodyPr/>
+                  <a:lstStyle/>
+                  <a:p>
+                    <a:r>
+                      <a:rPr lang="zh-CN" altLang="en-US">
+                        <a:noFill/>
+                      </a:rPr>
+                      <a:t> </a:t>
+                    </a:r>
+                  </a:p>
+                </p:txBody>
+              </p:sp>
+            </mc:Fallback>
+          </mc:AlternateContent>
+          <p:grpSp>
+            <p:nvGrpSpPr>
+              <p:cNvPr id="63" name="组合 62">
+                <a:extLst>
+                  <a:ext uri="{FF2B5EF4-FFF2-40B4-BE49-F238E27FC236}">
+                    <a16:creationId xmlns:a16="http://schemas.microsoft.com/office/drawing/2014/main" id="{B6D3E815-0811-7FC4-2FEF-52A8C450239C}"/>
+                  </a:ext>
+                </a:extLst>
+              </p:cNvPr>
+              <p:cNvGrpSpPr/>
+              <p:nvPr/>
+            </p:nvGrpSpPr>
+            <p:grpSpPr>
+              <a:xfrm>
+                <a:off x="5065739" y="1578344"/>
+                <a:ext cx="4712861" cy="2281576"/>
+                <a:chOff x="5065739" y="1578344"/>
+                <a:chExt cx="4712861" cy="2281576"/>
+              </a:xfrm>
+            </p:grpSpPr>
+            <p:grpSp>
+              <p:nvGrpSpPr>
+                <p:cNvPr id="49" name="组合 48">
+                  <a:extLst>
+                    <a:ext uri="{FF2B5EF4-FFF2-40B4-BE49-F238E27FC236}">
+                      <a16:creationId xmlns:a16="http://schemas.microsoft.com/office/drawing/2014/main" id="{AF24E274-E553-B6DA-7528-476EBF967604}"/>
+                    </a:ext>
+                  </a:extLst>
+                </p:cNvPr>
+                <p:cNvGrpSpPr/>
+                <p:nvPr/>
+              </p:nvGrpSpPr>
+              <p:grpSpPr>
+                <a:xfrm>
+                  <a:off x="5394873" y="1578344"/>
+                  <a:ext cx="3732055" cy="2281576"/>
+                  <a:chOff x="4944179" y="2166472"/>
+                  <a:chExt cx="1748960" cy="1079034"/>
+                </a:xfrm>
+              </p:grpSpPr>
+              <p:sp>
+                <p:nvSpPr>
+                  <p:cNvPr id="16" name="椭圆 15">
+                    <a:extLst>
+                      <a:ext uri="{FF2B5EF4-FFF2-40B4-BE49-F238E27FC236}">
+                        <a16:creationId xmlns:a16="http://schemas.microsoft.com/office/drawing/2014/main" id="{7DF73AC2-E7E9-B1E8-6230-F738BA79622F}"/>
+                      </a:ext>
+                    </a:extLst>
+                  </p:cNvPr>
+                  <p:cNvSpPr/>
+                  <p:nvPr/>
+                </p:nvSpPr>
+                <p:spPr>
+                  <a:xfrm>
+                    <a:off x="5160179" y="2166472"/>
+                    <a:ext cx="216000" cy="216000"/>
+                  </a:xfrm>
+                  <a:prstGeom prst="ellipse">
+                    <a:avLst/>
+                  </a:prstGeom>
+                  <a:solidFill>
+                    <a:schemeClr val="bg1"/>
+                  </a:solidFill>
+                  <a:ln w="12700"/>
+                </p:spPr>
+                <p:style>
+                  <a:lnRef idx="2">
+                    <a:schemeClr val="accent1">
+                      <a:shade val="15000"/>
+                    </a:schemeClr>
+                  </a:lnRef>
+                  <a:fillRef idx="1">
+                    <a:schemeClr val="accent1"/>
+                  </a:fillRef>
+                  <a:effectRef idx="0">
+                    <a:schemeClr val="accent1"/>
+                  </a:effectRef>
+                  <a:fontRef idx="minor">
+                    <a:schemeClr val="lt1"/>
+                  </a:fontRef>
+                </p:style>
+                <p:txBody>
+                  <a:bodyPr rtlCol="0" anchor="ctr"/>
+                  <a:lstStyle/>
+                  <a:p>
+                    <a:pPr algn="ctr"/>
+                    <a:endParaRPr lang="zh-CN" altLang="en-US"/>
+                  </a:p>
+                </p:txBody>
+              </p:sp>
+              <p:sp>
+                <p:nvSpPr>
+                  <p:cNvPr id="17" name="椭圆 16">
+                    <a:extLst>
+                      <a:ext uri="{FF2B5EF4-FFF2-40B4-BE49-F238E27FC236}">
+                        <a16:creationId xmlns:a16="http://schemas.microsoft.com/office/drawing/2014/main" id="{E4B37EBE-CEE9-1992-AA4B-90B5A92861C0}"/>
+                      </a:ext>
+                    </a:extLst>
+                  </p:cNvPr>
+                  <p:cNvSpPr/>
+                  <p:nvPr/>
+                </p:nvSpPr>
+                <p:spPr>
+                  <a:xfrm>
+                    <a:off x="5160179" y="3029506"/>
+                    <a:ext cx="216000" cy="216000"/>
+                  </a:xfrm>
+                  <a:prstGeom prst="ellipse">
+                    <a:avLst/>
+                  </a:prstGeom>
+                  <a:solidFill>
+                    <a:schemeClr val="bg1"/>
+                  </a:solidFill>
+                  <a:ln w="12700"/>
+                </p:spPr>
+                <p:style>
+                  <a:lnRef idx="2">
+                    <a:schemeClr val="accent1">
+                      <a:shade val="15000"/>
+                    </a:schemeClr>
+                  </a:lnRef>
+                  <a:fillRef idx="1">
+                    <a:schemeClr val="accent1"/>
+                  </a:fillRef>
+                  <a:effectRef idx="0">
+                    <a:schemeClr val="accent1"/>
+                  </a:effectRef>
+                  <a:fontRef idx="minor">
+                    <a:schemeClr val="lt1"/>
+                  </a:fontRef>
+                </p:style>
+                <p:txBody>
+                  <a:bodyPr rtlCol="0" anchor="ctr"/>
+                  <a:lstStyle/>
+                  <a:p>
+                    <a:pPr algn="ctr"/>
+                    <a:endParaRPr lang="zh-CN" altLang="en-US"/>
+                  </a:p>
+                </p:txBody>
+              </p:sp>
+              <p:sp>
+                <p:nvSpPr>
+                  <p:cNvPr id="20" name="椭圆 19">
+                    <a:extLst>
+                      <a:ext uri="{FF2B5EF4-FFF2-40B4-BE49-F238E27FC236}">
+                        <a16:creationId xmlns:a16="http://schemas.microsoft.com/office/drawing/2014/main" id="{09D2D3FC-6AF8-91FC-4602-27EA66E9CED3}"/>
+                      </a:ext>
+                    </a:extLst>
+                  </p:cNvPr>
+                  <p:cNvSpPr/>
+                  <p:nvPr/>
+                </p:nvSpPr>
+                <p:spPr>
+                  <a:xfrm>
+                    <a:off x="5160179" y="2440299"/>
+                    <a:ext cx="216000" cy="216000"/>
+                  </a:xfrm>
+                  <a:prstGeom prst="ellipse">
+                    <a:avLst/>
+                  </a:prstGeom>
+                  <a:solidFill>
+                    <a:schemeClr val="bg1"/>
+                  </a:solidFill>
+                  <a:ln w="12700"/>
+                </p:spPr>
+                <p:style>
+                  <a:lnRef idx="2">
+                    <a:schemeClr val="accent1">
+                      <a:shade val="15000"/>
+                    </a:schemeClr>
+                  </a:lnRef>
+                  <a:fillRef idx="1">
+                    <a:schemeClr val="accent1"/>
+                  </a:fillRef>
+                  <a:effectRef idx="0">
+                    <a:schemeClr val="accent1"/>
+                  </a:effectRef>
+                  <a:fontRef idx="minor">
+                    <a:schemeClr val="lt1"/>
+                  </a:fontRef>
+                </p:style>
+                <p:txBody>
+                  <a:bodyPr rtlCol="0" anchor="ctr"/>
+                  <a:lstStyle/>
+                  <a:p>
+                    <a:pPr algn="ctr"/>
+                    <a:endParaRPr lang="zh-CN" altLang="en-US"/>
+                  </a:p>
+                </p:txBody>
+              </p:sp>
+              <p:grpSp>
+                <p:nvGrpSpPr>
+                  <p:cNvPr id="27" name="组合 26">
+                    <a:extLst>
+                      <a:ext uri="{FF2B5EF4-FFF2-40B4-BE49-F238E27FC236}">
+                        <a16:creationId xmlns:a16="http://schemas.microsoft.com/office/drawing/2014/main" id="{22BCE9FE-C425-F2B9-8100-19D5A615B1CD}"/>
+                      </a:ext>
+                    </a:extLst>
+                  </p:cNvPr>
+                  <p:cNvGrpSpPr/>
+                  <p:nvPr/>
+                </p:nvGrpSpPr>
+                <p:grpSpPr>
+                  <a:xfrm>
+                    <a:off x="5250179" y="2762641"/>
+                    <a:ext cx="36000" cy="168984"/>
+                    <a:chOff x="5237256" y="2753034"/>
+                    <a:chExt cx="36000" cy="168984"/>
+                  </a:xfrm>
+                </p:grpSpPr>
+                <p:sp>
+                  <p:nvSpPr>
+                    <p:cNvPr id="24" name="椭圆 23">
+                      <a:extLst>
+                        <a:ext uri="{FF2B5EF4-FFF2-40B4-BE49-F238E27FC236}">
+                          <a16:creationId xmlns:a16="http://schemas.microsoft.com/office/drawing/2014/main" id="{1E30A6D3-10B4-D7A6-3EC2-76B5A82C67A4}"/>
+                        </a:ext>
+                      </a:extLst>
+                    </p:cNvPr>
+                    <p:cNvSpPr/>
+                    <p:nvPr/>
+                  </p:nvSpPr>
+                  <p:spPr>
+                    <a:xfrm>
+                      <a:off x="5237256" y="2753034"/>
+                      <a:ext cx="36000" cy="36000"/>
+                    </a:xfrm>
+                    <a:prstGeom prst="ellipse">
+                      <a:avLst/>
+                    </a:prstGeom>
+                    <a:solidFill>
+                      <a:schemeClr val="tx1"/>
+                    </a:solidFill>
+                    <a:ln>
+                      <a:solidFill>
+                        <a:schemeClr val="tx1"/>
+                      </a:solidFill>
+                    </a:ln>
+                  </p:spPr>
+                  <p:style>
+                    <a:lnRef idx="2">
+                      <a:schemeClr val="accent1">
+                        <a:shade val="15000"/>
+                      </a:schemeClr>
+                    </a:lnRef>
+                    <a:fillRef idx="1">
+                      <a:schemeClr val="accent1"/>
+                    </a:fillRef>
+                    <a:effectRef idx="0">
+                      <a:schemeClr val="accent1"/>
+                    </a:effectRef>
+                    <a:fontRef idx="minor">
+                      <a:schemeClr val="lt1"/>
+                    </a:fontRef>
+                  </p:style>
+                  <p:txBody>
+                    <a:bodyPr rtlCol="0" anchor="ctr"/>
+                    <a:lstStyle/>
+                    <a:p>
+                      <a:pPr algn="ctr"/>
+                      <a:endParaRPr lang="zh-CN" altLang="en-US"/>
+                    </a:p>
+                  </p:txBody>
+                </p:sp>
+                <p:grpSp>
+                  <p:nvGrpSpPr>
+                    <p:cNvPr id="26" name="组合 25">
+                      <a:extLst>
+                        <a:ext uri="{FF2B5EF4-FFF2-40B4-BE49-F238E27FC236}">
+                          <a16:creationId xmlns:a16="http://schemas.microsoft.com/office/drawing/2014/main" id="{54635078-6DB0-8BEC-95C3-879C7BAC0272}"/>
+                        </a:ext>
+                      </a:extLst>
+                    </p:cNvPr>
+                    <p:cNvGrpSpPr/>
+                    <p:nvPr/>
+                  </p:nvGrpSpPr>
+                  <p:grpSpPr>
+                    <a:xfrm>
+                      <a:off x="5237256" y="2819526"/>
+                      <a:ext cx="36000" cy="102492"/>
+                      <a:chOff x="5237256" y="2819526"/>
+                      <a:chExt cx="36000" cy="102492"/>
+                    </a:xfrm>
+                  </p:grpSpPr>
+                  <p:sp>
+                    <p:nvSpPr>
+                      <p:cNvPr id="21" name="椭圆 20">
+                        <a:extLst>
+                          <a:ext uri="{FF2B5EF4-FFF2-40B4-BE49-F238E27FC236}">
+                            <a16:creationId xmlns:a16="http://schemas.microsoft.com/office/drawing/2014/main" id="{ADE94C32-6C20-ADBA-FAC3-313F1F1E0411}"/>
+                          </a:ext>
+                        </a:extLst>
+                      </p:cNvPr>
+                      <p:cNvSpPr/>
+                      <p:nvPr/>
+                    </p:nvSpPr>
+                    <p:spPr>
+                      <a:xfrm>
+                        <a:off x="5237256" y="2886018"/>
+                        <a:ext cx="36000" cy="36000"/>
+                      </a:xfrm>
+                      <a:prstGeom prst="ellipse">
+                        <a:avLst/>
+                      </a:prstGeom>
+                      <a:solidFill>
+                        <a:schemeClr val="tx1"/>
+                      </a:solidFill>
+                      <a:ln>
+                        <a:solidFill>
+                          <a:schemeClr val="tx1"/>
+                        </a:solidFill>
+                      </a:ln>
+                    </p:spPr>
+                    <p:style>
+                      <a:lnRef idx="2">
+                        <a:schemeClr val="accent1">
+                          <a:shade val="15000"/>
+                        </a:schemeClr>
+                      </a:lnRef>
+                      <a:fillRef idx="1">
+                        <a:schemeClr val="accent1"/>
+                      </a:fillRef>
+                      <a:effectRef idx="0">
+                        <a:schemeClr val="accent1"/>
+                      </a:effectRef>
+                      <a:fontRef idx="minor">
+                        <a:schemeClr val="lt1"/>
+                      </a:fontRef>
+                    </p:style>
+                    <p:txBody>
+                      <a:bodyPr rtlCol="0" anchor="ctr"/>
+                      <a:lstStyle/>
+                      <a:p>
+                        <a:pPr algn="ctr"/>
+                        <a:endParaRPr lang="zh-CN" altLang="en-US"/>
+                      </a:p>
+                    </p:txBody>
+                  </p:sp>
+                  <p:sp>
+                    <p:nvSpPr>
+                      <p:cNvPr id="25" name="椭圆 24">
+                        <a:extLst>
+                          <a:ext uri="{FF2B5EF4-FFF2-40B4-BE49-F238E27FC236}">
+                            <a16:creationId xmlns:a16="http://schemas.microsoft.com/office/drawing/2014/main" id="{03D46118-C6D4-7D46-A394-02981080E2B5}"/>
+                          </a:ext>
+                        </a:extLst>
+                      </p:cNvPr>
+                      <p:cNvSpPr/>
+                      <p:nvPr/>
+                    </p:nvSpPr>
+                    <p:spPr>
+                      <a:xfrm>
+                        <a:off x="5237256" y="2819526"/>
+                        <a:ext cx="36000" cy="36000"/>
+                      </a:xfrm>
+                      <a:prstGeom prst="ellipse">
+                        <a:avLst/>
+                      </a:prstGeom>
+                      <a:solidFill>
+                        <a:schemeClr val="tx1"/>
+                      </a:solidFill>
+                      <a:ln>
+                        <a:solidFill>
+                          <a:schemeClr val="tx1"/>
+                        </a:solidFill>
+                      </a:ln>
+                    </p:spPr>
+                    <p:style>
+                      <a:lnRef idx="2">
+                        <a:schemeClr val="accent1">
+                          <a:shade val="15000"/>
+                        </a:schemeClr>
+                      </a:lnRef>
+                      <a:fillRef idx="1">
+                        <a:schemeClr val="accent1"/>
+                      </a:fillRef>
+                      <a:effectRef idx="0">
+                        <a:schemeClr val="accent1"/>
+                      </a:effectRef>
+                      <a:fontRef idx="minor">
+                        <a:schemeClr val="lt1"/>
+                      </a:fontRef>
+                    </p:style>
+                    <p:txBody>
+                      <a:bodyPr rtlCol="0" anchor="ctr"/>
+                      <a:lstStyle/>
+                      <a:p>
+                        <a:pPr algn="ctr"/>
+                        <a:endParaRPr lang="zh-CN" altLang="en-US"/>
+                      </a:p>
+                    </p:txBody>
+                  </p:sp>
+                </p:grpSp>
+              </p:grpSp>
+              <p:sp>
+                <p:nvSpPr>
+                  <p:cNvPr id="28" name="椭圆 27">
+                    <a:extLst>
+                      <a:ext uri="{FF2B5EF4-FFF2-40B4-BE49-F238E27FC236}">
+                        <a16:creationId xmlns:a16="http://schemas.microsoft.com/office/drawing/2014/main" id="{02C22C95-E31B-F75B-8A08-CF028BCC5410}"/>
+                      </a:ext>
+                    </a:extLst>
+                  </p:cNvPr>
+                  <p:cNvSpPr/>
+                  <p:nvPr/>
+                </p:nvSpPr>
+                <p:spPr>
+                  <a:xfrm>
+                    <a:off x="5757739" y="2510641"/>
+                    <a:ext cx="288000" cy="288000"/>
+                  </a:xfrm>
+                  <a:prstGeom prst="ellipse">
+                    <a:avLst/>
+                  </a:prstGeom>
+                  <a:solidFill>
+                    <a:schemeClr val="bg1"/>
+                  </a:solidFill>
+                  <a:ln w="12700"/>
+                </p:spPr>
+                <p:style>
+                  <a:lnRef idx="2">
+                    <a:schemeClr val="accent1">
+                      <a:shade val="15000"/>
+                    </a:schemeClr>
+                  </a:lnRef>
+                  <a:fillRef idx="1">
+                    <a:schemeClr val="accent1"/>
+                  </a:fillRef>
+                  <a:effectRef idx="0">
+                    <a:schemeClr val="accent1"/>
+                  </a:effectRef>
+                  <a:fontRef idx="minor">
+                    <a:schemeClr val="lt1"/>
+                  </a:fontRef>
+                </p:style>
+                <p:txBody>
+                  <a:bodyPr rtlCol="0" anchor="ctr"/>
+                  <a:lstStyle/>
+                  <a:p>
+                    <a:pPr algn="ctr"/>
+                    <a:endParaRPr lang="zh-CN" altLang="en-US"/>
+                  </a:p>
+                </p:txBody>
+              </p:sp>
+              <p:sp>
+                <p:nvSpPr>
+                  <p:cNvPr id="32" name="矩形: 圆角 31">
+                    <a:extLst>
+                      <a:ext uri="{FF2B5EF4-FFF2-40B4-BE49-F238E27FC236}">
+                        <a16:creationId xmlns:a16="http://schemas.microsoft.com/office/drawing/2014/main" id="{0DFA6BA8-7ADC-7E97-67F1-677A3CB7FA9E}"/>
+                      </a:ext>
+                    </a:extLst>
+                  </p:cNvPr>
+                  <p:cNvSpPr/>
+                  <p:nvPr/>
+                </p:nvSpPr>
+                <p:spPr>
+                  <a:xfrm>
+                    <a:off x="6261439" y="2548299"/>
+                    <a:ext cx="216000" cy="216000"/>
+                  </a:xfrm>
+                  <a:prstGeom prst="roundRect">
+                    <a:avLst/>
+                  </a:prstGeom>
+                  <a:solidFill>
+                    <a:schemeClr val="bg1"/>
+                  </a:solidFill>
+                  <a:ln w="12700"/>
+                </p:spPr>
+                <p:style>
+                  <a:lnRef idx="2">
+                    <a:schemeClr val="accent1">
+                      <a:shade val="15000"/>
+                    </a:schemeClr>
+                  </a:lnRef>
+                  <a:fillRef idx="1">
+                    <a:schemeClr val="accent1"/>
+                  </a:fillRef>
+                  <a:effectRef idx="0">
+                    <a:schemeClr val="accent1"/>
+                  </a:effectRef>
+                  <a:fontRef idx="minor">
+                    <a:schemeClr val="lt1"/>
+                  </a:fontRef>
+                </p:style>
+                <p:txBody>
+                  <a:bodyPr rtlCol="0" anchor="ctr"/>
+                  <a:lstStyle/>
+                  <a:p>
+                    <a:pPr algn="ctr"/>
+                    <a:endParaRPr lang="zh-CN" altLang="en-US"/>
+                  </a:p>
+                </p:txBody>
+              </p:sp>
+              <p:cxnSp>
+                <p:nvCxnSpPr>
+                  <p:cNvPr id="34" name="直接箭头连接符 33">
+                    <a:extLst>
+                      <a:ext uri="{FF2B5EF4-FFF2-40B4-BE49-F238E27FC236}">
+                        <a16:creationId xmlns:a16="http://schemas.microsoft.com/office/drawing/2014/main" id="{A11D7478-522D-A88A-5456-604B1FC98D78}"/>
+                      </a:ext>
+                    </a:extLst>
+                  </p:cNvPr>
+                  <p:cNvCxnSpPr>
+                    <a:stCxn id="16" idx="6"/>
+                    <a:endCxn id="28" idx="2"/>
+                  </p:cNvCxnSpPr>
+                  <p:nvPr/>
+                </p:nvCxnSpPr>
+                <p:spPr>
+                  <a:xfrm>
+                    <a:off x="5376179" y="2274472"/>
+                    <a:ext cx="381560" cy="380169"/>
+                  </a:xfrm>
+                  <a:prstGeom prst="straightConnector1">
+                    <a:avLst/>
+                  </a:prstGeom>
+                  <a:ln w="12700">
+                    <a:solidFill>
+                      <a:schemeClr val="tx1"/>
+                    </a:solidFill>
+                    <a:tailEnd type="stealth"/>
+                  </a:ln>
+                </p:spPr>
+                <p:style>
+                  <a:lnRef idx="1">
+                    <a:schemeClr val="accent1"/>
+                  </a:lnRef>
+                  <a:fillRef idx="0">
+                    <a:schemeClr val="accent1"/>
+                  </a:fillRef>
+                  <a:effectRef idx="0">
+                    <a:schemeClr val="accent1"/>
+                  </a:effectRef>
+                  <a:fontRef idx="minor">
+                    <a:schemeClr val="tx1"/>
+                  </a:fontRef>
+                </p:style>
+              </p:cxnSp>
+              <p:cxnSp>
+                <p:nvCxnSpPr>
+                  <p:cNvPr id="36" name="直接箭头连接符 35">
+                    <a:extLst>
+                      <a:ext uri="{FF2B5EF4-FFF2-40B4-BE49-F238E27FC236}">
+                        <a16:creationId xmlns:a16="http://schemas.microsoft.com/office/drawing/2014/main" id="{58D5DD94-4B66-2FFF-17C2-A32D7661E675}"/>
+                      </a:ext>
+                    </a:extLst>
+                  </p:cNvPr>
+                  <p:cNvCxnSpPr>
+                    <a:stCxn id="20" idx="6"/>
+                    <a:endCxn id="28" idx="2"/>
+                  </p:cNvCxnSpPr>
+                  <p:nvPr/>
+                </p:nvCxnSpPr>
+                <p:spPr>
+                  <a:xfrm>
+                    <a:off x="5376179" y="2548299"/>
+                    <a:ext cx="381560" cy="106342"/>
+                  </a:xfrm>
+                  <a:prstGeom prst="straightConnector1">
+                    <a:avLst/>
+                  </a:prstGeom>
+                  <a:ln w="12700">
+                    <a:solidFill>
+                      <a:schemeClr val="tx1"/>
+                    </a:solidFill>
+                    <a:tailEnd type="stealth"/>
+                  </a:ln>
+                </p:spPr>
+                <p:style>
+                  <a:lnRef idx="1">
+                    <a:schemeClr val="accent1"/>
+                  </a:lnRef>
+                  <a:fillRef idx="0">
+                    <a:schemeClr val="accent1"/>
+                  </a:fillRef>
+                  <a:effectRef idx="0">
+                    <a:schemeClr val="accent1"/>
+                  </a:effectRef>
+                  <a:fontRef idx="minor">
+                    <a:schemeClr val="tx1"/>
+                  </a:fontRef>
+                </p:style>
+              </p:cxnSp>
+              <p:cxnSp>
+                <p:nvCxnSpPr>
+                  <p:cNvPr id="38" name="直接箭头连接符 37">
+                    <a:extLst>
+                      <a:ext uri="{FF2B5EF4-FFF2-40B4-BE49-F238E27FC236}">
+                        <a16:creationId xmlns:a16="http://schemas.microsoft.com/office/drawing/2014/main" id="{D16FED37-A7DE-4F8B-9E75-6483E5F2BB6A}"/>
+                      </a:ext>
+                    </a:extLst>
+                  </p:cNvPr>
+                  <p:cNvCxnSpPr>
+                    <a:stCxn id="17" idx="6"/>
+                    <a:endCxn id="28" idx="2"/>
+                  </p:cNvCxnSpPr>
+                  <p:nvPr/>
+                </p:nvCxnSpPr>
+                <p:spPr>
+                  <a:xfrm flipV="1">
+                    <a:off x="5376179" y="2654641"/>
+                    <a:ext cx="381560" cy="482865"/>
+                  </a:xfrm>
+                  <a:prstGeom prst="straightConnector1">
+                    <a:avLst/>
+                  </a:prstGeom>
+                  <a:ln w="12700">
+                    <a:solidFill>
+                      <a:schemeClr val="tx1"/>
+                    </a:solidFill>
+                    <a:tailEnd type="stealth"/>
+                  </a:ln>
+                </p:spPr>
+                <p:style>
+                  <a:lnRef idx="1">
+                    <a:schemeClr val="accent1"/>
+                  </a:lnRef>
+                  <a:fillRef idx="0">
+                    <a:schemeClr val="accent1"/>
+                  </a:fillRef>
+                  <a:effectRef idx="0">
+                    <a:schemeClr val="accent1"/>
+                  </a:effectRef>
+                  <a:fontRef idx="minor">
+                    <a:schemeClr val="tx1"/>
+                  </a:fontRef>
+                </p:style>
+              </p:cxnSp>
+              <p:cxnSp>
+                <p:nvCxnSpPr>
+                  <p:cNvPr id="40" name="直接箭头连接符 39">
+                    <a:extLst>
+                      <a:ext uri="{FF2B5EF4-FFF2-40B4-BE49-F238E27FC236}">
+                        <a16:creationId xmlns:a16="http://schemas.microsoft.com/office/drawing/2014/main" id="{077A68D4-BA01-152A-2C93-7E9CE5A81489}"/>
+                      </a:ext>
+                    </a:extLst>
+                  </p:cNvPr>
+                  <p:cNvCxnSpPr>
+                    <a:stCxn id="28" idx="6"/>
+                    <a:endCxn id="32" idx="1"/>
+                  </p:cNvCxnSpPr>
+                  <p:nvPr/>
+                </p:nvCxnSpPr>
+                <p:spPr>
+                  <a:xfrm>
+                    <a:off x="6045739" y="2654641"/>
+                    <a:ext cx="215700" cy="1658"/>
+                  </a:xfrm>
+                  <a:prstGeom prst="straightConnector1">
+                    <a:avLst/>
+                  </a:prstGeom>
+                  <a:ln w="12700">
+                    <a:solidFill>
+                      <a:schemeClr val="tx1"/>
+                    </a:solidFill>
+                    <a:tailEnd type="stealth"/>
+                  </a:ln>
+                </p:spPr>
+                <p:style>
+                  <a:lnRef idx="1">
+                    <a:schemeClr val="accent1"/>
+                  </a:lnRef>
+                  <a:fillRef idx="0">
+                    <a:schemeClr val="accent1"/>
+                  </a:fillRef>
+                  <a:effectRef idx="0">
+                    <a:schemeClr val="accent1"/>
+                  </a:effectRef>
+                  <a:fontRef idx="minor">
+                    <a:schemeClr val="tx1"/>
+                  </a:fontRef>
+                </p:style>
+              </p:cxnSp>
+              <p:cxnSp>
+                <p:nvCxnSpPr>
+                  <p:cNvPr id="42" name="直接箭头连接符 41">
+                    <a:extLst>
+                      <a:ext uri="{FF2B5EF4-FFF2-40B4-BE49-F238E27FC236}">
+                        <a16:creationId xmlns:a16="http://schemas.microsoft.com/office/drawing/2014/main" id="{A3DB860E-BFBE-A6DE-872B-A20A6D572843}"/>
+                      </a:ext>
+                    </a:extLst>
+                  </p:cNvPr>
+                  <p:cNvCxnSpPr>
+                    <a:cxnSpLocks/>
+                    <a:stCxn id="32" idx="3"/>
+                  </p:cNvCxnSpPr>
+                  <p:nvPr/>
+                </p:nvCxnSpPr>
+                <p:spPr>
+                  <a:xfrm>
+                    <a:off x="6477439" y="2656299"/>
+                    <a:ext cx="215700" cy="0"/>
+                  </a:xfrm>
+                  <a:prstGeom prst="straightConnector1">
+                    <a:avLst/>
+                  </a:prstGeom>
+                  <a:ln w="12700">
+                    <a:solidFill>
+                      <a:schemeClr val="tx1"/>
+                    </a:solidFill>
+                    <a:tailEnd type="stealth"/>
+                  </a:ln>
+                </p:spPr>
+                <p:style>
+                  <a:lnRef idx="1">
+                    <a:schemeClr val="accent1"/>
+                  </a:lnRef>
+                  <a:fillRef idx="0">
+                    <a:schemeClr val="accent1"/>
+                  </a:fillRef>
+                  <a:effectRef idx="0">
+                    <a:schemeClr val="accent1"/>
+                  </a:effectRef>
+                  <a:fontRef idx="minor">
+                    <a:schemeClr val="tx1"/>
+                  </a:fontRef>
+                </p:style>
+              </p:cxnSp>
+              <p:cxnSp>
+                <p:nvCxnSpPr>
+                  <p:cNvPr id="44" name="直接箭头连接符 43">
+                    <a:extLst>
+                      <a:ext uri="{FF2B5EF4-FFF2-40B4-BE49-F238E27FC236}">
+                        <a16:creationId xmlns:a16="http://schemas.microsoft.com/office/drawing/2014/main" id="{BEF44B2A-4FA9-66D2-5FF9-793C50F54BA5}"/>
+                      </a:ext>
+                    </a:extLst>
+                  </p:cNvPr>
+                  <p:cNvCxnSpPr>
+                    <a:endCxn id="16" idx="2"/>
+                  </p:cNvCxnSpPr>
+                  <p:nvPr/>
+                </p:nvCxnSpPr>
+                <p:spPr>
+                  <a:xfrm>
+                    <a:off x="4944179" y="2274472"/>
+                    <a:ext cx="216000" cy="0"/>
+                  </a:xfrm>
+                  <a:prstGeom prst="straightConnector1">
+                    <a:avLst/>
+                  </a:prstGeom>
+                  <a:ln w="12700">
+                    <a:solidFill>
+                      <a:schemeClr val="tx1"/>
+                    </a:solidFill>
+                    <a:tailEnd type="stealth"/>
+                  </a:ln>
+                </p:spPr>
+                <p:style>
+                  <a:lnRef idx="1">
+                    <a:schemeClr val="accent1"/>
+                  </a:lnRef>
+                  <a:fillRef idx="0">
+                    <a:schemeClr val="accent1"/>
+                  </a:fillRef>
+                  <a:effectRef idx="0">
+                    <a:schemeClr val="accent1"/>
+                  </a:effectRef>
+                  <a:fontRef idx="minor">
+                    <a:schemeClr val="tx1"/>
+                  </a:fontRef>
+                </p:style>
+              </p:cxnSp>
+              <p:cxnSp>
+                <p:nvCxnSpPr>
+                  <p:cNvPr id="45" name="直接箭头连接符 44">
+                    <a:extLst>
+                      <a:ext uri="{FF2B5EF4-FFF2-40B4-BE49-F238E27FC236}">
+                        <a16:creationId xmlns:a16="http://schemas.microsoft.com/office/drawing/2014/main" id="{016B20E5-6EB6-D56E-4259-5707239262E9}"/>
+                      </a:ext>
+                    </a:extLst>
+                  </p:cNvPr>
+                  <p:cNvCxnSpPr>
+                    <a:cxnSpLocks/>
+                    <a:endCxn id="20" idx="2"/>
+                  </p:cNvCxnSpPr>
+                  <p:nvPr/>
+                </p:nvCxnSpPr>
+                <p:spPr>
+                  <a:xfrm flipV="1">
+                    <a:off x="4944179" y="2548299"/>
+                    <a:ext cx="216000" cy="1172"/>
+                  </a:xfrm>
+                  <a:prstGeom prst="straightConnector1">
+                    <a:avLst/>
+                  </a:prstGeom>
+                  <a:ln w="12700">
+                    <a:solidFill>
+                      <a:schemeClr val="tx1"/>
+                    </a:solidFill>
+                    <a:tailEnd type="stealth"/>
+                  </a:ln>
+                </p:spPr>
+                <p:style>
+                  <a:lnRef idx="1">
+                    <a:schemeClr val="accent1"/>
+                  </a:lnRef>
+                  <a:fillRef idx="0">
+                    <a:schemeClr val="accent1"/>
+                  </a:fillRef>
+                  <a:effectRef idx="0">
+                    <a:schemeClr val="accent1"/>
+                  </a:effectRef>
+                  <a:fontRef idx="minor">
+                    <a:schemeClr val="tx1"/>
+                  </a:fontRef>
+                </p:style>
+              </p:cxnSp>
+              <p:cxnSp>
+                <p:nvCxnSpPr>
+                  <p:cNvPr id="46" name="直接箭头连接符 45">
+                    <a:extLst>
+                      <a:ext uri="{FF2B5EF4-FFF2-40B4-BE49-F238E27FC236}">
+                        <a16:creationId xmlns:a16="http://schemas.microsoft.com/office/drawing/2014/main" id="{205CFFC9-A263-73F1-2F14-87461B83272B}"/>
+                      </a:ext>
+                    </a:extLst>
+                  </p:cNvPr>
+                  <p:cNvCxnSpPr>
+                    <a:cxnSpLocks/>
+                    <a:endCxn id="17" idx="2"/>
+                  </p:cNvCxnSpPr>
+                  <p:nvPr/>
+                </p:nvCxnSpPr>
+                <p:spPr>
+                  <a:xfrm>
+                    <a:off x="4944179" y="3137506"/>
+                    <a:ext cx="216000" cy="0"/>
+                  </a:xfrm>
+                  <a:prstGeom prst="straightConnector1">
+                    <a:avLst/>
+                  </a:prstGeom>
+                  <a:ln w="12700">
+                    <a:solidFill>
+                      <a:schemeClr val="tx1"/>
+                    </a:solidFill>
+                    <a:tailEnd type="stealth"/>
+                  </a:ln>
+                </p:spPr>
+                <p:style>
+                  <a:lnRef idx="1">
+                    <a:schemeClr val="accent1"/>
+                  </a:lnRef>
+                  <a:fillRef idx="0">
+                    <a:schemeClr val="accent1"/>
+                  </a:fillRef>
+                  <a:effectRef idx="0">
+                    <a:schemeClr val="accent1"/>
+                  </a:effectRef>
+                  <a:fontRef idx="minor">
+                    <a:schemeClr val="tx1"/>
+                  </a:fontRef>
+                </p:style>
+              </p:cxnSp>
+            </p:grpSp>
+            <mc:AlternateContent xmlns:mc="http://schemas.openxmlformats.org/markup-compatibility/2006">
+              <mc:Choice xmlns:a14="http://schemas.microsoft.com/office/drawing/2010/main" Requires="a14">
+                <p:sp>
+                  <p:nvSpPr>
+                    <p:cNvPr id="50" name="文本框 49">
+                      <a:extLst>
+                        <a:ext uri="{FF2B5EF4-FFF2-40B4-BE49-F238E27FC236}">
+                          <a16:creationId xmlns:a16="http://schemas.microsoft.com/office/drawing/2014/main" id="{5FBCCA9A-28A7-B463-DB15-14D4256BE9BC}"/>
+                        </a:ext>
+                      </a:extLst>
+                    </p:cNvPr>
+                    <p:cNvSpPr txBox="1"/>
+                    <p:nvPr/>
+                  </p:nvSpPr>
+                  <p:spPr>
+                    <a:xfrm>
+                      <a:off x="5074772" y="1612158"/>
+                      <a:ext cx="285719" cy="276999"/>
+                    </a:xfrm>
+                    <a:prstGeom prst="rect">
+                      <a:avLst/>
+                    </a:prstGeom>
+                    <a:noFill/>
+                  </p:spPr>
+                  <p:txBody>
+                    <a:bodyPr wrap="none" lIns="0" tIns="0" rIns="0" bIns="0" rtlCol="0">
+                      <a:spAutoFit/>
+                    </a:bodyPr>
+                    <a:lstStyle/>
+                    <a:p>
+                      <a14:m>
+                        <m:oMathPara xmlns:m="http://schemas.openxmlformats.org/officeDocument/2006/math">
+                          <m:oMathParaPr>
+                            <m:jc m:val="centerGroup"/>
+                          </m:oMathParaPr>
+                          <m:oMath xmlns:m="http://schemas.openxmlformats.org/officeDocument/2006/math">
+                            <m:sSub>
+                              <m:sSubPr>
+                                <m:ctrlPr>
+                                  <a:rPr lang="en-US" altLang="zh-CN" b="0" i="1" smtClean="0">
+                                    <a:latin typeface="Cambria Math" panose="02040503050406030204" pitchFamily="18" charset="0"/>
+                                  </a:rPr>
+                                </m:ctrlPr>
+                              </m:sSubPr>
+                              <m:e>
+                                <m:r>
+                                  <a:rPr lang="en-US" altLang="zh-CN" b="0" i="1" smtClean="0">
+                                    <a:latin typeface="Cambria Math" panose="02040503050406030204" pitchFamily="18" charset="0"/>
+                                  </a:rPr>
+                                  <m:t>𝑥</m:t>
+                                </m:r>
+                              </m:e>
+                              <m:sub>
+                                <m:r>
+                                  <a:rPr lang="en-US" altLang="zh-CN" b="0" i="1" smtClean="0">
+                                    <a:latin typeface="Cambria Math" panose="02040503050406030204" pitchFamily="18" charset="0"/>
+                                  </a:rPr>
+                                  <m:t>1</m:t>
+                                </m:r>
+                              </m:sub>
+                            </m:sSub>
+                          </m:oMath>
+                        </m:oMathPara>
+                      </a14:m>
+                      <a:endParaRPr lang="zh-CN" altLang="en-US"/>
+                    </a:p>
+                  </p:txBody>
+                </p:sp>
+              </mc:Choice>
+              <mc:Fallback>
+                <p:sp>
+                  <p:nvSpPr>
+                    <p:cNvPr id="50" name="文本框 49">
+                      <a:extLst>
+                        <a:ext uri="{FF2B5EF4-FFF2-40B4-BE49-F238E27FC236}">
+                          <a16:creationId xmlns:a16="http://schemas.microsoft.com/office/drawing/2014/main" id="{5FBCCA9A-28A7-B463-DB15-14D4256BE9BC}"/>
+                        </a:ext>
+                      </a:extLst>
+                    </p:cNvPr>
+                    <p:cNvSpPr txBox="1">
+                      <a:spLocks noRot="1" noChangeAspect="1" noMove="1" noResize="1" noEditPoints="1" noAdjustHandles="1" noChangeArrowheads="1" noChangeShapeType="1" noTextEdit="1"/>
+                    </p:cNvSpPr>
+                    <p:nvPr/>
+                  </p:nvSpPr>
+                  <p:spPr>
+                    <a:xfrm>
+                      <a:off x="5074772" y="1612158"/>
+                      <a:ext cx="285719" cy="276999"/>
+                    </a:xfrm>
+                    <a:prstGeom prst="rect">
+                      <a:avLst/>
+                    </a:prstGeom>
+                    <a:blipFill>
+                      <a:blip r:embed="rId5"/>
+                      <a:stretch>
+                        <a:fillRect l="-10638" r="-6383" b="-15217"/>
+                      </a:stretch>
+                    </a:blipFill>
+                  </p:spPr>
+                  <p:txBody>
+                    <a:bodyPr/>
+                    <a:lstStyle/>
+                    <a:p>
+                      <a:r>
+                        <a:rPr lang="zh-CN" altLang="en-US">
+                          <a:noFill/>
+                        </a:rPr>
+                        <a:t> </a:t>
+                      </a:r>
+                    </a:p>
+                  </p:txBody>
+                </p:sp>
+              </mc:Fallback>
+            </mc:AlternateContent>
+            <mc:AlternateContent xmlns:mc="http://schemas.openxmlformats.org/markup-compatibility/2006">
+              <mc:Choice xmlns:a14="http://schemas.microsoft.com/office/drawing/2010/main" Requires="a14">
+                <p:sp>
+                  <p:nvSpPr>
+                    <p:cNvPr id="51" name="文本框 50">
+                      <a:extLst>
+                        <a:ext uri="{FF2B5EF4-FFF2-40B4-BE49-F238E27FC236}">
+                          <a16:creationId xmlns:a16="http://schemas.microsoft.com/office/drawing/2014/main" id="{FAD2D1F6-733E-207B-8108-B71E997E7A8F}"/>
+                        </a:ext>
+                      </a:extLst>
+                    </p:cNvPr>
+                    <p:cNvSpPr txBox="1"/>
+                    <p:nvPr/>
+                  </p:nvSpPr>
+                  <p:spPr>
+                    <a:xfrm>
+                      <a:off x="5069449" y="2189023"/>
+                      <a:ext cx="291042" cy="276999"/>
+                    </a:xfrm>
+                    <a:prstGeom prst="rect">
+                      <a:avLst/>
+                    </a:prstGeom>
+                    <a:noFill/>
+                  </p:spPr>
+                  <p:txBody>
+                    <a:bodyPr wrap="none" lIns="0" tIns="0" rIns="0" bIns="0" rtlCol="0">
+                      <a:spAutoFit/>
+                    </a:bodyPr>
+                    <a:lstStyle/>
+                    <a:p>
+                      <a14:m>
+                        <m:oMathPara xmlns:m="http://schemas.openxmlformats.org/officeDocument/2006/math">
+                          <m:oMathParaPr>
+                            <m:jc m:val="centerGroup"/>
+                          </m:oMathParaPr>
+                          <m:oMath xmlns:m="http://schemas.openxmlformats.org/officeDocument/2006/math">
+                            <m:sSub>
+                              <m:sSubPr>
+                                <m:ctrlPr>
+                                  <a:rPr lang="en-US" altLang="zh-CN" b="0" i="1" smtClean="0">
+                                    <a:latin typeface="Cambria Math" panose="02040503050406030204" pitchFamily="18" charset="0"/>
+                                  </a:rPr>
+                                </m:ctrlPr>
+                              </m:sSubPr>
+                              <m:e>
+                                <m:r>
+                                  <a:rPr lang="en-US" altLang="zh-CN" b="0" i="1" smtClean="0">
+                                    <a:latin typeface="Cambria Math" panose="02040503050406030204" pitchFamily="18" charset="0"/>
+                                  </a:rPr>
+                                  <m:t>𝑥</m:t>
+                                </m:r>
+                              </m:e>
+                              <m:sub>
+                                <m:r>
+                                  <a:rPr lang="en-US" altLang="zh-CN" b="0" i="1" smtClean="0">
+                                    <a:latin typeface="Cambria Math" panose="02040503050406030204" pitchFamily="18" charset="0"/>
+                                  </a:rPr>
+                                  <m:t>2</m:t>
+                                </m:r>
+                              </m:sub>
+                            </m:sSub>
+                          </m:oMath>
+                        </m:oMathPara>
+                      </a14:m>
+                      <a:endParaRPr lang="zh-CN" altLang="en-US"/>
+                    </a:p>
+                  </p:txBody>
+                </p:sp>
+              </mc:Choice>
+              <mc:Fallback>
+                <p:sp>
+                  <p:nvSpPr>
+                    <p:cNvPr id="51" name="文本框 50">
+                      <a:extLst>
+                        <a:ext uri="{FF2B5EF4-FFF2-40B4-BE49-F238E27FC236}">
+                          <a16:creationId xmlns:a16="http://schemas.microsoft.com/office/drawing/2014/main" id="{FAD2D1F6-733E-207B-8108-B71E997E7A8F}"/>
+                        </a:ext>
+                      </a:extLst>
+                    </p:cNvPr>
+                    <p:cNvSpPr txBox="1">
+                      <a:spLocks noRot="1" noChangeAspect="1" noMove="1" noResize="1" noEditPoints="1" noAdjustHandles="1" noChangeArrowheads="1" noChangeShapeType="1" noTextEdit="1"/>
+                    </p:cNvSpPr>
+                    <p:nvPr/>
+                  </p:nvSpPr>
+                  <p:spPr>
+                    <a:xfrm>
+                      <a:off x="5069449" y="2189023"/>
+                      <a:ext cx="291042" cy="276999"/>
+                    </a:xfrm>
+                    <a:prstGeom prst="rect">
+                      <a:avLst/>
+                    </a:prstGeom>
+                    <a:blipFill>
+                      <a:blip r:embed="rId6"/>
+                      <a:stretch>
+                        <a:fillRect l="-10638" r="-6383" b="-15217"/>
+                      </a:stretch>
+                    </a:blipFill>
+                  </p:spPr>
+                  <p:txBody>
+                    <a:bodyPr/>
+                    <a:lstStyle/>
+                    <a:p>
+                      <a:r>
+                        <a:rPr lang="zh-CN" altLang="en-US">
+                          <a:noFill/>
+                        </a:rPr>
+                        <a:t> </a:t>
+                      </a:r>
+                    </a:p>
+                  </p:txBody>
+                </p:sp>
+              </mc:Fallback>
+            </mc:AlternateContent>
+            <mc:AlternateContent xmlns:mc="http://schemas.openxmlformats.org/markup-compatibility/2006">
+              <mc:Choice xmlns:a14="http://schemas.microsoft.com/office/drawing/2010/main" Requires="a14">
+                <p:sp>
+                  <p:nvSpPr>
+                    <p:cNvPr id="52" name="文本框 51">
+                      <a:extLst>
+                        <a:ext uri="{FF2B5EF4-FFF2-40B4-BE49-F238E27FC236}">
+                          <a16:creationId xmlns:a16="http://schemas.microsoft.com/office/drawing/2014/main" id="{492BB148-DA0A-8A75-EE15-DA5A2DED8BF9}"/>
+                        </a:ext>
+                      </a:extLst>
+                    </p:cNvPr>
+                    <p:cNvSpPr txBox="1"/>
+                    <p:nvPr/>
+                  </p:nvSpPr>
+                  <p:spPr>
+                    <a:xfrm>
+                      <a:off x="5065739" y="3457531"/>
+                      <a:ext cx="350994" cy="276999"/>
+                    </a:xfrm>
+                    <a:prstGeom prst="rect">
+                      <a:avLst/>
+                    </a:prstGeom>
+                    <a:noFill/>
+                  </p:spPr>
+                  <p:txBody>
+                    <a:bodyPr wrap="none" lIns="0" tIns="0" rIns="0" bIns="0" rtlCol="0">
+                      <a:spAutoFit/>
+                    </a:bodyPr>
+                    <a:lstStyle/>
+                    <a:p>
+                      <a14:m>
+                        <m:oMathPara xmlns:m="http://schemas.openxmlformats.org/officeDocument/2006/math">
+                          <m:oMathParaPr>
+                            <m:jc m:val="centerGroup"/>
+                          </m:oMathParaPr>
+                          <m:oMath xmlns:m="http://schemas.openxmlformats.org/officeDocument/2006/math">
+                            <m:sSub>
+                              <m:sSubPr>
+                                <m:ctrlPr>
+                                  <a:rPr lang="en-US" altLang="zh-CN" b="0" i="1" smtClean="0">
+                                    <a:latin typeface="Cambria Math" panose="02040503050406030204" pitchFamily="18" charset="0"/>
+                                  </a:rPr>
+                                </m:ctrlPr>
+                              </m:sSubPr>
+                              <m:e>
+                                <m:r>
+                                  <a:rPr lang="en-US" altLang="zh-CN" b="0" i="1" smtClean="0">
+                                    <a:latin typeface="Cambria Math" panose="02040503050406030204" pitchFamily="18" charset="0"/>
+                                  </a:rPr>
+                                  <m:t>𝑥</m:t>
+                                </m:r>
+                              </m:e>
+                              <m:sub>
+                                <m:r>
+                                  <a:rPr lang="en-US" altLang="zh-CN" b="0" i="1" smtClean="0">
+                                    <a:latin typeface="Cambria Math" panose="02040503050406030204" pitchFamily="18" charset="0"/>
+                                  </a:rPr>
+                                  <m:t>𝑚</m:t>
+                                </m:r>
+                              </m:sub>
+                            </m:sSub>
+                          </m:oMath>
+                        </m:oMathPara>
+                      </a14:m>
+                      <a:endParaRPr lang="zh-CN" altLang="en-US"/>
+                    </a:p>
+                  </p:txBody>
+                </p:sp>
+              </mc:Choice>
+              <mc:Fallback>
+                <p:sp>
+                  <p:nvSpPr>
+                    <p:cNvPr id="52" name="文本框 51">
+                      <a:extLst>
+                        <a:ext uri="{FF2B5EF4-FFF2-40B4-BE49-F238E27FC236}">
+                          <a16:creationId xmlns:a16="http://schemas.microsoft.com/office/drawing/2014/main" id="{492BB148-DA0A-8A75-EE15-DA5A2DED8BF9}"/>
+                        </a:ext>
+                      </a:extLst>
+                    </p:cNvPr>
+                    <p:cNvSpPr txBox="1">
+                      <a:spLocks noRot="1" noChangeAspect="1" noMove="1" noResize="1" noEditPoints="1" noAdjustHandles="1" noChangeArrowheads="1" noChangeShapeType="1" noTextEdit="1"/>
+                    </p:cNvSpPr>
+                    <p:nvPr/>
+                  </p:nvSpPr>
+                  <p:spPr>
+                    <a:xfrm>
+                      <a:off x="5065739" y="3457531"/>
+                      <a:ext cx="350994" cy="276999"/>
+                    </a:xfrm>
+                    <a:prstGeom prst="rect">
+                      <a:avLst/>
+                    </a:prstGeom>
+                    <a:blipFill>
+                      <a:blip r:embed="rId7"/>
+                      <a:stretch>
+                        <a:fillRect l="-8621" b="-10870"/>
+                      </a:stretch>
+                    </a:blipFill>
+                  </p:spPr>
+                  <p:txBody>
+                    <a:bodyPr/>
+                    <a:lstStyle/>
+                    <a:p>
+                      <a:r>
+                        <a:rPr lang="zh-CN" altLang="en-US">
+                          <a:noFill/>
+                        </a:rPr>
+                        <a:t> </a:t>
+                      </a:r>
+                    </a:p>
+                  </p:txBody>
+                </p:sp>
+              </mc:Fallback>
+            </mc:AlternateContent>
+            <p:sp>
+              <p:nvSpPr>
+                <p:cNvPr id="59" name="文本框 58">
+                  <a:extLst>
+                    <a:ext uri="{FF2B5EF4-FFF2-40B4-BE49-F238E27FC236}">
+                      <a16:creationId xmlns:a16="http://schemas.microsoft.com/office/drawing/2014/main" id="{F8A1B848-E2B4-0F1C-ECBD-E42839682CE0}"/>
+                    </a:ext>
+                  </a:extLst>
+                </p:cNvPr>
+                <p:cNvSpPr txBox="1"/>
+                <p:nvPr/>
+              </p:nvSpPr>
+              <p:spPr>
+                <a:xfrm>
+                  <a:off x="9132269" y="2412435"/>
+                  <a:ext cx="646331" cy="369332"/>
+                </a:xfrm>
+                <a:prstGeom prst="rect">
+                  <a:avLst/>
+                </a:prstGeom>
+                <a:noFill/>
+              </p:spPr>
+              <p:txBody>
+                <a:bodyPr wrap="none" rtlCol="0">
+                  <a:spAutoFit/>
+                </a:bodyPr>
+                <a:lstStyle/>
+                <a:p>
+                  <a:r>
+                    <a:rPr lang="zh-CN" altLang="en-US"/>
+                    <a:t>输出</a:t>
+                  </a:r>
+                </a:p>
+              </p:txBody>
+            </p:sp>
+          </p:grpSp>
+        </p:grpSp>
+        <mc:AlternateContent xmlns:mc="http://schemas.openxmlformats.org/markup-compatibility/2006">
+          <mc:Choice xmlns:a14="http://schemas.microsoft.com/office/drawing/2010/main" Requires="a14">
+            <p:sp>
+              <p:nvSpPr>
+                <p:cNvPr id="56" name="文本框 55">
+                  <a:extLst>
+                    <a:ext uri="{FF2B5EF4-FFF2-40B4-BE49-F238E27FC236}">
+                      <a16:creationId xmlns:a16="http://schemas.microsoft.com/office/drawing/2014/main" id="{0C4B8B5C-6D51-9314-1212-2D4E5E554092}"/>
+                    </a:ext>
+                  </a:extLst>
+                </p:cNvPr>
+                <p:cNvSpPr txBox="1"/>
+                <p:nvPr/>
+              </p:nvSpPr>
+              <p:spPr>
+                <a:xfrm>
+                  <a:off x="7321373" y="2466022"/>
+                  <a:ext cx="226024" cy="276999"/>
+                </a:xfrm>
+                <a:prstGeom prst="rect">
+                  <a:avLst/>
+                </a:prstGeom>
+                <a:noFill/>
+              </p:spPr>
+              <p:txBody>
+                <a:bodyPr wrap="none" lIns="0" tIns="0" rIns="0" bIns="0" rtlCol="0">
+                  <a:spAutoFit/>
+                </a:bodyPr>
+                <a:lstStyle/>
+                <a:p>
+                  <a14:m>
+                    <m:oMathPara xmlns:m="http://schemas.openxmlformats.org/officeDocument/2006/math">
+                      <m:oMathParaPr>
+                        <m:jc m:val="centerGroup"/>
+                      </m:oMathParaPr>
+                      <m:oMath xmlns:m="http://schemas.openxmlformats.org/officeDocument/2006/math">
+                        <m:r>
+                          <a:rPr lang="en-US" altLang="zh-CN" b="0" i="1" smtClean="0">
+                            <a:latin typeface="Cambria Math" panose="02040503050406030204" pitchFamily="18" charset="0"/>
+                          </a:rPr>
+                          <m:t>∑</m:t>
+                        </m:r>
+                      </m:oMath>
+                    </m:oMathPara>
+                  </a14:m>
+                  <a:endParaRPr lang="zh-CN" altLang="en-US"/>
+                </a:p>
+              </p:txBody>
+            </p:sp>
+          </mc:Choice>
+          <mc:Fallback>
+            <p:sp>
+              <p:nvSpPr>
+                <p:cNvPr id="56" name="文本框 55">
+                  <a:extLst>
+                    <a:ext uri="{FF2B5EF4-FFF2-40B4-BE49-F238E27FC236}">
+                      <a16:creationId xmlns:a16="http://schemas.microsoft.com/office/drawing/2014/main" id="{0C4B8B5C-6D51-9314-1212-2D4E5E554092}"/>
+                    </a:ext>
+                  </a:extLst>
+                </p:cNvPr>
+                <p:cNvSpPr txBox="1">
+                  <a:spLocks noRot="1" noChangeAspect="1" noMove="1" noResize="1" noEditPoints="1" noAdjustHandles="1" noChangeArrowheads="1" noChangeShapeType="1" noTextEdit="1"/>
+                </p:cNvSpPr>
+                <p:nvPr/>
+              </p:nvSpPr>
+              <p:spPr>
+                <a:xfrm>
+                  <a:off x="7321373" y="2466022"/>
+                  <a:ext cx="226024" cy="276999"/>
+                </a:xfrm>
+                <a:prstGeom prst="rect">
+                  <a:avLst/>
+                </a:prstGeom>
+                <a:blipFill>
+                  <a:blip r:embed="rId8"/>
+                  <a:stretch>
+                    <a:fillRect l="-35135" t="-4444" r="-35135" b="-35556"/>
+                  </a:stretch>
+                </a:blipFill>
+              </p:spPr>
+              <p:txBody>
+                <a:bodyPr/>
+                <a:lstStyle/>
+                <a:p>
+                  <a:r>
+                    <a:rPr lang="zh-CN" altLang="en-US">
+                      <a:noFill/>
+                    </a:rPr>
+                    <a:t> </a:t>
+                  </a:r>
+                </a:p>
+              </p:txBody>
+            </p:sp>
+          </mc:Fallback>
+        </mc:AlternateContent>
+        <mc:AlternateContent xmlns:mc="http://schemas.openxmlformats.org/markup-compatibility/2006">
+          <mc:Choice xmlns:a14="http://schemas.microsoft.com/office/drawing/2010/main" Requires="a14">
+            <p:sp>
+              <p:nvSpPr>
+                <p:cNvPr id="57" name="文本框 56">
+                  <a:extLst>
+                    <a:ext uri="{FF2B5EF4-FFF2-40B4-BE49-F238E27FC236}">
+                      <a16:creationId xmlns:a16="http://schemas.microsoft.com/office/drawing/2014/main" id="{E5B34F5B-1712-FDEE-FA91-EECF7E4E54EF}"/>
+                    </a:ext>
+                  </a:extLst>
+                </p:cNvPr>
+                <p:cNvSpPr txBox="1"/>
+                <p:nvPr/>
+              </p:nvSpPr>
+              <p:spPr>
+                <a:xfrm>
+                  <a:off x="8337931" y="2442133"/>
+                  <a:ext cx="195886" cy="276999"/>
+                </a:xfrm>
+                <a:prstGeom prst="rect">
+                  <a:avLst/>
+                </a:prstGeom>
+                <a:noFill/>
+              </p:spPr>
+              <p:txBody>
+                <a:bodyPr wrap="none" lIns="0" tIns="0" rIns="0" bIns="0" rtlCol="0">
+                  <a:spAutoFit/>
+                </a:bodyPr>
+                <a:lstStyle/>
+                <a:p>
+                  <a14:m>
+                    <m:oMathPara xmlns:m="http://schemas.openxmlformats.org/officeDocument/2006/math">
+                      <m:oMathParaPr>
+                        <m:jc m:val="centerGroup"/>
+                      </m:oMathParaPr>
+                      <m:oMath xmlns:m="http://schemas.openxmlformats.org/officeDocument/2006/math">
+                        <m:r>
+                          <a:rPr lang="en-US" altLang="zh-CN" b="0" i="1" smtClean="0">
+                            <a:latin typeface="Cambria Math" panose="02040503050406030204" pitchFamily="18" charset="0"/>
+                          </a:rPr>
+                          <m:t>𝑓</m:t>
+                        </m:r>
+                      </m:oMath>
+                    </m:oMathPara>
+                  </a14:m>
+                  <a:endParaRPr lang="zh-CN" altLang="en-US"/>
+                </a:p>
+              </p:txBody>
+            </p:sp>
+          </mc:Choice>
+          <mc:Fallback>
+            <p:sp>
+              <p:nvSpPr>
+                <p:cNvPr id="57" name="文本框 56">
+                  <a:extLst>
+                    <a:ext uri="{FF2B5EF4-FFF2-40B4-BE49-F238E27FC236}">
+                      <a16:creationId xmlns:a16="http://schemas.microsoft.com/office/drawing/2014/main" id="{E5B34F5B-1712-FDEE-FA91-EECF7E4E54EF}"/>
+                    </a:ext>
+                  </a:extLst>
+                </p:cNvPr>
+                <p:cNvSpPr txBox="1">
+                  <a:spLocks noRot="1" noChangeAspect="1" noMove="1" noResize="1" noEditPoints="1" noAdjustHandles="1" noChangeArrowheads="1" noChangeShapeType="1" noTextEdit="1"/>
+                </p:cNvSpPr>
+                <p:nvPr/>
+              </p:nvSpPr>
+              <p:spPr>
+                <a:xfrm>
+                  <a:off x="8337931" y="2442133"/>
+                  <a:ext cx="195886" cy="276999"/>
+                </a:xfrm>
+                <a:prstGeom prst="rect">
+                  <a:avLst/>
+                </a:prstGeom>
+                <a:blipFill>
+                  <a:blip r:embed="rId9"/>
+                  <a:stretch>
+                    <a:fillRect l="-40625" t="-4444" r="-37500" b="-35556"/>
+                  </a:stretch>
+                </a:blipFill>
+              </p:spPr>
+              <p:txBody>
+                <a:bodyPr/>
+                <a:lstStyle/>
+                <a:p>
+                  <a:r>
+                    <a:rPr lang="zh-CN" altLang="en-US">
+                      <a:noFill/>
+                    </a:rPr>
+                    <a:t> </a:t>
+                  </a:r>
+                </a:p>
+              </p:txBody>
+            </p:sp>
+          </mc:Fallback>
+        </mc:AlternateContent>
+      </p:grpSp>
+      <p:sp>
+        <p:nvSpPr>
+          <p:cNvPr id="92" name="文本框 91">
+            <a:extLst>
+              <a:ext uri="{FF2B5EF4-FFF2-40B4-BE49-F238E27FC236}">
+                <a16:creationId xmlns:a16="http://schemas.microsoft.com/office/drawing/2014/main" id="{C3B8D5C3-D17D-FD16-1F28-8444BB2F8C9B}"/>
+              </a:ext>
+            </a:extLst>
+          </p:cNvPr>
+          <p:cNvSpPr txBox="1"/>
+          <p:nvPr/>
+        </p:nvSpPr>
+        <p:spPr>
+          <a:xfrm>
+            <a:off x="1741107" y="1236229"/>
+            <a:ext cx="1657130" cy="369332"/>
+          </a:xfrm>
+          <a:prstGeom prst="rect">
+            <a:avLst/>
+          </a:prstGeom>
+          <a:noFill/>
+        </p:spPr>
+        <p:txBody>
+          <a:bodyPr wrap="square" rtlCol="0">
+            <a:spAutoFit/>
+          </a:bodyPr>
+          <a:lstStyle/>
+          <a:p>
+            <a:r>
+              <a:rPr lang="zh-CN" altLang="en-US">
+                <a:latin typeface="宋体" panose="02010600030101010101" pitchFamily="2" charset="-122"/>
+                <a:ea typeface="宋体" panose="02010600030101010101" pitchFamily="2" charset="-122"/>
+              </a:rPr>
+              <a:t>生物神经网络</a:t>
+            </a:r>
+          </a:p>
+        </p:txBody>
+      </p:sp>
+      <p:sp>
+        <p:nvSpPr>
+          <p:cNvPr id="93" name="文本框 92">
+            <a:extLst>
+              <a:ext uri="{FF2B5EF4-FFF2-40B4-BE49-F238E27FC236}">
+                <a16:creationId xmlns:a16="http://schemas.microsoft.com/office/drawing/2014/main" id="{D83D6CBE-0FA4-4159-66B3-3D8F32E9B748}"/>
+              </a:ext>
+            </a:extLst>
+          </p:cNvPr>
+          <p:cNvSpPr txBox="1"/>
+          <p:nvPr/>
+        </p:nvSpPr>
+        <p:spPr>
+          <a:xfrm>
+            <a:off x="6868963" y="1236229"/>
+            <a:ext cx="1657130" cy="369332"/>
+          </a:xfrm>
+          <a:prstGeom prst="rect">
+            <a:avLst/>
+          </a:prstGeom>
+          <a:noFill/>
+        </p:spPr>
+        <p:txBody>
+          <a:bodyPr wrap="square" rtlCol="0">
+            <a:spAutoFit/>
+          </a:bodyPr>
+          <a:lstStyle/>
+          <a:p>
+            <a:r>
+              <a:rPr lang="zh-CN" altLang="en-US">
+                <a:latin typeface="宋体" panose="02010600030101010101" pitchFamily="2" charset="-122"/>
+                <a:ea typeface="宋体" panose="02010600030101010101" pitchFamily="2" charset="-122"/>
+              </a:rPr>
+              <a:t>生物神经网络</a:t>
+            </a:r>
+          </a:p>
+        </p:txBody>
+      </p:sp>
+    </p:spTree>
+    <p:extLst>
+      <p:ext uri="{BB962C8B-B14F-4D97-AF65-F5344CB8AC3E}">
+        <p14:creationId xmlns:p14="http://schemas.microsoft.com/office/powerpoint/2010/main" val="4037909771"/>
+      </p:ext>
+    </p:extLst>
+  </p:cSld>
+  <p:clrMapOvr>
+    <a:masterClrMapping/>
+  </p:clrMapOvr>
+</p:sld>
+</file>
+
+<file path=ppt/slides/slide5.xml><?xml version="1.0" encoding="utf-8"?>
+<p:sld xmlns:a="http://schemas.openxmlformats.org/drawingml/2006/main" xmlns:r="http://schemas.openxmlformats.org/officeDocument/2006/relationships" xmlns:p="http://schemas.openxmlformats.org/presentationml/2006/main">
+  <p:cSld>
+    <p:spTree>
+      <p:nvGrpSpPr>
+        <p:cNvPr id="1" name=""/>
+        <p:cNvGrpSpPr/>
+        <p:nvPr/>
+      </p:nvGrpSpPr>
+      <p:grpSpPr>
+        <a:xfrm>
+          <a:off x="0" y="0"/>
+          <a:ext cx="0" cy="0"/>
+          <a:chOff x="0" y="0"/>
+          <a:chExt cx="0" cy="0"/>
+        </a:xfrm>
+      </p:grpSpPr>
+      <p:sp>
+        <p:nvSpPr>
+          <p:cNvPr id="4" name="椭圆 3">
+            <a:extLst>
+              <a:ext uri="{FF2B5EF4-FFF2-40B4-BE49-F238E27FC236}">
+                <a16:creationId xmlns:a16="http://schemas.microsoft.com/office/drawing/2014/main" id="{EAF166EB-7433-776D-72B3-14BC78FB075C}"/>
+              </a:ext>
+            </a:extLst>
+          </p:cNvPr>
+          <p:cNvSpPr/>
+          <p:nvPr/>
+        </p:nvSpPr>
+        <p:spPr>
+          <a:xfrm>
+            <a:off x="3922214" y="1847779"/>
+            <a:ext cx="460916" cy="456724"/>
+          </a:xfrm>
+          <a:prstGeom prst="ellipse">
+            <a:avLst/>
+          </a:prstGeom>
+          <a:solidFill>
+            <a:schemeClr val="bg1"/>
+          </a:solidFill>
+          <a:ln w="12700"/>
+        </p:spPr>
+        <p:style>
+          <a:lnRef idx="2">
+            <a:schemeClr val="accent1">
+              <a:shade val="15000"/>
+            </a:schemeClr>
+          </a:lnRef>
+          <a:fillRef idx="1">
+            <a:schemeClr val="accent1"/>
+          </a:fillRef>
+          <a:effectRef idx="0">
+            <a:schemeClr val="accent1"/>
+          </a:effectRef>
+          <a:fontRef idx="minor">
+            <a:schemeClr val="lt1"/>
+          </a:fontRef>
+        </p:style>
+        <p:txBody>
+          <a:bodyPr rtlCol="0" anchor="ctr"/>
+          <a:lstStyle/>
+          <a:p>
+            <a:pPr algn="ctr"/>
+            <a:endParaRPr lang="zh-CN" altLang="en-US"/>
+          </a:p>
+        </p:txBody>
+      </p:sp>
+      <p:sp>
+        <p:nvSpPr>
+          <p:cNvPr id="6" name="椭圆 5">
+            <a:extLst>
+              <a:ext uri="{FF2B5EF4-FFF2-40B4-BE49-F238E27FC236}">
+                <a16:creationId xmlns:a16="http://schemas.microsoft.com/office/drawing/2014/main" id="{27B54A99-5078-DC49-265F-ACA8D9134881}"/>
+              </a:ext>
+            </a:extLst>
+          </p:cNvPr>
+          <p:cNvSpPr/>
+          <p:nvPr/>
+        </p:nvSpPr>
+        <p:spPr>
+          <a:xfrm>
+            <a:off x="3922214" y="2543104"/>
+            <a:ext cx="460916" cy="456724"/>
+          </a:xfrm>
+          <a:prstGeom prst="ellipse">
+            <a:avLst/>
+          </a:prstGeom>
+          <a:solidFill>
+            <a:schemeClr val="bg1"/>
+          </a:solidFill>
+          <a:ln w="12700"/>
+        </p:spPr>
+        <p:style>
+          <a:lnRef idx="2">
+            <a:schemeClr val="accent1">
+              <a:shade val="15000"/>
+            </a:schemeClr>
+          </a:lnRef>
+          <a:fillRef idx="1">
+            <a:schemeClr val="accent1"/>
+          </a:fillRef>
+          <a:effectRef idx="0">
+            <a:schemeClr val="accent1"/>
+          </a:effectRef>
+          <a:fontRef idx="minor">
+            <a:schemeClr val="lt1"/>
+          </a:fontRef>
+        </p:style>
+        <p:txBody>
+          <a:bodyPr rtlCol="0" anchor="ctr"/>
+          <a:lstStyle/>
+          <a:p>
+            <a:pPr algn="ctr"/>
+            <a:endParaRPr lang="zh-CN" altLang="en-US"/>
+          </a:p>
+        </p:txBody>
+      </p:sp>
+      <p:sp>
+        <p:nvSpPr>
+          <p:cNvPr id="8" name="椭圆 7">
+            <a:extLst>
+              <a:ext uri="{FF2B5EF4-FFF2-40B4-BE49-F238E27FC236}">
+                <a16:creationId xmlns:a16="http://schemas.microsoft.com/office/drawing/2014/main" id="{6E020CEE-ED74-31E8-7234-ECD0409201C9}"/>
+              </a:ext>
+            </a:extLst>
+          </p:cNvPr>
+          <p:cNvSpPr/>
+          <p:nvPr/>
+        </p:nvSpPr>
+        <p:spPr>
+          <a:xfrm>
+            <a:off x="3922214" y="3238429"/>
+            <a:ext cx="460916" cy="456724"/>
+          </a:xfrm>
+          <a:prstGeom prst="ellipse">
+            <a:avLst/>
+          </a:prstGeom>
+          <a:solidFill>
+            <a:schemeClr val="bg1"/>
+          </a:solidFill>
+          <a:ln w="12700"/>
+        </p:spPr>
+        <p:style>
+          <a:lnRef idx="2">
+            <a:schemeClr val="accent1">
+              <a:shade val="15000"/>
+            </a:schemeClr>
+          </a:lnRef>
+          <a:fillRef idx="1">
+            <a:schemeClr val="accent1"/>
+          </a:fillRef>
+          <a:effectRef idx="0">
+            <a:schemeClr val="accent1"/>
+          </a:effectRef>
+          <a:fontRef idx="minor">
+            <a:schemeClr val="lt1"/>
+          </a:fontRef>
+        </p:style>
+        <p:txBody>
+          <a:bodyPr rtlCol="0" anchor="ctr"/>
+          <a:lstStyle/>
+          <a:p>
+            <a:pPr algn="ctr"/>
+            <a:endParaRPr lang="zh-CN" altLang="en-US"/>
+          </a:p>
+        </p:txBody>
+      </p:sp>
+      <p:sp>
+        <p:nvSpPr>
+          <p:cNvPr id="10" name="椭圆 9">
+            <a:extLst>
+              <a:ext uri="{FF2B5EF4-FFF2-40B4-BE49-F238E27FC236}">
+                <a16:creationId xmlns:a16="http://schemas.microsoft.com/office/drawing/2014/main" id="{66877246-85E2-A97C-EBF2-0997702B08B4}"/>
+              </a:ext>
+            </a:extLst>
+          </p:cNvPr>
+          <p:cNvSpPr/>
+          <p:nvPr/>
+        </p:nvSpPr>
+        <p:spPr>
+          <a:xfrm>
+            <a:off x="4936627" y="1505354"/>
+            <a:ext cx="460916" cy="456724"/>
+          </a:xfrm>
+          <a:prstGeom prst="ellipse">
+            <a:avLst/>
+          </a:prstGeom>
+          <a:solidFill>
+            <a:schemeClr val="bg1"/>
+          </a:solidFill>
+          <a:ln w="12700"/>
+        </p:spPr>
+        <p:style>
+          <a:lnRef idx="2">
+            <a:schemeClr val="accent1">
+              <a:shade val="15000"/>
+            </a:schemeClr>
+          </a:lnRef>
+          <a:fillRef idx="1">
+            <a:schemeClr val="accent1"/>
+          </a:fillRef>
+          <a:effectRef idx="0">
+            <a:schemeClr val="accent1"/>
+          </a:effectRef>
+          <a:fontRef idx="minor">
+            <a:schemeClr val="lt1"/>
+          </a:fontRef>
+        </p:style>
+        <p:txBody>
+          <a:bodyPr rtlCol="0" anchor="ctr"/>
+          <a:lstStyle/>
+          <a:p>
+            <a:pPr algn="ctr"/>
+            <a:endParaRPr lang="zh-CN" altLang="en-US"/>
+          </a:p>
+        </p:txBody>
+      </p:sp>
+      <p:sp>
+        <p:nvSpPr>
+          <p:cNvPr id="11" name="椭圆 10">
+            <a:extLst>
+              <a:ext uri="{FF2B5EF4-FFF2-40B4-BE49-F238E27FC236}">
+                <a16:creationId xmlns:a16="http://schemas.microsoft.com/office/drawing/2014/main" id="{E86BE55E-979C-06FD-7F9F-DCCE1A050EFC}"/>
+              </a:ext>
+            </a:extLst>
+          </p:cNvPr>
+          <p:cNvSpPr/>
+          <p:nvPr/>
+        </p:nvSpPr>
+        <p:spPr>
+          <a:xfrm>
+            <a:off x="4936627" y="2161865"/>
+            <a:ext cx="460916" cy="456724"/>
+          </a:xfrm>
+          <a:prstGeom prst="ellipse">
+            <a:avLst/>
+          </a:prstGeom>
+          <a:solidFill>
+            <a:schemeClr val="bg1"/>
+          </a:solidFill>
+          <a:ln w="12700"/>
+        </p:spPr>
+        <p:style>
+          <a:lnRef idx="2">
+            <a:schemeClr val="accent1">
+              <a:shade val="15000"/>
+            </a:schemeClr>
+          </a:lnRef>
+          <a:fillRef idx="1">
+            <a:schemeClr val="accent1"/>
+          </a:fillRef>
+          <a:effectRef idx="0">
+            <a:schemeClr val="accent1"/>
+          </a:effectRef>
+          <a:fontRef idx="minor">
+            <a:schemeClr val="lt1"/>
+          </a:fontRef>
+        </p:style>
+        <p:txBody>
+          <a:bodyPr rtlCol="0" anchor="ctr"/>
+          <a:lstStyle/>
+          <a:p>
+            <a:pPr algn="ctr"/>
+            <a:endParaRPr lang="zh-CN" altLang="en-US"/>
+          </a:p>
+        </p:txBody>
+      </p:sp>
+      <p:sp>
+        <p:nvSpPr>
+          <p:cNvPr id="12" name="椭圆 11">
+            <a:extLst>
+              <a:ext uri="{FF2B5EF4-FFF2-40B4-BE49-F238E27FC236}">
+                <a16:creationId xmlns:a16="http://schemas.microsoft.com/office/drawing/2014/main" id="{F69A90B1-75FD-7D96-36B3-142FC9616956}"/>
+              </a:ext>
+            </a:extLst>
+          </p:cNvPr>
+          <p:cNvSpPr/>
+          <p:nvPr/>
+        </p:nvSpPr>
+        <p:spPr>
+          <a:xfrm>
+            <a:off x="4936627" y="2818376"/>
+            <a:ext cx="460916" cy="456724"/>
+          </a:xfrm>
+          <a:prstGeom prst="ellipse">
+            <a:avLst/>
+          </a:prstGeom>
+          <a:solidFill>
+            <a:schemeClr val="bg1"/>
+          </a:solidFill>
+          <a:ln w="12700"/>
+        </p:spPr>
+        <p:style>
+          <a:lnRef idx="2">
+            <a:schemeClr val="accent1">
+              <a:shade val="15000"/>
+            </a:schemeClr>
+          </a:lnRef>
+          <a:fillRef idx="1">
+            <a:schemeClr val="accent1"/>
+          </a:fillRef>
+          <a:effectRef idx="0">
+            <a:schemeClr val="accent1"/>
+          </a:effectRef>
+          <a:fontRef idx="minor">
+            <a:schemeClr val="lt1"/>
+          </a:fontRef>
+        </p:style>
+        <p:txBody>
+          <a:bodyPr rtlCol="0" anchor="ctr"/>
+          <a:lstStyle/>
+          <a:p>
+            <a:pPr algn="ctr"/>
+            <a:endParaRPr lang="zh-CN" altLang="en-US"/>
+          </a:p>
+        </p:txBody>
+      </p:sp>
+      <p:sp>
+        <p:nvSpPr>
+          <p:cNvPr id="13" name="椭圆 12">
+            <a:extLst>
+              <a:ext uri="{FF2B5EF4-FFF2-40B4-BE49-F238E27FC236}">
+                <a16:creationId xmlns:a16="http://schemas.microsoft.com/office/drawing/2014/main" id="{CBA3A781-9FE4-438D-2EA1-7359EBCF296D}"/>
+              </a:ext>
+            </a:extLst>
+          </p:cNvPr>
+          <p:cNvSpPr/>
+          <p:nvPr/>
+        </p:nvSpPr>
+        <p:spPr>
+          <a:xfrm>
+            <a:off x="4936627" y="3474887"/>
+            <a:ext cx="460916" cy="456724"/>
+          </a:xfrm>
+          <a:prstGeom prst="ellipse">
+            <a:avLst/>
+          </a:prstGeom>
+          <a:solidFill>
+            <a:schemeClr val="bg1"/>
+          </a:solidFill>
+          <a:ln w="12700"/>
+        </p:spPr>
+        <p:style>
+          <a:lnRef idx="2">
+            <a:schemeClr val="accent1">
+              <a:shade val="15000"/>
+            </a:schemeClr>
+          </a:lnRef>
+          <a:fillRef idx="1">
+            <a:schemeClr val="accent1"/>
+          </a:fillRef>
+          <a:effectRef idx="0">
+            <a:schemeClr val="accent1"/>
+          </a:effectRef>
+          <a:fontRef idx="minor">
+            <a:schemeClr val="lt1"/>
+          </a:fontRef>
+        </p:style>
+        <p:txBody>
+          <a:bodyPr rtlCol="0" anchor="ctr"/>
+          <a:lstStyle/>
+          <a:p>
+            <a:pPr algn="ctr"/>
+            <a:endParaRPr lang="zh-CN" altLang="en-US"/>
+          </a:p>
+        </p:txBody>
+      </p:sp>
+      <p:sp>
+        <p:nvSpPr>
+          <p:cNvPr id="19" name="椭圆 18">
+            <a:extLst>
+              <a:ext uri="{FF2B5EF4-FFF2-40B4-BE49-F238E27FC236}">
+                <a16:creationId xmlns:a16="http://schemas.microsoft.com/office/drawing/2014/main" id="{D2C76205-211D-FBF3-427D-67BD0E5F6A81}"/>
+              </a:ext>
+            </a:extLst>
+          </p:cNvPr>
+          <p:cNvSpPr/>
+          <p:nvPr/>
+        </p:nvSpPr>
+        <p:spPr>
+          <a:xfrm>
+            <a:off x="5951040" y="1823419"/>
+            <a:ext cx="460916" cy="456724"/>
+          </a:xfrm>
+          <a:prstGeom prst="ellipse">
+            <a:avLst/>
+          </a:prstGeom>
+          <a:solidFill>
+            <a:schemeClr val="bg1"/>
+          </a:solidFill>
+          <a:ln w="12700"/>
+        </p:spPr>
+        <p:style>
+          <a:lnRef idx="2">
+            <a:schemeClr val="accent1">
+              <a:shade val="15000"/>
+            </a:schemeClr>
+          </a:lnRef>
+          <a:fillRef idx="1">
+            <a:schemeClr val="accent1"/>
+          </a:fillRef>
+          <a:effectRef idx="0">
+            <a:schemeClr val="accent1"/>
+          </a:effectRef>
+          <a:fontRef idx="minor">
+            <a:schemeClr val="lt1"/>
+          </a:fontRef>
+        </p:style>
+        <p:txBody>
+          <a:bodyPr rtlCol="0" anchor="ctr"/>
+          <a:lstStyle/>
+          <a:p>
+            <a:pPr algn="ctr"/>
+            <a:endParaRPr lang="zh-CN" altLang="en-US"/>
+          </a:p>
+        </p:txBody>
+      </p:sp>
+      <p:sp>
+        <p:nvSpPr>
+          <p:cNvPr id="22" name="椭圆 21">
+            <a:extLst>
+              <a:ext uri="{FF2B5EF4-FFF2-40B4-BE49-F238E27FC236}">
+                <a16:creationId xmlns:a16="http://schemas.microsoft.com/office/drawing/2014/main" id="{16DD53D9-E59D-C54A-9B15-78AAB0B7361B}"/>
+              </a:ext>
+            </a:extLst>
+          </p:cNvPr>
+          <p:cNvSpPr/>
+          <p:nvPr/>
+        </p:nvSpPr>
+        <p:spPr>
+          <a:xfrm>
+            <a:off x="5951040" y="2518744"/>
+            <a:ext cx="460916" cy="456724"/>
+          </a:xfrm>
+          <a:prstGeom prst="ellipse">
+            <a:avLst/>
+          </a:prstGeom>
+          <a:solidFill>
+            <a:schemeClr val="bg1"/>
+          </a:solidFill>
+          <a:ln w="12700"/>
+        </p:spPr>
+        <p:style>
+          <a:lnRef idx="2">
+            <a:schemeClr val="accent1">
+              <a:shade val="15000"/>
+            </a:schemeClr>
+          </a:lnRef>
+          <a:fillRef idx="1">
+            <a:schemeClr val="accent1"/>
+          </a:fillRef>
+          <a:effectRef idx="0">
+            <a:schemeClr val="accent1"/>
+          </a:effectRef>
+          <a:fontRef idx="minor">
+            <a:schemeClr val="lt1"/>
+          </a:fontRef>
+        </p:style>
+        <p:txBody>
+          <a:bodyPr rtlCol="0" anchor="ctr"/>
+          <a:lstStyle/>
+          <a:p>
+            <a:pPr algn="ctr"/>
+            <a:endParaRPr lang="zh-CN" altLang="en-US"/>
+          </a:p>
+        </p:txBody>
+      </p:sp>
+      <p:sp>
+        <p:nvSpPr>
+          <p:cNvPr id="23" name="椭圆 22">
+            <a:extLst>
+              <a:ext uri="{FF2B5EF4-FFF2-40B4-BE49-F238E27FC236}">
+                <a16:creationId xmlns:a16="http://schemas.microsoft.com/office/drawing/2014/main" id="{7E01F38A-8B8A-970A-7BA5-2F8BDEA5AEA0}"/>
+              </a:ext>
+            </a:extLst>
+          </p:cNvPr>
+          <p:cNvSpPr/>
+          <p:nvPr/>
+        </p:nvSpPr>
+        <p:spPr>
+          <a:xfrm>
+            <a:off x="5951040" y="3214069"/>
+            <a:ext cx="460916" cy="456724"/>
+          </a:xfrm>
+          <a:prstGeom prst="ellipse">
+            <a:avLst/>
+          </a:prstGeom>
+          <a:solidFill>
+            <a:schemeClr val="bg1"/>
+          </a:solidFill>
+          <a:ln w="12700"/>
+        </p:spPr>
+        <p:style>
+          <a:lnRef idx="2">
+            <a:schemeClr val="accent1">
+              <a:shade val="15000"/>
+            </a:schemeClr>
+          </a:lnRef>
+          <a:fillRef idx="1">
+            <a:schemeClr val="accent1"/>
+          </a:fillRef>
+          <a:effectRef idx="0">
+            <a:schemeClr val="accent1"/>
+          </a:effectRef>
+          <a:fontRef idx="minor">
+            <a:schemeClr val="lt1"/>
+          </a:fontRef>
+        </p:style>
+        <p:txBody>
+          <a:bodyPr rtlCol="0" anchor="ctr"/>
+          <a:lstStyle/>
+          <a:p>
+            <a:pPr algn="ctr"/>
+            <a:endParaRPr lang="zh-CN" altLang="en-US"/>
+          </a:p>
+        </p:txBody>
+      </p:sp>
+      <p:sp>
+        <p:nvSpPr>
+          <p:cNvPr id="39" name="椭圆 38">
+            <a:extLst>
+              <a:ext uri="{FF2B5EF4-FFF2-40B4-BE49-F238E27FC236}">
+                <a16:creationId xmlns:a16="http://schemas.microsoft.com/office/drawing/2014/main" id="{DF187484-824B-E697-6EBC-3FEED4802EA3}"/>
+              </a:ext>
+            </a:extLst>
+          </p:cNvPr>
+          <p:cNvSpPr/>
+          <p:nvPr/>
+        </p:nvSpPr>
+        <p:spPr>
+          <a:xfrm>
+            <a:off x="6794459" y="2518744"/>
+            <a:ext cx="460916" cy="456724"/>
+          </a:xfrm>
+          <a:prstGeom prst="ellipse">
+            <a:avLst/>
+          </a:prstGeom>
+          <a:solidFill>
+            <a:schemeClr val="bg1"/>
+          </a:solidFill>
+          <a:ln w="12700"/>
+        </p:spPr>
+        <p:style>
+          <a:lnRef idx="2">
+            <a:schemeClr val="accent1">
+              <a:shade val="15000"/>
+            </a:schemeClr>
+          </a:lnRef>
+          <a:fillRef idx="1">
+            <a:schemeClr val="accent1"/>
+          </a:fillRef>
+          <a:effectRef idx="0">
+            <a:schemeClr val="accent1"/>
+          </a:effectRef>
+          <a:fontRef idx="minor">
+            <a:schemeClr val="lt1"/>
+          </a:fontRef>
+        </p:style>
+        <p:txBody>
+          <a:bodyPr rtlCol="0" anchor="ctr"/>
+          <a:lstStyle/>
+          <a:p>
+            <a:pPr algn="ctr"/>
+            <a:endParaRPr lang="zh-CN" altLang="en-US"/>
+          </a:p>
+        </p:txBody>
+      </p:sp>
+      <p:cxnSp>
+        <p:nvCxnSpPr>
+          <p:cNvPr id="43" name="直接箭头连接符 42">
+            <a:extLst>
+              <a:ext uri="{FF2B5EF4-FFF2-40B4-BE49-F238E27FC236}">
+                <a16:creationId xmlns:a16="http://schemas.microsoft.com/office/drawing/2014/main" id="{DEE7602E-F5B0-C63C-E27F-F43D1CE63CF8}"/>
+              </a:ext>
+            </a:extLst>
+          </p:cNvPr>
+          <p:cNvCxnSpPr>
+            <a:stCxn id="4" idx="6"/>
+            <a:endCxn id="10" idx="2"/>
+          </p:cNvCxnSpPr>
+          <p:nvPr/>
+        </p:nvCxnSpPr>
+        <p:spPr>
+          <a:xfrm flipV="1">
+            <a:off x="4383130" y="1733716"/>
+            <a:ext cx="553497" cy="342425"/>
+          </a:xfrm>
+          <a:prstGeom prst="straightConnector1">
+            <a:avLst/>
+          </a:prstGeom>
+          <a:ln w="12700">
+            <a:solidFill>
+              <a:schemeClr val="tx1"/>
+            </a:solidFill>
+            <a:tailEnd type="stealth"/>
+          </a:ln>
+        </p:spPr>
+        <p:style>
+          <a:lnRef idx="1">
+            <a:schemeClr val="accent1"/>
+          </a:lnRef>
+          <a:fillRef idx="0">
+            <a:schemeClr val="accent1"/>
+          </a:fillRef>
+          <a:effectRef idx="0">
+            <a:schemeClr val="accent1"/>
+          </a:effectRef>
+          <a:fontRef idx="minor">
+            <a:schemeClr val="tx1"/>
+          </a:fontRef>
+        </p:style>
+      </p:cxnSp>
+      <p:cxnSp>
+        <p:nvCxnSpPr>
+          <p:cNvPr id="48" name="直接箭头连接符 47">
+            <a:extLst>
+              <a:ext uri="{FF2B5EF4-FFF2-40B4-BE49-F238E27FC236}">
+                <a16:creationId xmlns:a16="http://schemas.microsoft.com/office/drawing/2014/main" id="{E8AFBF1A-A050-F74D-3380-11A469978AAA}"/>
+              </a:ext>
+            </a:extLst>
+          </p:cNvPr>
+          <p:cNvCxnSpPr>
+            <a:stCxn id="4" idx="6"/>
+            <a:endCxn id="11" idx="3"/>
+          </p:cNvCxnSpPr>
+          <p:nvPr/>
+        </p:nvCxnSpPr>
+        <p:spPr>
+          <a:xfrm>
+            <a:off x="4383130" y="2076141"/>
+            <a:ext cx="553497" cy="314086"/>
+          </a:xfrm>
+          <a:prstGeom prst="straightConnector1">
+            <a:avLst/>
+          </a:prstGeom>
+          <a:ln w="12700">
+            <a:solidFill>
+              <a:schemeClr val="tx1"/>
+            </a:solidFill>
+            <a:tailEnd type="stealth"/>
+          </a:ln>
+        </p:spPr>
+        <p:style>
+          <a:lnRef idx="1">
+            <a:schemeClr val="accent1"/>
+          </a:lnRef>
+          <a:fillRef idx="0">
+            <a:schemeClr val="accent1"/>
+          </a:fillRef>
+          <a:effectRef idx="0">
+            <a:schemeClr val="accent1"/>
+          </a:effectRef>
+          <a:fontRef idx="minor">
+            <a:schemeClr val="tx1"/>
+          </a:fontRef>
+        </p:style>
+      </p:cxnSp>
+      <p:cxnSp>
+        <p:nvCxnSpPr>
+          <p:cNvPr id="60" name="直接箭头连接符 59">
+            <a:extLst>
+              <a:ext uri="{FF2B5EF4-FFF2-40B4-BE49-F238E27FC236}">
+                <a16:creationId xmlns:a16="http://schemas.microsoft.com/office/drawing/2014/main" id="{0C58FC1C-5557-569A-B896-076141400D2A}"/>
+              </a:ext>
+            </a:extLst>
+          </p:cNvPr>
+          <p:cNvCxnSpPr>
+            <a:stCxn id="4" idx="6"/>
+            <a:endCxn id="12" idx="2"/>
+          </p:cNvCxnSpPr>
+          <p:nvPr/>
+        </p:nvCxnSpPr>
+        <p:spPr>
+          <a:xfrm>
+            <a:off x="4383130" y="2076141"/>
+            <a:ext cx="553497" cy="970597"/>
+          </a:xfrm>
+          <a:prstGeom prst="straightConnector1">
+            <a:avLst/>
+          </a:prstGeom>
+          <a:ln w="12700">
+            <a:solidFill>
+              <a:schemeClr val="tx1"/>
+            </a:solidFill>
+            <a:tailEnd type="stealth"/>
+          </a:ln>
+        </p:spPr>
+        <p:style>
+          <a:lnRef idx="1">
+            <a:schemeClr val="accent1"/>
+          </a:lnRef>
+          <a:fillRef idx="0">
+            <a:schemeClr val="accent1"/>
+          </a:fillRef>
+          <a:effectRef idx="0">
+            <a:schemeClr val="accent1"/>
+          </a:effectRef>
+          <a:fontRef idx="minor">
+            <a:schemeClr val="tx1"/>
+          </a:fontRef>
+        </p:style>
+      </p:cxnSp>
+      <p:cxnSp>
+        <p:nvCxnSpPr>
+          <p:cNvPr id="62" name="直接箭头连接符 61">
+            <a:extLst>
+              <a:ext uri="{FF2B5EF4-FFF2-40B4-BE49-F238E27FC236}">
+                <a16:creationId xmlns:a16="http://schemas.microsoft.com/office/drawing/2014/main" id="{F36F6829-A6B0-35BB-9D98-9CD87078633B}"/>
+              </a:ext>
+            </a:extLst>
+          </p:cNvPr>
+          <p:cNvCxnSpPr>
+            <a:stCxn id="4" idx="6"/>
+            <a:endCxn id="13" idx="2"/>
+          </p:cNvCxnSpPr>
+          <p:nvPr/>
+        </p:nvCxnSpPr>
+        <p:spPr>
+          <a:xfrm>
+            <a:off x="4383130" y="2076141"/>
+            <a:ext cx="553497" cy="1627108"/>
+          </a:xfrm>
+          <a:prstGeom prst="straightConnector1">
+            <a:avLst/>
+          </a:prstGeom>
+          <a:ln w="12700">
+            <a:solidFill>
+              <a:schemeClr val="tx1"/>
+            </a:solidFill>
+            <a:tailEnd type="stealth"/>
+          </a:ln>
+        </p:spPr>
+        <p:style>
+          <a:lnRef idx="1">
+            <a:schemeClr val="accent1"/>
+          </a:lnRef>
+          <a:fillRef idx="0">
+            <a:schemeClr val="accent1"/>
+          </a:fillRef>
+          <a:effectRef idx="0">
+            <a:schemeClr val="accent1"/>
+          </a:effectRef>
+          <a:fontRef idx="minor">
+            <a:schemeClr val="tx1"/>
+          </a:fontRef>
+        </p:style>
+      </p:cxnSp>
+      <p:cxnSp>
+        <p:nvCxnSpPr>
+          <p:cNvPr id="65" name="直接箭头连接符 64">
+            <a:extLst>
+              <a:ext uri="{FF2B5EF4-FFF2-40B4-BE49-F238E27FC236}">
+                <a16:creationId xmlns:a16="http://schemas.microsoft.com/office/drawing/2014/main" id="{2B451665-CE04-5277-0689-D9F1719B8E83}"/>
+              </a:ext>
+            </a:extLst>
+          </p:cNvPr>
+          <p:cNvCxnSpPr>
+            <a:stCxn id="6" idx="6"/>
+            <a:endCxn id="10" idx="2"/>
+          </p:cNvCxnSpPr>
+          <p:nvPr/>
+        </p:nvCxnSpPr>
+        <p:spPr>
+          <a:xfrm flipV="1">
+            <a:off x="4383130" y="1733716"/>
+            <a:ext cx="553497" cy="1037750"/>
+          </a:xfrm>
+          <a:prstGeom prst="straightConnector1">
+            <a:avLst/>
+          </a:prstGeom>
+          <a:ln w="12700">
+            <a:solidFill>
+              <a:schemeClr val="tx1"/>
+            </a:solidFill>
+            <a:tailEnd type="stealth"/>
+          </a:ln>
+        </p:spPr>
+        <p:style>
+          <a:lnRef idx="1">
+            <a:schemeClr val="accent1"/>
+          </a:lnRef>
+          <a:fillRef idx="0">
+            <a:schemeClr val="accent1"/>
+          </a:fillRef>
+          <a:effectRef idx="0">
+            <a:schemeClr val="accent1"/>
+          </a:effectRef>
+          <a:fontRef idx="minor">
+            <a:schemeClr val="tx1"/>
+          </a:fontRef>
+        </p:style>
+      </p:cxnSp>
+      <p:cxnSp>
+        <p:nvCxnSpPr>
+          <p:cNvPr id="67" name="直接箭头连接符 66">
+            <a:extLst>
+              <a:ext uri="{FF2B5EF4-FFF2-40B4-BE49-F238E27FC236}">
+                <a16:creationId xmlns:a16="http://schemas.microsoft.com/office/drawing/2014/main" id="{50134D8C-3AA5-7D8F-B3A7-6D404A229CB0}"/>
+              </a:ext>
+            </a:extLst>
+          </p:cNvPr>
+          <p:cNvCxnSpPr>
+            <a:stCxn id="6" idx="6"/>
+            <a:endCxn id="11" idx="2"/>
+          </p:cNvCxnSpPr>
+          <p:nvPr/>
+        </p:nvCxnSpPr>
+        <p:spPr>
+          <a:xfrm flipV="1">
+            <a:off x="4383130" y="2390227"/>
+            <a:ext cx="553497" cy="381239"/>
+          </a:xfrm>
+          <a:prstGeom prst="straightConnector1">
+            <a:avLst/>
+          </a:prstGeom>
+          <a:ln w="12700">
+            <a:solidFill>
+              <a:schemeClr val="tx1"/>
+            </a:solidFill>
+            <a:tailEnd type="stealth"/>
+          </a:ln>
+        </p:spPr>
+        <p:style>
+          <a:lnRef idx="1">
+            <a:schemeClr val="accent1"/>
+          </a:lnRef>
+          <a:fillRef idx="0">
+            <a:schemeClr val="accent1"/>
+          </a:fillRef>
+          <a:effectRef idx="0">
+            <a:schemeClr val="accent1"/>
+          </a:effectRef>
+          <a:fontRef idx="minor">
+            <a:schemeClr val="tx1"/>
+          </a:fontRef>
+        </p:style>
+      </p:cxnSp>
+      <p:cxnSp>
+        <p:nvCxnSpPr>
+          <p:cNvPr id="69" name="直接箭头连接符 68">
+            <a:extLst>
+              <a:ext uri="{FF2B5EF4-FFF2-40B4-BE49-F238E27FC236}">
+                <a16:creationId xmlns:a16="http://schemas.microsoft.com/office/drawing/2014/main" id="{08013DD9-D8C7-0417-537F-6C460A44B9C4}"/>
+              </a:ext>
+            </a:extLst>
+          </p:cNvPr>
+          <p:cNvCxnSpPr>
+            <a:stCxn id="6" idx="6"/>
+            <a:endCxn id="12" idx="2"/>
+          </p:cNvCxnSpPr>
+          <p:nvPr/>
+        </p:nvCxnSpPr>
+        <p:spPr>
+          <a:xfrm>
+            <a:off x="4383130" y="2771466"/>
+            <a:ext cx="553497" cy="275272"/>
+          </a:xfrm>
+          <a:prstGeom prst="straightConnector1">
+            <a:avLst/>
+          </a:prstGeom>
+          <a:ln w="12700">
+            <a:solidFill>
+              <a:schemeClr val="tx1"/>
+            </a:solidFill>
+            <a:tailEnd type="stealth"/>
+          </a:ln>
+        </p:spPr>
+        <p:style>
+          <a:lnRef idx="1">
+            <a:schemeClr val="accent1"/>
+          </a:lnRef>
+          <a:fillRef idx="0">
+            <a:schemeClr val="accent1"/>
+          </a:fillRef>
+          <a:effectRef idx="0">
+            <a:schemeClr val="accent1"/>
+          </a:effectRef>
+          <a:fontRef idx="minor">
+            <a:schemeClr val="tx1"/>
+          </a:fontRef>
+        </p:style>
+      </p:cxnSp>
+      <p:cxnSp>
+        <p:nvCxnSpPr>
+          <p:cNvPr id="71" name="直接箭头连接符 70">
+            <a:extLst>
+              <a:ext uri="{FF2B5EF4-FFF2-40B4-BE49-F238E27FC236}">
+                <a16:creationId xmlns:a16="http://schemas.microsoft.com/office/drawing/2014/main" id="{2B947D13-E5BE-6A86-6E29-D5C7190513DE}"/>
+              </a:ext>
+            </a:extLst>
+          </p:cNvPr>
+          <p:cNvCxnSpPr>
+            <a:stCxn id="6" idx="6"/>
+            <a:endCxn id="13" idx="2"/>
+          </p:cNvCxnSpPr>
+          <p:nvPr/>
+        </p:nvCxnSpPr>
+        <p:spPr>
+          <a:xfrm>
+            <a:off x="4383130" y="2771466"/>
+            <a:ext cx="553497" cy="931783"/>
+          </a:xfrm>
+          <a:prstGeom prst="straightConnector1">
+            <a:avLst/>
+          </a:prstGeom>
+          <a:ln w="12700">
+            <a:solidFill>
+              <a:schemeClr val="tx1"/>
+            </a:solidFill>
+            <a:tailEnd type="stealth"/>
+          </a:ln>
+        </p:spPr>
+        <p:style>
+          <a:lnRef idx="1">
+            <a:schemeClr val="accent1"/>
+          </a:lnRef>
+          <a:fillRef idx="0">
+            <a:schemeClr val="accent1"/>
+          </a:fillRef>
+          <a:effectRef idx="0">
+            <a:schemeClr val="accent1"/>
+          </a:effectRef>
+          <a:fontRef idx="minor">
+            <a:schemeClr val="tx1"/>
+          </a:fontRef>
+        </p:style>
+      </p:cxnSp>
+      <p:cxnSp>
+        <p:nvCxnSpPr>
+          <p:cNvPr id="73" name="直接箭头连接符 72">
+            <a:extLst>
+              <a:ext uri="{FF2B5EF4-FFF2-40B4-BE49-F238E27FC236}">
+                <a16:creationId xmlns:a16="http://schemas.microsoft.com/office/drawing/2014/main" id="{1FE6ABED-19DC-664B-67E9-E22CED52A6F6}"/>
+              </a:ext>
+            </a:extLst>
+          </p:cNvPr>
+          <p:cNvCxnSpPr>
+            <a:stCxn id="8" idx="6"/>
+            <a:endCxn id="10" idx="2"/>
+          </p:cNvCxnSpPr>
+          <p:nvPr/>
+        </p:nvCxnSpPr>
+        <p:spPr>
+          <a:xfrm flipV="1">
+            <a:off x="4383130" y="1733716"/>
+            <a:ext cx="553497" cy="1733075"/>
+          </a:xfrm>
+          <a:prstGeom prst="straightConnector1">
+            <a:avLst/>
+          </a:prstGeom>
+          <a:ln w="12700">
+            <a:solidFill>
+              <a:schemeClr val="tx1"/>
+            </a:solidFill>
+            <a:tailEnd type="stealth"/>
+          </a:ln>
+        </p:spPr>
+        <p:style>
+          <a:lnRef idx="1">
+            <a:schemeClr val="accent1"/>
+          </a:lnRef>
+          <a:fillRef idx="0">
+            <a:schemeClr val="accent1"/>
+          </a:fillRef>
+          <a:effectRef idx="0">
+            <a:schemeClr val="accent1"/>
+          </a:effectRef>
+          <a:fontRef idx="minor">
+            <a:schemeClr val="tx1"/>
+          </a:fontRef>
+        </p:style>
+      </p:cxnSp>
+      <p:cxnSp>
+        <p:nvCxnSpPr>
+          <p:cNvPr id="75" name="直接箭头连接符 74">
+            <a:extLst>
+              <a:ext uri="{FF2B5EF4-FFF2-40B4-BE49-F238E27FC236}">
+                <a16:creationId xmlns:a16="http://schemas.microsoft.com/office/drawing/2014/main" id="{4C788888-9611-5B4E-7BE1-3F550F9B67CA}"/>
+              </a:ext>
+            </a:extLst>
+          </p:cNvPr>
+          <p:cNvCxnSpPr>
+            <a:stCxn id="8" idx="6"/>
+            <a:endCxn id="11" idx="2"/>
+          </p:cNvCxnSpPr>
+          <p:nvPr/>
+        </p:nvCxnSpPr>
+        <p:spPr>
+          <a:xfrm flipV="1">
+            <a:off x="4383130" y="2390227"/>
+            <a:ext cx="553497" cy="1076564"/>
+          </a:xfrm>
+          <a:prstGeom prst="straightConnector1">
+            <a:avLst/>
+          </a:prstGeom>
+          <a:ln w="12700">
+            <a:solidFill>
+              <a:schemeClr val="tx1"/>
+            </a:solidFill>
+            <a:tailEnd type="stealth"/>
+          </a:ln>
+        </p:spPr>
+        <p:style>
+          <a:lnRef idx="1">
+            <a:schemeClr val="accent1"/>
+          </a:lnRef>
+          <a:fillRef idx="0">
+            <a:schemeClr val="accent1"/>
+          </a:fillRef>
+          <a:effectRef idx="0">
+            <a:schemeClr val="accent1"/>
+          </a:effectRef>
+          <a:fontRef idx="minor">
+            <a:schemeClr val="tx1"/>
+          </a:fontRef>
+        </p:style>
+      </p:cxnSp>
+      <p:cxnSp>
+        <p:nvCxnSpPr>
+          <p:cNvPr id="77" name="直接箭头连接符 76">
+            <a:extLst>
+              <a:ext uri="{FF2B5EF4-FFF2-40B4-BE49-F238E27FC236}">
+                <a16:creationId xmlns:a16="http://schemas.microsoft.com/office/drawing/2014/main" id="{6C518FE7-4C33-B6FB-2F5A-1B32C5FD792C}"/>
+              </a:ext>
+            </a:extLst>
+          </p:cNvPr>
+          <p:cNvCxnSpPr>
+            <a:stCxn id="8" idx="6"/>
+            <a:endCxn id="12" idx="2"/>
+          </p:cNvCxnSpPr>
+          <p:nvPr/>
+        </p:nvCxnSpPr>
+        <p:spPr>
+          <a:xfrm flipV="1">
+            <a:off x="4383130" y="3046738"/>
+            <a:ext cx="553497" cy="420053"/>
+          </a:xfrm>
+          <a:prstGeom prst="straightConnector1">
+            <a:avLst/>
+          </a:prstGeom>
+          <a:ln w="12700">
+            <a:solidFill>
+              <a:schemeClr val="tx1"/>
+            </a:solidFill>
+            <a:tailEnd type="stealth"/>
+          </a:ln>
+        </p:spPr>
+        <p:style>
+          <a:lnRef idx="1">
+            <a:schemeClr val="accent1"/>
+          </a:lnRef>
+          <a:fillRef idx="0">
+            <a:schemeClr val="accent1"/>
+          </a:fillRef>
+          <a:effectRef idx="0">
+            <a:schemeClr val="accent1"/>
+          </a:effectRef>
+          <a:fontRef idx="minor">
+            <a:schemeClr val="tx1"/>
+          </a:fontRef>
+        </p:style>
+      </p:cxnSp>
+      <p:cxnSp>
+        <p:nvCxnSpPr>
+          <p:cNvPr id="79" name="直接箭头连接符 78">
+            <a:extLst>
+              <a:ext uri="{FF2B5EF4-FFF2-40B4-BE49-F238E27FC236}">
+                <a16:creationId xmlns:a16="http://schemas.microsoft.com/office/drawing/2014/main" id="{9C8C0F82-62AE-E750-F863-6A95F53D3F7F}"/>
+              </a:ext>
+            </a:extLst>
+          </p:cNvPr>
+          <p:cNvCxnSpPr>
+            <a:stCxn id="8" idx="6"/>
+            <a:endCxn id="13" idx="2"/>
+          </p:cNvCxnSpPr>
+          <p:nvPr/>
+        </p:nvCxnSpPr>
+        <p:spPr>
+          <a:xfrm>
+            <a:off x="4383130" y="3466791"/>
+            <a:ext cx="553497" cy="236458"/>
+          </a:xfrm>
+          <a:prstGeom prst="straightConnector1">
+            <a:avLst/>
+          </a:prstGeom>
+          <a:ln w="12700">
+            <a:solidFill>
+              <a:schemeClr val="tx1"/>
+            </a:solidFill>
+            <a:tailEnd type="stealth"/>
+          </a:ln>
+        </p:spPr>
+        <p:style>
+          <a:lnRef idx="1">
+            <a:schemeClr val="accent1"/>
+          </a:lnRef>
+          <a:fillRef idx="0">
+            <a:schemeClr val="accent1"/>
+          </a:fillRef>
+          <a:effectRef idx="0">
+            <a:schemeClr val="accent1"/>
+          </a:effectRef>
+          <a:fontRef idx="minor">
+            <a:schemeClr val="tx1"/>
+          </a:fontRef>
+        </p:style>
+      </p:cxnSp>
+      <p:cxnSp>
+        <p:nvCxnSpPr>
+          <p:cNvPr id="81" name="直接箭头连接符 80">
+            <a:extLst>
+              <a:ext uri="{FF2B5EF4-FFF2-40B4-BE49-F238E27FC236}">
+                <a16:creationId xmlns:a16="http://schemas.microsoft.com/office/drawing/2014/main" id="{A4890119-725A-37ED-3DF3-CE74357D26C8}"/>
+              </a:ext>
+            </a:extLst>
+          </p:cNvPr>
+          <p:cNvCxnSpPr>
+            <a:stCxn id="10" idx="6"/>
+            <a:endCxn id="19" idx="2"/>
+          </p:cNvCxnSpPr>
+          <p:nvPr/>
+        </p:nvCxnSpPr>
+        <p:spPr>
+          <a:xfrm>
+            <a:off x="5397543" y="1733716"/>
+            <a:ext cx="553497" cy="318065"/>
+          </a:xfrm>
+          <a:prstGeom prst="straightConnector1">
+            <a:avLst/>
+          </a:prstGeom>
+          <a:ln w="12700">
+            <a:solidFill>
+              <a:schemeClr val="tx1"/>
+            </a:solidFill>
+            <a:tailEnd type="stealth"/>
+          </a:ln>
+        </p:spPr>
+        <p:style>
+          <a:lnRef idx="1">
+            <a:schemeClr val="accent1"/>
+          </a:lnRef>
+          <a:fillRef idx="0">
+            <a:schemeClr val="accent1"/>
+          </a:fillRef>
+          <a:effectRef idx="0">
+            <a:schemeClr val="accent1"/>
+          </a:effectRef>
+          <a:fontRef idx="minor">
+            <a:schemeClr val="tx1"/>
+          </a:fontRef>
+        </p:style>
+      </p:cxnSp>
+      <p:cxnSp>
+        <p:nvCxnSpPr>
+          <p:cNvPr id="83" name="直接箭头连接符 82">
+            <a:extLst>
+              <a:ext uri="{FF2B5EF4-FFF2-40B4-BE49-F238E27FC236}">
+                <a16:creationId xmlns:a16="http://schemas.microsoft.com/office/drawing/2014/main" id="{AE1C81CF-F55A-AE66-A358-82A1AB90FDD1}"/>
+              </a:ext>
+            </a:extLst>
+          </p:cNvPr>
+          <p:cNvCxnSpPr>
+            <a:stCxn id="11" idx="6"/>
+            <a:endCxn id="19" idx="2"/>
+          </p:cNvCxnSpPr>
+          <p:nvPr/>
+        </p:nvCxnSpPr>
+        <p:spPr>
+          <a:xfrm flipV="1">
+            <a:off x="5397543" y="2051781"/>
+            <a:ext cx="553497" cy="338446"/>
+          </a:xfrm>
+          <a:prstGeom prst="straightConnector1">
+            <a:avLst/>
+          </a:prstGeom>
+          <a:ln w="12700">
+            <a:solidFill>
+              <a:schemeClr val="tx1"/>
+            </a:solidFill>
+            <a:tailEnd type="stealth"/>
+          </a:ln>
+        </p:spPr>
+        <p:style>
+          <a:lnRef idx="1">
+            <a:schemeClr val="accent1"/>
+          </a:lnRef>
+          <a:fillRef idx="0">
+            <a:schemeClr val="accent1"/>
+          </a:fillRef>
+          <a:effectRef idx="0">
+            <a:schemeClr val="accent1"/>
+          </a:effectRef>
+          <a:fontRef idx="minor">
+            <a:schemeClr val="tx1"/>
+          </a:fontRef>
+        </p:style>
+      </p:cxnSp>
+      <p:cxnSp>
+        <p:nvCxnSpPr>
+          <p:cNvPr id="86" name="直接箭头连接符 85">
+            <a:extLst>
+              <a:ext uri="{FF2B5EF4-FFF2-40B4-BE49-F238E27FC236}">
+                <a16:creationId xmlns:a16="http://schemas.microsoft.com/office/drawing/2014/main" id="{53BE92D7-D1B1-6AD4-FF25-9110A37F70E9}"/>
+              </a:ext>
+            </a:extLst>
+          </p:cNvPr>
+          <p:cNvCxnSpPr>
+            <a:stCxn id="11" idx="6"/>
+            <a:endCxn id="22" idx="2"/>
+          </p:cNvCxnSpPr>
+          <p:nvPr/>
+        </p:nvCxnSpPr>
+        <p:spPr>
+          <a:xfrm>
+            <a:off x="5397543" y="2390227"/>
+            <a:ext cx="553497" cy="356879"/>
+          </a:xfrm>
+          <a:prstGeom prst="straightConnector1">
+            <a:avLst/>
+          </a:prstGeom>
+          <a:ln w="12700">
+            <a:solidFill>
+              <a:schemeClr val="tx1"/>
+            </a:solidFill>
+            <a:tailEnd type="stealth"/>
+          </a:ln>
+        </p:spPr>
+        <p:style>
+          <a:lnRef idx="1">
+            <a:schemeClr val="accent1"/>
+          </a:lnRef>
+          <a:fillRef idx="0">
+            <a:schemeClr val="accent1"/>
+          </a:fillRef>
+          <a:effectRef idx="0">
+            <a:schemeClr val="accent1"/>
+          </a:effectRef>
+          <a:fontRef idx="minor">
+            <a:schemeClr val="tx1"/>
+          </a:fontRef>
+        </p:style>
+      </p:cxnSp>
+      <p:cxnSp>
+        <p:nvCxnSpPr>
+          <p:cNvPr id="88" name="直接箭头连接符 87">
+            <a:extLst>
+              <a:ext uri="{FF2B5EF4-FFF2-40B4-BE49-F238E27FC236}">
+                <a16:creationId xmlns:a16="http://schemas.microsoft.com/office/drawing/2014/main" id="{AE8D15B4-E2BE-BCCA-25A2-38FE03F4D3A6}"/>
+              </a:ext>
+            </a:extLst>
+          </p:cNvPr>
+          <p:cNvCxnSpPr>
+            <a:stCxn id="10" idx="6"/>
+            <a:endCxn id="23" idx="2"/>
+          </p:cNvCxnSpPr>
+          <p:nvPr/>
+        </p:nvCxnSpPr>
+        <p:spPr>
+          <a:xfrm>
+            <a:off x="5397543" y="1733716"/>
+            <a:ext cx="553497" cy="1708715"/>
+          </a:xfrm>
+          <a:prstGeom prst="straightConnector1">
+            <a:avLst/>
+          </a:prstGeom>
+          <a:ln w="12700">
+            <a:solidFill>
+              <a:schemeClr val="tx1"/>
+            </a:solidFill>
+            <a:tailEnd type="stealth"/>
+          </a:ln>
+        </p:spPr>
+        <p:style>
+          <a:lnRef idx="1">
+            <a:schemeClr val="accent1"/>
+          </a:lnRef>
+          <a:fillRef idx="0">
+            <a:schemeClr val="accent1"/>
+          </a:fillRef>
+          <a:effectRef idx="0">
+            <a:schemeClr val="accent1"/>
+          </a:effectRef>
+          <a:fontRef idx="minor">
+            <a:schemeClr val="tx1"/>
+          </a:fontRef>
+        </p:style>
+      </p:cxnSp>
+      <p:cxnSp>
+        <p:nvCxnSpPr>
+          <p:cNvPr id="95" name="直接箭头连接符 94">
+            <a:extLst>
+              <a:ext uri="{FF2B5EF4-FFF2-40B4-BE49-F238E27FC236}">
+                <a16:creationId xmlns:a16="http://schemas.microsoft.com/office/drawing/2014/main" id="{06DCD73A-114D-FF49-E90E-BBC7C4BD33D3}"/>
+              </a:ext>
+            </a:extLst>
+          </p:cNvPr>
+          <p:cNvCxnSpPr>
+            <a:stCxn id="12" idx="6"/>
+            <a:endCxn id="22" idx="2"/>
+          </p:cNvCxnSpPr>
+          <p:nvPr/>
+        </p:nvCxnSpPr>
+        <p:spPr>
+          <a:xfrm flipV="1">
+            <a:off x="5397543" y="2747106"/>
+            <a:ext cx="553497" cy="299632"/>
+          </a:xfrm>
+          <a:prstGeom prst="straightConnector1">
+            <a:avLst/>
+          </a:prstGeom>
+          <a:ln w="12700">
+            <a:solidFill>
+              <a:schemeClr val="tx1"/>
+            </a:solidFill>
+            <a:tailEnd type="stealth"/>
+          </a:ln>
+        </p:spPr>
+        <p:style>
+          <a:lnRef idx="1">
+            <a:schemeClr val="accent1"/>
+          </a:lnRef>
+          <a:fillRef idx="0">
+            <a:schemeClr val="accent1"/>
+          </a:fillRef>
+          <a:effectRef idx="0">
+            <a:schemeClr val="accent1"/>
+          </a:effectRef>
+          <a:fontRef idx="minor">
+            <a:schemeClr val="tx1"/>
+          </a:fontRef>
+        </p:style>
+      </p:cxnSp>
+      <p:cxnSp>
+        <p:nvCxnSpPr>
+          <p:cNvPr id="97" name="直接箭头连接符 96">
+            <a:extLst>
+              <a:ext uri="{FF2B5EF4-FFF2-40B4-BE49-F238E27FC236}">
+                <a16:creationId xmlns:a16="http://schemas.microsoft.com/office/drawing/2014/main" id="{40173887-FD0D-5E6F-9E46-58F5127EFEAD}"/>
+              </a:ext>
+            </a:extLst>
+          </p:cNvPr>
+          <p:cNvCxnSpPr>
+            <a:stCxn id="13" idx="6"/>
+            <a:endCxn id="22" idx="2"/>
+          </p:cNvCxnSpPr>
+          <p:nvPr/>
+        </p:nvCxnSpPr>
+        <p:spPr>
+          <a:xfrm flipV="1">
+            <a:off x="5397543" y="2747106"/>
+            <a:ext cx="553497" cy="956143"/>
+          </a:xfrm>
+          <a:prstGeom prst="straightConnector1">
+            <a:avLst/>
+          </a:prstGeom>
+          <a:ln w="12700">
+            <a:solidFill>
+              <a:schemeClr val="tx1"/>
+            </a:solidFill>
+            <a:tailEnd type="stealth"/>
+          </a:ln>
+        </p:spPr>
+        <p:style>
+          <a:lnRef idx="1">
+            <a:schemeClr val="accent1"/>
+          </a:lnRef>
+          <a:fillRef idx="0">
+            <a:schemeClr val="accent1"/>
+          </a:fillRef>
+          <a:effectRef idx="0">
+            <a:schemeClr val="accent1"/>
+          </a:effectRef>
+          <a:fontRef idx="minor">
+            <a:schemeClr val="tx1"/>
+          </a:fontRef>
+        </p:style>
+      </p:cxnSp>
+      <p:cxnSp>
+        <p:nvCxnSpPr>
+          <p:cNvPr id="99" name="直接箭头连接符 98">
+            <a:extLst>
+              <a:ext uri="{FF2B5EF4-FFF2-40B4-BE49-F238E27FC236}">
+                <a16:creationId xmlns:a16="http://schemas.microsoft.com/office/drawing/2014/main" id="{B7A23134-F24E-5FB0-0C86-6FEB4D11E623}"/>
+              </a:ext>
+            </a:extLst>
+          </p:cNvPr>
+          <p:cNvCxnSpPr>
+            <a:stCxn id="11" idx="6"/>
+            <a:endCxn id="23" idx="2"/>
+          </p:cNvCxnSpPr>
+          <p:nvPr/>
+        </p:nvCxnSpPr>
+        <p:spPr>
+          <a:xfrm>
+            <a:off x="5397543" y="2390227"/>
+            <a:ext cx="553497" cy="1052204"/>
+          </a:xfrm>
+          <a:prstGeom prst="straightConnector1">
+            <a:avLst/>
+          </a:prstGeom>
+          <a:ln w="12700">
+            <a:solidFill>
+              <a:schemeClr val="tx1"/>
+            </a:solidFill>
+            <a:tailEnd type="stealth"/>
+          </a:ln>
+        </p:spPr>
+        <p:style>
+          <a:lnRef idx="1">
+            <a:schemeClr val="accent1"/>
+          </a:lnRef>
+          <a:fillRef idx="0">
+            <a:schemeClr val="accent1"/>
+          </a:fillRef>
+          <a:effectRef idx="0">
+            <a:schemeClr val="accent1"/>
+          </a:effectRef>
+          <a:fontRef idx="minor">
+            <a:schemeClr val="tx1"/>
+          </a:fontRef>
+        </p:style>
+      </p:cxnSp>
+      <p:cxnSp>
+        <p:nvCxnSpPr>
+          <p:cNvPr id="101" name="直接箭头连接符 100">
+            <a:extLst>
+              <a:ext uri="{FF2B5EF4-FFF2-40B4-BE49-F238E27FC236}">
+                <a16:creationId xmlns:a16="http://schemas.microsoft.com/office/drawing/2014/main" id="{52D2760D-AB5F-4789-1B2D-9B98E098C524}"/>
+              </a:ext>
+            </a:extLst>
+          </p:cNvPr>
+          <p:cNvCxnSpPr>
+            <a:stCxn id="12" idx="6"/>
+            <a:endCxn id="19" idx="2"/>
+          </p:cNvCxnSpPr>
+          <p:nvPr/>
+        </p:nvCxnSpPr>
+        <p:spPr>
+          <a:xfrm flipV="1">
+            <a:off x="5397543" y="2051781"/>
+            <a:ext cx="553497" cy="994957"/>
+          </a:xfrm>
+          <a:prstGeom prst="straightConnector1">
+            <a:avLst/>
+          </a:prstGeom>
+          <a:ln w="12700">
+            <a:solidFill>
+              <a:schemeClr val="tx1"/>
+            </a:solidFill>
+            <a:tailEnd type="stealth"/>
+          </a:ln>
+        </p:spPr>
+        <p:style>
+          <a:lnRef idx="1">
+            <a:schemeClr val="accent1"/>
+          </a:lnRef>
+          <a:fillRef idx="0">
+            <a:schemeClr val="accent1"/>
+          </a:fillRef>
+          <a:effectRef idx="0">
+            <a:schemeClr val="accent1"/>
+          </a:effectRef>
+          <a:fontRef idx="minor">
+            <a:schemeClr val="tx1"/>
+          </a:fontRef>
+        </p:style>
+      </p:cxnSp>
+      <p:cxnSp>
+        <p:nvCxnSpPr>
+          <p:cNvPr id="103" name="直接箭头连接符 102">
+            <a:extLst>
+              <a:ext uri="{FF2B5EF4-FFF2-40B4-BE49-F238E27FC236}">
+                <a16:creationId xmlns:a16="http://schemas.microsoft.com/office/drawing/2014/main" id="{BBF33BBB-185A-3F17-B453-B6CE2B651121}"/>
+              </a:ext>
+            </a:extLst>
+          </p:cNvPr>
+          <p:cNvCxnSpPr>
+            <a:stCxn id="13" idx="6"/>
+            <a:endCxn id="23" idx="2"/>
+          </p:cNvCxnSpPr>
+          <p:nvPr/>
+        </p:nvCxnSpPr>
+        <p:spPr>
+          <a:xfrm flipV="1">
+            <a:off x="5397543" y="3442431"/>
+            <a:ext cx="553497" cy="260818"/>
+          </a:xfrm>
+          <a:prstGeom prst="straightConnector1">
+            <a:avLst/>
+          </a:prstGeom>
+          <a:ln w="12700">
+            <a:solidFill>
+              <a:schemeClr val="tx1"/>
+            </a:solidFill>
+            <a:tailEnd type="stealth"/>
+          </a:ln>
+        </p:spPr>
+        <p:style>
+          <a:lnRef idx="1">
+            <a:schemeClr val="accent1"/>
+          </a:lnRef>
+          <a:fillRef idx="0">
+            <a:schemeClr val="accent1"/>
+          </a:fillRef>
+          <a:effectRef idx="0">
+            <a:schemeClr val="accent1"/>
+          </a:effectRef>
+          <a:fontRef idx="minor">
+            <a:schemeClr val="tx1"/>
+          </a:fontRef>
+        </p:style>
+      </p:cxnSp>
+      <p:cxnSp>
+        <p:nvCxnSpPr>
+          <p:cNvPr id="105" name="直接箭头连接符 104">
+            <a:extLst>
+              <a:ext uri="{FF2B5EF4-FFF2-40B4-BE49-F238E27FC236}">
+                <a16:creationId xmlns:a16="http://schemas.microsoft.com/office/drawing/2014/main" id="{F48485A7-6D21-78FD-D771-AA9ED7AFBF6B}"/>
+              </a:ext>
+            </a:extLst>
+          </p:cNvPr>
+          <p:cNvCxnSpPr>
+            <a:stCxn id="13" idx="6"/>
+            <a:endCxn id="19" idx="2"/>
+          </p:cNvCxnSpPr>
+          <p:nvPr/>
+        </p:nvCxnSpPr>
+        <p:spPr>
+          <a:xfrm flipV="1">
+            <a:off x="5397543" y="2051781"/>
+            <a:ext cx="553497" cy="1651468"/>
+          </a:xfrm>
+          <a:prstGeom prst="straightConnector1">
+            <a:avLst/>
+          </a:prstGeom>
+          <a:ln w="12700">
+            <a:solidFill>
+              <a:schemeClr val="tx1"/>
+            </a:solidFill>
+            <a:tailEnd type="stealth"/>
+          </a:ln>
+        </p:spPr>
+        <p:style>
+          <a:lnRef idx="1">
+            <a:schemeClr val="accent1"/>
+          </a:lnRef>
+          <a:fillRef idx="0">
+            <a:schemeClr val="accent1"/>
+          </a:fillRef>
+          <a:effectRef idx="0">
+            <a:schemeClr val="accent1"/>
+          </a:effectRef>
+          <a:fontRef idx="minor">
+            <a:schemeClr val="tx1"/>
+          </a:fontRef>
+        </p:style>
+      </p:cxnSp>
+      <p:cxnSp>
+        <p:nvCxnSpPr>
+          <p:cNvPr id="107" name="直接箭头连接符 106">
+            <a:extLst>
+              <a:ext uri="{FF2B5EF4-FFF2-40B4-BE49-F238E27FC236}">
+                <a16:creationId xmlns:a16="http://schemas.microsoft.com/office/drawing/2014/main" id="{6BFA3D40-7153-5BA3-D004-9A890211A59D}"/>
+              </a:ext>
+            </a:extLst>
+          </p:cNvPr>
+          <p:cNvCxnSpPr>
+            <a:stCxn id="19" idx="6"/>
+            <a:endCxn id="39" idx="2"/>
+          </p:cNvCxnSpPr>
+          <p:nvPr/>
+        </p:nvCxnSpPr>
+        <p:spPr>
+          <a:xfrm>
+            <a:off x="6411956" y="2051781"/>
+            <a:ext cx="382503" cy="695325"/>
+          </a:xfrm>
+          <a:prstGeom prst="straightConnector1">
+            <a:avLst/>
+          </a:prstGeom>
+          <a:ln w="12700">
+            <a:solidFill>
+              <a:schemeClr val="tx1"/>
+            </a:solidFill>
+            <a:tailEnd type="stealth"/>
+          </a:ln>
+        </p:spPr>
+        <p:style>
+          <a:lnRef idx="1">
+            <a:schemeClr val="accent1"/>
+          </a:lnRef>
+          <a:fillRef idx="0">
+            <a:schemeClr val="accent1"/>
+          </a:fillRef>
+          <a:effectRef idx="0">
+            <a:schemeClr val="accent1"/>
+          </a:effectRef>
+          <a:fontRef idx="minor">
+            <a:schemeClr val="tx1"/>
+          </a:fontRef>
+        </p:style>
+      </p:cxnSp>
+      <p:cxnSp>
+        <p:nvCxnSpPr>
+          <p:cNvPr id="109" name="直接箭头连接符 108">
+            <a:extLst>
+              <a:ext uri="{FF2B5EF4-FFF2-40B4-BE49-F238E27FC236}">
+                <a16:creationId xmlns:a16="http://schemas.microsoft.com/office/drawing/2014/main" id="{41D3A1FF-17FD-E94F-EBBC-4876843C9DEA}"/>
+              </a:ext>
+            </a:extLst>
+          </p:cNvPr>
+          <p:cNvCxnSpPr>
+            <a:stCxn id="22" idx="6"/>
+            <a:endCxn id="39" idx="2"/>
+          </p:cNvCxnSpPr>
+          <p:nvPr/>
+        </p:nvCxnSpPr>
+        <p:spPr>
+          <a:xfrm>
+            <a:off x="6411956" y="2747106"/>
+            <a:ext cx="382503" cy="0"/>
+          </a:xfrm>
+          <a:prstGeom prst="straightConnector1">
+            <a:avLst/>
+          </a:prstGeom>
+          <a:ln w="12700">
+            <a:solidFill>
+              <a:schemeClr val="tx1"/>
+            </a:solidFill>
+            <a:tailEnd type="stealth"/>
+          </a:ln>
+        </p:spPr>
+        <p:style>
+          <a:lnRef idx="1">
+            <a:schemeClr val="accent1"/>
+          </a:lnRef>
+          <a:fillRef idx="0">
+            <a:schemeClr val="accent1"/>
+          </a:fillRef>
+          <a:effectRef idx="0">
+            <a:schemeClr val="accent1"/>
+          </a:effectRef>
+          <a:fontRef idx="minor">
+            <a:schemeClr val="tx1"/>
+          </a:fontRef>
+        </p:style>
+      </p:cxnSp>
+      <p:cxnSp>
+        <p:nvCxnSpPr>
+          <p:cNvPr id="111" name="直接箭头连接符 110">
+            <a:extLst>
+              <a:ext uri="{FF2B5EF4-FFF2-40B4-BE49-F238E27FC236}">
+                <a16:creationId xmlns:a16="http://schemas.microsoft.com/office/drawing/2014/main" id="{4066DBAD-5AE9-70F1-C4A9-1511CCA975B4}"/>
+              </a:ext>
+            </a:extLst>
+          </p:cNvPr>
+          <p:cNvCxnSpPr>
+            <a:stCxn id="23" idx="6"/>
+            <a:endCxn id="39" idx="2"/>
+          </p:cNvCxnSpPr>
+          <p:nvPr/>
+        </p:nvCxnSpPr>
+        <p:spPr>
+          <a:xfrm flipV="1">
+            <a:off x="6411956" y="2747106"/>
+            <a:ext cx="382503" cy="695325"/>
+          </a:xfrm>
+          <a:prstGeom prst="straightConnector1">
+            <a:avLst/>
+          </a:prstGeom>
+          <a:ln w="12700">
+            <a:solidFill>
+              <a:schemeClr val="tx1"/>
+            </a:solidFill>
+            <a:tailEnd type="stealth"/>
+          </a:ln>
+        </p:spPr>
+        <p:style>
+          <a:lnRef idx="1">
+            <a:schemeClr val="accent1"/>
+          </a:lnRef>
+          <a:fillRef idx="0">
+            <a:schemeClr val="accent1"/>
+          </a:fillRef>
+          <a:effectRef idx="0">
+            <a:schemeClr val="accent1"/>
+          </a:effectRef>
+          <a:fontRef idx="minor">
+            <a:schemeClr val="tx1"/>
+          </a:fontRef>
+        </p:style>
+      </p:cxnSp>
+      <p:sp>
+        <p:nvSpPr>
+          <p:cNvPr id="112" name="文本框 111">
+            <a:extLst>
+              <a:ext uri="{FF2B5EF4-FFF2-40B4-BE49-F238E27FC236}">
+                <a16:creationId xmlns:a16="http://schemas.microsoft.com/office/drawing/2014/main" id="{CC5CF8AD-3F3F-86FA-BBE9-903A87DAF4CB}"/>
+              </a:ext>
+            </a:extLst>
+          </p:cNvPr>
+          <p:cNvSpPr txBox="1"/>
+          <p:nvPr/>
+        </p:nvSpPr>
+        <p:spPr>
+          <a:xfrm>
+            <a:off x="6663280" y="1044699"/>
+            <a:ext cx="723275" cy="307777"/>
+          </a:xfrm>
+          <a:prstGeom prst="rect">
+            <a:avLst/>
+          </a:prstGeom>
+          <a:noFill/>
+        </p:spPr>
+        <p:txBody>
+          <a:bodyPr wrap="none" rtlCol="0">
+            <a:spAutoFit/>
+          </a:bodyPr>
+          <a:lstStyle/>
+          <a:p>
+            <a:r>
+              <a:rPr lang="zh-CN" altLang="en-US" sz="1400"/>
+              <a:t>输出层</a:t>
+            </a:r>
+          </a:p>
+        </p:txBody>
+      </p:sp>
+      <p:sp>
+        <p:nvSpPr>
+          <p:cNvPr id="113" name="文本框 112">
+            <a:extLst>
+              <a:ext uri="{FF2B5EF4-FFF2-40B4-BE49-F238E27FC236}">
+                <a16:creationId xmlns:a16="http://schemas.microsoft.com/office/drawing/2014/main" id="{706D92AF-8324-A148-352F-02DE9A0511C1}"/>
+              </a:ext>
+            </a:extLst>
+          </p:cNvPr>
+          <p:cNvSpPr txBox="1"/>
+          <p:nvPr/>
+        </p:nvSpPr>
+        <p:spPr>
+          <a:xfrm>
+            <a:off x="3791034" y="1044700"/>
+            <a:ext cx="723275" cy="307777"/>
+          </a:xfrm>
+          <a:prstGeom prst="rect">
+            <a:avLst/>
+          </a:prstGeom>
+          <a:noFill/>
+        </p:spPr>
+        <p:txBody>
+          <a:bodyPr wrap="none" rtlCol="0">
+            <a:spAutoFit/>
+          </a:bodyPr>
+          <a:lstStyle/>
+          <a:p>
+            <a:r>
+              <a:rPr lang="zh-CN" altLang="en-US" sz="1400"/>
+              <a:t>输入层</a:t>
+            </a:r>
+          </a:p>
+        </p:txBody>
+      </p:sp>
+      <p:sp>
+        <p:nvSpPr>
+          <p:cNvPr id="114" name="文本框 113">
+            <a:extLst>
+              <a:ext uri="{FF2B5EF4-FFF2-40B4-BE49-F238E27FC236}">
+                <a16:creationId xmlns:a16="http://schemas.microsoft.com/office/drawing/2014/main" id="{8C1ADF5F-4A90-7EA8-86E7-204707423F07}"/>
+              </a:ext>
+            </a:extLst>
+          </p:cNvPr>
+          <p:cNvSpPr txBox="1"/>
+          <p:nvPr/>
+        </p:nvSpPr>
+        <p:spPr>
+          <a:xfrm>
+            <a:off x="4805447" y="1044699"/>
+            <a:ext cx="723275" cy="307777"/>
+          </a:xfrm>
+          <a:prstGeom prst="rect">
+            <a:avLst/>
+          </a:prstGeom>
+          <a:noFill/>
+        </p:spPr>
+        <p:txBody>
+          <a:bodyPr wrap="none" rtlCol="0">
+            <a:spAutoFit/>
+          </a:bodyPr>
+          <a:lstStyle/>
+          <a:p>
+            <a:r>
+              <a:rPr lang="zh-CN" altLang="en-US" sz="1400"/>
+              <a:t>隐藏层</a:t>
+            </a:r>
+          </a:p>
+        </p:txBody>
+      </p:sp>
+      <p:sp>
+        <p:nvSpPr>
+          <p:cNvPr id="116" name="文本框 115">
+            <a:extLst>
+              <a:ext uri="{FF2B5EF4-FFF2-40B4-BE49-F238E27FC236}">
+                <a16:creationId xmlns:a16="http://schemas.microsoft.com/office/drawing/2014/main" id="{CD3DAEB8-2E1B-94BE-E82E-B734F9BE2DDD}"/>
+              </a:ext>
+            </a:extLst>
+          </p:cNvPr>
+          <p:cNvSpPr txBox="1"/>
+          <p:nvPr/>
+        </p:nvSpPr>
+        <p:spPr>
+          <a:xfrm>
+            <a:off x="5819860" y="1048680"/>
+            <a:ext cx="723275" cy="307777"/>
+          </a:xfrm>
+          <a:prstGeom prst="rect">
+            <a:avLst/>
+          </a:prstGeom>
+          <a:noFill/>
+        </p:spPr>
+        <p:txBody>
+          <a:bodyPr wrap="none" rtlCol="0">
+            <a:spAutoFit/>
+          </a:bodyPr>
+          <a:lstStyle/>
+          <a:p>
+            <a:r>
+              <a:rPr lang="zh-CN" altLang="en-US" sz="1400"/>
+              <a:t>隐藏层</a:t>
+            </a:r>
+          </a:p>
+        </p:txBody>
+      </p:sp>
+    </p:spTree>
+    <p:extLst>
+      <p:ext uri="{BB962C8B-B14F-4D97-AF65-F5344CB8AC3E}">
+        <p14:creationId xmlns:p14="http://schemas.microsoft.com/office/powerpoint/2010/main" val="1541773828"/>
+      </p:ext>
+    </p:extLst>
+  </p:cSld>
+  <p:clrMapOvr>
+    <a:masterClrMapping/>
+  </p:clrMapOvr>
+</p:sld>
+</file>
+
 <file path=ppt/theme/theme1.xml><?xml version="1.0" encoding="utf-8"?>
 <a:theme xmlns:a="http://schemas.openxmlformats.org/drawingml/2006/main" name="Office 主题 2013 - 2022">
   <a:themeElements>

--- a/docs/ch6/main.pptx
+++ b/docs/ch6/main.pptx
@@ -8,8 +8,9 @@
     <p:sldId id="256" r:id="rId2"/>
     <p:sldId id="258" r:id="rId3"/>
     <p:sldId id="259" r:id="rId4"/>
-    <p:sldId id="260" r:id="rId5"/>
-    <p:sldId id="261" r:id="rId6"/>
+    <p:sldId id="262" r:id="rId5"/>
+    <p:sldId id="260" r:id="rId6"/>
+    <p:sldId id="261" r:id="rId7"/>
   </p:sldIdLst>
   <p:sldSz cx="12192000" cy="6858000"/>
   <p:notesSz cx="6858000" cy="9144000"/>
@@ -263,7 +264,7 @@
           <a:p>
             <a:fld id="{BE7954B5-D689-9A42-94C4-4F3A049241B2}" type="datetimeFigureOut">
               <a:rPr kumimoji="1" lang="zh-CN" altLang="en-US" smtClean="0"/>
-              <a:t>2023/8/18</a:t>
+              <a:t>2023/8/20</a:t>
             </a:fld>
             <a:endParaRPr kumimoji="1" lang="zh-CN" altLang="en-US"/>
           </a:p>
@@ -461,7 +462,7 @@
           <a:p>
             <a:fld id="{BE7954B5-D689-9A42-94C4-4F3A049241B2}" type="datetimeFigureOut">
               <a:rPr kumimoji="1" lang="zh-CN" altLang="en-US" smtClean="0"/>
-              <a:t>2023/8/18</a:t>
+              <a:t>2023/8/20</a:t>
             </a:fld>
             <a:endParaRPr kumimoji="1" lang="zh-CN" altLang="en-US"/>
           </a:p>
@@ -669,7 +670,7 @@
           <a:p>
             <a:fld id="{BE7954B5-D689-9A42-94C4-4F3A049241B2}" type="datetimeFigureOut">
               <a:rPr kumimoji="1" lang="zh-CN" altLang="en-US" smtClean="0"/>
-              <a:t>2023/8/18</a:t>
+              <a:t>2023/8/20</a:t>
             </a:fld>
             <a:endParaRPr kumimoji="1" lang="zh-CN" altLang="en-US"/>
           </a:p>
@@ -867,7 +868,7 @@
           <a:p>
             <a:fld id="{BE7954B5-D689-9A42-94C4-4F3A049241B2}" type="datetimeFigureOut">
               <a:rPr kumimoji="1" lang="zh-CN" altLang="en-US" smtClean="0"/>
-              <a:t>2023/8/18</a:t>
+              <a:t>2023/8/20</a:t>
             </a:fld>
             <a:endParaRPr kumimoji="1" lang="zh-CN" altLang="en-US"/>
           </a:p>
@@ -1142,7 +1143,7 @@
           <a:p>
             <a:fld id="{BE7954B5-D689-9A42-94C4-4F3A049241B2}" type="datetimeFigureOut">
               <a:rPr kumimoji="1" lang="zh-CN" altLang="en-US" smtClean="0"/>
-              <a:t>2023/8/18</a:t>
+              <a:t>2023/8/20</a:t>
             </a:fld>
             <a:endParaRPr kumimoji="1" lang="zh-CN" altLang="en-US"/>
           </a:p>
@@ -1407,7 +1408,7 @@
           <a:p>
             <a:fld id="{BE7954B5-D689-9A42-94C4-4F3A049241B2}" type="datetimeFigureOut">
               <a:rPr kumimoji="1" lang="zh-CN" altLang="en-US" smtClean="0"/>
-              <a:t>2023/8/18</a:t>
+              <a:t>2023/8/20</a:t>
             </a:fld>
             <a:endParaRPr kumimoji="1" lang="zh-CN" altLang="en-US"/>
           </a:p>
@@ -1819,7 +1820,7 @@
           <a:p>
             <a:fld id="{BE7954B5-D689-9A42-94C4-4F3A049241B2}" type="datetimeFigureOut">
               <a:rPr kumimoji="1" lang="zh-CN" altLang="en-US" smtClean="0"/>
-              <a:t>2023/8/18</a:t>
+              <a:t>2023/8/20</a:t>
             </a:fld>
             <a:endParaRPr kumimoji="1" lang="zh-CN" altLang="en-US"/>
           </a:p>
@@ -1960,7 +1961,7 @@
           <a:p>
             <a:fld id="{BE7954B5-D689-9A42-94C4-4F3A049241B2}" type="datetimeFigureOut">
               <a:rPr kumimoji="1" lang="zh-CN" altLang="en-US" smtClean="0"/>
-              <a:t>2023/8/18</a:t>
+              <a:t>2023/8/20</a:t>
             </a:fld>
             <a:endParaRPr kumimoji="1" lang="zh-CN" altLang="en-US"/>
           </a:p>
@@ -2073,7 +2074,7 @@
           <a:p>
             <a:fld id="{BE7954B5-D689-9A42-94C4-4F3A049241B2}" type="datetimeFigureOut">
               <a:rPr kumimoji="1" lang="zh-CN" altLang="en-US" smtClean="0"/>
-              <a:t>2023/8/18</a:t>
+              <a:t>2023/8/20</a:t>
             </a:fld>
             <a:endParaRPr kumimoji="1" lang="zh-CN" altLang="en-US"/>
           </a:p>
@@ -2384,7 +2385,7 @@
           <a:p>
             <a:fld id="{BE7954B5-D689-9A42-94C4-4F3A049241B2}" type="datetimeFigureOut">
               <a:rPr kumimoji="1" lang="zh-CN" altLang="en-US" smtClean="0"/>
-              <a:t>2023/8/18</a:t>
+              <a:t>2023/8/20</a:t>
             </a:fld>
             <a:endParaRPr kumimoji="1" lang="zh-CN" altLang="en-US"/>
           </a:p>
@@ -2672,7 +2673,7 @@
           <a:p>
             <a:fld id="{BE7954B5-D689-9A42-94C4-4F3A049241B2}" type="datetimeFigureOut">
               <a:rPr kumimoji="1" lang="zh-CN" altLang="en-US" smtClean="0"/>
-              <a:t>2023/8/18</a:t>
+              <a:t>2023/8/20</a:t>
             </a:fld>
             <a:endParaRPr kumimoji="1" lang="zh-CN" altLang="en-US"/>
           </a:p>
@@ -2913,7 +2914,7 @@
           <a:p>
             <a:fld id="{BE7954B5-D689-9A42-94C4-4F3A049241B2}" type="datetimeFigureOut">
               <a:rPr kumimoji="1" lang="zh-CN" altLang="en-US" smtClean="0"/>
-              <a:t>2023/8/18</a:t>
+              <a:t>2023/8/20</a:t>
             </a:fld>
             <a:endParaRPr kumimoji="1" lang="zh-CN" altLang="en-US"/>
           </a:p>
@@ -5406,6 +5407,867 @@
           <a:chExt cx="0" cy="0"/>
         </a:xfrm>
       </p:grpSpPr>
+      <p:sp>
+        <p:nvSpPr>
+          <p:cNvPr id="2" name="矩形: 圆角 1">
+            <a:extLst>
+              <a:ext uri="{FF2B5EF4-FFF2-40B4-BE49-F238E27FC236}">
+                <a16:creationId xmlns:a16="http://schemas.microsoft.com/office/drawing/2014/main" id="{C6DFBF9F-FC5E-AF07-FEFD-FDAFE5F71CC5}"/>
+              </a:ext>
+            </a:extLst>
+          </p:cNvPr>
+          <p:cNvSpPr/>
+          <p:nvPr/>
+        </p:nvSpPr>
+        <p:spPr>
+          <a:xfrm>
+            <a:off x="2668438" y="2216860"/>
+            <a:ext cx="1217713" cy="851953"/>
+          </a:xfrm>
+          <a:prstGeom prst="roundRect">
+            <a:avLst/>
+          </a:prstGeom>
+          <a:solidFill>
+            <a:schemeClr val="accent1">
+              <a:lumMod val="20000"/>
+              <a:lumOff val="80000"/>
+            </a:schemeClr>
+          </a:solidFill>
+        </p:spPr>
+        <p:style>
+          <a:lnRef idx="2">
+            <a:schemeClr val="accent1">
+              <a:shade val="15000"/>
+            </a:schemeClr>
+          </a:lnRef>
+          <a:fillRef idx="1">
+            <a:schemeClr val="accent1"/>
+          </a:fillRef>
+          <a:effectRef idx="0">
+            <a:schemeClr val="accent1"/>
+          </a:effectRef>
+          <a:fontRef idx="minor">
+            <a:schemeClr val="lt1"/>
+          </a:fontRef>
+        </p:style>
+        <p:txBody>
+          <a:bodyPr rtlCol="0" anchor="ctr"/>
+          <a:lstStyle/>
+          <a:p>
+            <a:pPr algn="ctr"/>
+            <a:r>
+              <a:rPr lang="zh-CN" altLang="en-US" sz="1600">
+                <a:solidFill>
+                  <a:schemeClr val="tx1"/>
+                </a:solidFill>
+                <a:latin typeface="宋体" panose="02010600030101010101" pitchFamily="2" charset="-122"/>
+                <a:ea typeface="宋体" panose="02010600030101010101" pitchFamily="2" charset="-122"/>
+              </a:rPr>
+              <a:t>线性函数</a:t>
+            </a:r>
+          </a:p>
+        </p:txBody>
+      </p:sp>
+      <p:sp>
+        <p:nvSpPr>
+          <p:cNvPr id="3" name="矩形: 圆角 2">
+            <a:extLst>
+              <a:ext uri="{FF2B5EF4-FFF2-40B4-BE49-F238E27FC236}">
+                <a16:creationId xmlns:a16="http://schemas.microsoft.com/office/drawing/2014/main" id="{17ADFF31-9E55-D53E-A274-0732385D7A5B}"/>
+              </a:ext>
+            </a:extLst>
+          </p:cNvPr>
+          <p:cNvSpPr/>
+          <p:nvPr/>
+        </p:nvSpPr>
+        <p:spPr>
+          <a:xfrm>
+            <a:off x="5663449" y="2216857"/>
+            <a:ext cx="1217713" cy="851953"/>
+          </a:xfrm>
+          <a:prstGeom prst="roundRect">
+            <a:avLst/>
+          </a:prstGeom>
+          <a:solidFill>
+            <a:schemeClr val="accent1">
+              <a:lumMod val="20000"/>
+              <a:lumOff val="80000"/>
+            </a:schemeClr>
+          </a:solidFill>
+        </p:spPr>
+        <p:style>
+          <a:lnRef idx="2">
+            <a:schemeClr val="accent1">
+              <a:shade val="15000"/>
+            </a:schemeClr>
+          </a:lnRef>
+          <a:fillRef idx="1">
+            <a:schemeClr val="accent1"/>
+          </a:fillRef>
+          <a:effectRef idx="0">
+            <a:schemeClr val="accent1"/>
+          </a:effectRef>
+          <a:fontRef idx="minor">
+            <a:schemeClr val="lt1"/>
+          </a:fontRef>
+        </p:style>
+        <p:txBody>
+          <a:bodyPr rtlCol="0" anchor="ctr"/>
+          <a:lstStyle/>
+          <a:p>
+            <a:pPr algn="ctr"/>
+            <a:r>
+              <a:rPr lang="zh-CN" altLang="en-US" sz="1600">
+                <a:solidFill>
+                  <a:schemeClr val="tx1"/>
+                </a:solidFill>
+                <a:latin typeface="宋体" panose="02010600030101010101" pitchFamily="2" charset="-122"/>
+                <a:ea typeface="宋体" panose="02010600030101010101" pitchFamily="2" charset="-122"/>
+              </a:rPr>
+              <a:t>激活函数</a:t>
+            </a:r>
+          </a:p>
+        </p:txBody>
+      </p:sp>
+      <p:sp>
+        <p:nvSpPr>
+          <p:cNvPr id="4" name="椭圆 3">
+            <a:extLst>
+              <a:ext uri="{FF2B5EF4-FFF2-40B4-BE49-F238E27FC236}">
+                <a16:creationId xmlns:a16="http://schemas.microsoft.com/office/drawing/2014/main" id="{0EAB1F3A-625B-724E-4D3F-2C87FB3AAB63}"/>
+              </a:ext>
+            </a:extLst>
+          </p:cNvPr>
+          <p:cNvSpPr/>
+          <p:nvPr/>
+        </p:nvSpPr>
+        <p:spPr>
+          <a:xfrm>
+            <a:off x="4684800" y="2552836"/>
+            <a:ext cx="180000" cy="180000"/>
+          </a:xfrm>
+          <a:prstGeom prst="ellipse">
+            <a:avLst/>
+          </a:prstGeom>
+          <a:solidFill>
+            <a:schemeClr val="accent2"/>
+          </a:solidFill>
+        </p:spPr>
+        <p:style>
+          <a:lnRef idx="2">
+            <a:schemeClr val="accent1">
+              <a:shade val="15000"/>
+            </a:schemeClr>
+          </a:lnRef>
+          <a:fillRef idx="1">
+            <a:schemeClr val="accent1"/>
+          </a:fillRef>
+          <a:effectRef idx="0">
+            <a:schemeClr val="accent1"/>
+          </a:effectRef>
+          <a:fontRef idx="minor">
+            <a:schemeClr val="lt1"/>
+          </a:fontRef>
+        </p:style>
+        <p:txBody>
+          <a:bodyPr rtlCol="0" anchor="ctr"/>
+          <a:lstStyle/>
+          <a:p>
+            <a:pPr algn="ctr"/>
+            <a:endParaRPr lang="zh-CN" altLang="en-US"/>
+          </a:p>
+        </p:txBody>
+      </p:sp>
+      <p:sp>
+        <p:nvSpPr>
+          <p:cNvPr id="5" name="矩形 4">
+            <a:extLst>
+              <a:ext uri="{FF2B5EF4-FFF2-40B4-BE49-F238E27FC236}">
+                <a16:creationId xmlns:a16="http://schemas.microsoft.com/office/drawing/2014/main" id="{D8EAD8B6-4C02-1D90-A8B3-0B8463701680}"/>
+              </a:ext>
+            </a:extLst>
+          </p:cNvPr>
+          <p:cNvSpPr/>
+          <p:nvPr/>
+        </p:nvSpPr>
+        <p:spPr>
+          <a:xfrm>
+            <a:off x="1263167" y="2410891"/>
+            <a:ext cx="606622" cy="463891"/>
+          </a:xfrm>
+          <a:prstGeom prst="rect">
+            <a:avLst/>
+          </a:prstGeom>
+          <a:solidFill>
+            <a:schemeClr val="bg1"/>
+          </a:solidFill>
+        </p:spPr>
+        <p:style>
+          <a:lnRef idx="2">
+            <a:schemeClr val="accent1">
+              <a:shade val="15000"/>
+            </a:schemeClr>
+          </a:lnRef>
+          <a:fillRef idx="1">
+            <a:schemeClr val="accent1"/>
+          </a:fillRef>
+          <a:effectRef idx="0">
+            <a:schemeClr val="accent1"/>
+          </a:effectRef>
+          <a:fontRef idx="minor">
+            <a:schemeClr val="lt1"/>
+          </a:fontRef>
+        </p:style>
+        <p:txBody>
+          <a:bodyPr rtlCol="0" anchor="ctr"/>
+          <a:lstStyle/>
+          <a:p>
+            <a:pPr algn="ctr"/>
+            <a:r>
+              <a:rPr lang="zh-CN" altLang="en-US" sz="1600">
+                <a:solidFill>
+                  <a:schemeClr val="tx1"/>
+                </a:solidFill>
+                <a:latin typeface="宋体" panose="02010600030101010101" pitchFamily="2" charset="-122"/>
+                <a:ea typeface="宋体" panose="02010600030101010101" pitchFamily="2" charset="-122"/>
+              </a:rPr>
+              <a:t>输入</a:t>
+            </a:r>
+          </a:p>
+        </p:txBody>
+      </p:sp>
+      <mc:AlternateContent xmlns:mc="http://schemas.openxmlformats.org/markup-compatibility/2006">
+        <mc:Choice xmlns:a14="http://schemas.microsoft.com/office/drawing/2010/main" Requires="a14">
+          <p:sp>
+            <p:nvSpPr>
+              <p:cNvPr id="7" name="文本框 6">
+                <a:extLst>
+                  <a:ext uri="{FF2B5EF4-FFF2-40B4-BE49-F238E27FC236}">
+                    <a16:creationId xmlns:a16="http://schemas.microsoft.com/office/drawing/2014/main" id="{2DB11B2C-CAD5-82DD-2D2C-C09B176CF32C}"/>
+                  </a:ext>
+                </a:extLst>
+              </p:cNvPr>
+              <p:cNvSpPr txBox="1"/>
+              <p:nvPr/>
+            </p:nvSpPr>
+            <p:spPr>
+              <a:xfrm>
+                <a:off x="1470009" y="3152000"/>
+                <a:ext cx="192938" cy="276999"/>
+              </a:xfrm>
+              <a:prstGeom prst="rect">
+                <a:avLst/>
+              </a:prstGeom>
+              <a:noFill/>
+            </p:spPr>
+            <p:txBody>
+              <a:bodyPr wrap="none" lIns="0" tIns="0" rIns="0" bIns="0" rtlCol="0">
+                <a:spAutoFit/>
+              </a:bodyPr>
+              <a:lstStyle/>
+              <a:p>
+                <a14:m>
+                  <m:oMathPara xmlns:m="http://schemas.openxmlformats.org/officeDocument/2006/math">
+                    <m:oMathParaPr>
+                      <m:jc m:val="centerGroup"/>
+                    </m:oMathParaPr>
+                    <m:oMath xmlns:m="http://schemas.openxmlformats.org/officeDocument/2006/math">
+                      <m:r>
+                        <a:rPr lang="en-US" altLang="zh-CN" b="0" i="1" smtClean="0">
+                          <a:latin typeface="Cambria Math" panose="02040503050406030204" pitchFamily="18" charset="0"/>
+                        </a:rPr>
+                        <m:t>𝑥</m:t>
+                      </m:r>
+                    </m:oMath>
+                  </m:oMathPara>
+                </a14:m>
+                <a:endParaRPr lang="zh-CN" altLang="en-US"/>
+              </a:p>
+            </p:txBody>
+          </p:sp>
+        </mc:Choice>
+        <mc:Fallback>
+          <p:sp>
+            <p:nvSpPr>
+              <p:cNvPr id="7" name="文本框 6">
+                <a:extLst>
+                  <a:ext uri="{FF2B5EF4-FFF2-40B4-BE49-F238E27FC236}">
+                    <a16:creationId xmlns:a16="http://schemas.microsoft.com/office/drawing/2014/main" id="{2DB11B2C-CAD5-82DD-2D2C-C09B176CF32C}"/>
+                  </a:ext>
+                </a:extLst>
+              </p:cNvPr>
+              <p:cNvSpPr txBox="1">
+                <a:spLocks noRot="1" noChangeAspect="1" noMove="1" noResize="1" noEditPoints="1" noAdjustHandles="1" noChangeArrowheads="1" noChangeShapeType="1" noTextEdit="1"/>
+              </p:cNvSpPr>
+              <p:nvPr/>
+            </p:nvSpPr>
+            <p:spPr>
+              <a:xfrm>
+                <a:off x="1470009" y="3152000"/>
+                <a:ext cx="192938" cy="276999"/>
+              </a:xfrm>
+              <a:prstGeom prst="rect">
+                <a:avLst/>
+              </a:prstGeom>
+              <a:blipFill>
+                <a:blip r:embed="rId2"/>
+                <a:stretch>
+                  <a:fillRect l="-15625" r="-9375"/>
+                </a:stretch>
+              </a:blipFill>
+            </p:spPr>
+            <p:txBody>
+              <a:bodyPr/>
+              <a:lstStyle/>
+              <a:p>
+                <a:r>
+                  <a:rPr lang="zh-CN" altLang="en-US">
+                    <a:noFill/>
+                  </a:rPr>
+                  <a:t> </a:t>
+                </a:r>
+              </a:p>
+            </p:txBody>
+          </p:sp>
+        </mc:Fallback>
+      </mc:AlternateContent>
+      <p:sp>
+        <p:nvSpPr>
+          <p:cNvPr id="9" name="矩形 8">
+            <a:extLst>
+              <a:ext uri="{FF2B5EF4-FFF2-40B4-BE49-F238E27FC236}">
+                <a16:creationId xmlns:a16="http://schemas.microsoft.com/office/drawing/2014/main" id="{6C53C095-4A0E-3944-0AE2-04C30C4C4210}"/>
+              </a:ext>
+            </a:extLst>
+          </p:cNvPr>
+          <p:cNvSpPr/>
+          <p:nvPr/>
+        </p:nvSpPr>
+        <p:spPr>
+          <a:xfrm>
+            <a:off x="7679811" y="2410890"/>
+            <a:ext cx="606622" cy="463891"/>
+          </a:xfrm>
+          <a:prstGeom prst="rect">
+            <a:avLst/>
+          </a:prstGeom>
+          <a:solidFill>
+            <a:schemeClr val="bg1"/>
+          </a:solidFill>
+        </p:spPr>
+        <p:style>
+          <a:lnRef idx="2">
+            <a:schemeClr val="accent1">
+              <a:shade val="15000"/>
+            </a:schemeClr>
+          </a:lnRef>
+          <a:fillRef idx="1">
+            <a:schemeClr val="accent1"/>
+          </a:fillRef>
+          <a:effectRef idx="0">
+            <a:schemeClr val="accent1"/>
+          </a:effectRef>
+          <a:fontRef idx="minor">
+            <a:schemeClr val="lt1"/>
+          </a:fontRef>
+        </p:style>
+        <p:txBody>
+          <a:bodyPr rtlCol="0" anchor="ctr"/>
+          <a:lstStyle/>
+          <a:p>
+            <a:pPr algn="ctr"/>
+            <a:r>
+              <a:rPr lang="zh-CN" altLang="en-US" sz="1600">
+                <a:solidFill>
+                  <a:schemeClr val="tx1"/>
+                </a:solidFill>
+                <a:latin typeface="宋体" panose="02010600030101010101" pitchFamily="2" charset="-122"/>
+                <a:ea typeface="宋体" panose="02010600030101010101" pitchFamily="2" charset="-122"/>
+              </a:rPr>
+              <a:t>输出</a:t>
+            </a:r>
+          </a:p>
+        </p:txBody>
+      </p:sp>
+      <mc:AlternateContent xmlns:mc="http://schemas.openxmlformats.org/markup-compatibility/2006">
+        <mc:Choice xmlns:a14="http://schemas.microsoft.com/office/drawing/2010/main" Requires="a14">
+          <p:sp>
+            <p:nvSpPr>
+              <p:cNvPr id="12" name="文本框 11">
+                <a:extLst>
+                  <a:ext uri="{FF2B5EF4-FFF2-40B4-BE49-F238E27FC236}">
+                    <a16:creationId xmlns:a16="http://schemas.microsoft.com/office/drawing/2014/main" id="{75DDCEA8-9515-547C-BABA-C45211919376}"/>
+                  </a:ext>
+                </a:extLst>
+              </p:cNvPr>
+              <p:cNvSpPr txBox="1"/>
+              <p:nvPr/>
+            </p:nvSpPr>
+            <p:spPr>
+              <a:xfrm>
+                <a:off x="4116094" y="3152001"/>
+                <a:ext cx="1317412" cy="276999"/>
+              </a:xfrm>
+              <a:prstGeom prst="rect">
+                <a:avLst/>
+              </a:prstGeom>
+              <a:noFill/>
+            </p:spPr>
+            <p:txBody>
+              <a:bodyPr wrap="none" lIns="0" tIns="0" rIns="0" bIns="0" rtlCol="0">
+                <a:spAutoFit/>
+              </a:bodyPr>
+              <a:lstStyle/>
+              <a:p>
+                <a14:m>
+                  <m:oMathPara xmlns:m="http://schemas.openxmlformats.org/officeDocument/2006/math">
+                    <m:oMathParaPr>
+                      <m:jc m:val="centerGroup"/>
+                    </m:oMathParaPr>
+                    <m:oMath xmlns:m="http://schemas.openxmlformats.org/officeDocument/2006/math">
+                      <m:r>
+                        <a:rPr lang="en-US" altLang="zh-CN" b="0" i="1" smtClean="0">
+                          <a:latin typeface="Cambria Math" panose="02040503050406030204" pitchFamily="18" charset="0"/>
+                        </a:rPr>
+                        <m:t>𝑧</m:t>
+                      </m:r>
+                      <m:r>
+                        <a:rPr lang="en-US" altLang="zh-CN" b="0" i="1" smtClean="0">
+                          <a:latin typeface="Cambria Math" panose="02040503050406030204" pitchFamily="18" charset="0"/>
+                        </a:rPr>
+                        <m:t>=</m:t>
+                      </m:r>
+                      <m:sSup>
+                        <m:sSupPr>
+                          <m:ctrlPr>
+                            <a:rPr lang="en-US" altLang="zh-CN" b="0" i="1" smtClean="0">
+                              <a:latin typeface="Cambria Math" panose="02040503050406030204" pitchFamily="18" charset="0"/>
+                            </a:rPr>
+                          </m:ctrlPr>
+                        </m:sSupPr>
+                        <m:e>
+                          <m:r>
+                            <a:rPr lang="en-US" altLang="zh-CN" b="0" i="1" smtClean="0">
+                              <a:latin typeface="Cambria Math" panose="02040503050406030204" pitchFamily="18" charset="0"/>
+                            </a:rPr>
+                            <m:t>𝑥</m:t>
+                          </m:r>
+                        </m:e>
+                        <m:sup>
+                          <m:r>
+                            <a:rPr lang="en-US" altLang="zh-CN" b="0" i="1" smtClean="0">
+                              <a:latin typeface="Cambria Math" panose="02040503050406030204" pitchFamily="18" charset="0"/>
+                            </a:rPr>
+                            <m:t>𝑇</m:t>
+                          </m:r>
+                        </m:sup>
+                      </m:sSup>
+                      <m:r>
+                        <a:rPr lang="en-US" altLang="zh-CN" b="0" i="1" smtClean="0">
+                          <a:latin typeface="Cambria Math" panose="02040503050406030204" pitchFamily="18" charset="0"/>
+                        </a:rPr>
+                        <m:t>𝑤</m:t>
+                      </m:r>
+                      <m:r>
+                        <a:rPr lang="en-US" altLang="zh-CN" b="0" i="1" smtClean="0">
+                          <a:latin typeface="Cambria Math" panose="02040503050406030204" pitchFamily="18" charset="0"/>
+                        </a:rPr>
+                        <m:t>+</m:t>
+                      </m:r>
+                      <m:r>
+                        <a:rPr lang="en-US" altLang="zh-CN" b="0" i="1" smtClean="0">
+                          <a:latin typeface="Cambria Math" panose="02040503050406030204" pitchFamily="18" charset="0"/>
+                        </a:rPr>
+                        <m:t>𝑏</m:t>
+                      </m:r>
+                    </m:oMath>
+                  </m:oMathPara>
+                </a14:m>
+                <a:endParaRPr lang="zh-CN" altLang="en-US"/>
+              </a:p>
+            </p:txBody>
+          </p:sp>
+        </mc:Choice>
+        <mc:Fallback>
+          <p:sp>
+            <p:nvSpPr>
+              <p:cNvPr id="12" name="文本框 11">
+                <a:extLst>
+                  <a:ext uri="{FF2B5EF4-FFF2-40B4-BE49-F238E27FC236}">
+                    <a16:creationId xmlns:a16="http://schemas.microsoft.com/office/drawing/2014/main" id="{75DDCEA8-9515-547C-BABA-C45211919376}"/>
+                  </a:ext>
+                </a:extLst>
+              </p:cNvPr>
+              <p:cNvSpPr txBox="1">
+                <a:spLocks noRot="1" noChangeAspect="1" noMove="1" noResize="1" noEditPoints="1" noAdjustHandles="1" noChangeArrowheads="1" noChangeShapeType="1" noTextEdit="1"/>
+              </p:cNvSpPr>
+              <p:nvPr/>
+            </p:nvSpPr>
+            <p:spPr>
+              <a:xfrm>
+                <a:off x="4116094" y="3152001"/>
+                <a:ext cx="1317412" cy="276999"/>
+              </a:xfrm>
+              <a:prstGeom prst="rect">
+                <a:avLst/>
+              </a:prstGeom>
+              <a:blipFill>
+                <a:blip r:embed="rId3"/>
+                <a:stretch>
+                  <a:fillRect l="-1852" t="-4348" r="-3241" b="-6522"/>
+                </a:stretch>
+              </a:blipFill>
+            </p:spPr>
+            <p:txBody>
+              <a:bodyPr/>
+              <a:lstStyle/>
+              <a:p>
+                <a:r>
+                  <a:rPr lang="zh-CN" altLang="en-US">
+                    <a:noFill/>
+                  </a:rPr>
+                  <a:t> </a:t>
+                </a:r>
+              </a:p>
+            </p:txBody>
+          </p:sp>
+        </mc:Fallback>
+      </mc:AlternateContent>
+      <mc:AlternateContent xmlns:mc="http://schemas.openxmlformats.org/markup-compatibility/2006">
+        <mc:Choice xmlns:a14="http://schemas.microsoft.com/office/drawing/2010/main" Requires="a14">
+          <p:sp>
+            <p:nvSpPr>
+              <p:cNvPr id="15" name="文本框 14">
+                <a:extLst>
+                  <a:ext uri="{FF2B5EF4-FFF2-40B4-BE49-F238E27FC236}">
+                    <a16:creationId xmlns:a16="http://schemas.microsoft.com/office/drawing/2014/main" id="{3684F730-B4FC-8DE4-9204-1584B89F46EC}"/>
+                  </a:ext>
+                </a:extLst>
+              </p:cNvPr>
+              <p:cNvSpPr txBox="1"/>
+              <p:nvPr/>
+            </p:nvSpPr>
+            <p:spPr>
+              <a:xfrm>
+                <a:off x="7153151" y="3152000"/>
+                <a:ext cx="1659942" cy="276999"/>
+              </a:xfrm>
+              <a:prstGeom prst="rect">
+                <a:avLst/>
+              </a:prstGeom>
+              <a:noFill/>
+            </p:spPr>
+            <p:txBody>
+              <a:bodyPr wrap="none" lIns="0" tIns="0" rIns="0" bIns="0" rtlCol="0">
+                <a:spAutoFit/>
+              </a:bodyPr>
+              <a:lstStyle/>
+              <a:p>
+                <a14:m>
+                  <m:oMathPara xmlns:m="http://schemas.openxmlformats.org/officeDocument/2006/math">
+                    <m:oMathParaPr>
+                      <m:jc m:val="centerGroup"/>
+                    </m:oMathParaPr>
+                    <m:oMath xmlns:m="http://schemas.openxmlformats.org/officeDocument/2006/math">
+                      <m:r>
+                        <a:rPr lang="en-US" altLang="zh-CN" b="0" i="1" smtClean="0">
+                          <a:latin typeface="Cambria Math" panose="02040503050406030204" pitchFamily="18" charset="0"/>
+                        </a:rPr>
+                        <m:t>𝑦</m:t>
+                      </m:r>
+                      <m:r>
+                        <a:rPr lang="en-US" altLang="zh-CN" b="0" i="1" smtClean="0">
+                          <a:latin typeface="Cambria Math" panose="02040503050406030204" pitchFamily="18" charset="0"/>
+                        </a:rPr>
+                        <m:t>=</m:t>
+                      </m:r>
+                      <m:r>
+                        <a:rPr lang="en-US" altLang="zh-CN" b="0" i="1" smtClean="0">
+                          <a:latin typeface="Cambria Math" panose="02040503050406030204" pitchFamily="18" charset="0"/>
+                        </a:rPr>
+                        <m:t>𝑠𝑖𝑔𝑚𝑜𝑖𝑑</m:t>
+                      </m:r>
+                      <m:r>
+                        <a:rPr lang="en-US" altLang="zh-CN" b="0" i="1" smtClean="0">
+                          <a:latin typeface="Cambria Math" panose="02040503050406030204" pitchFamily="18" charset="0"/>
+                        </a:rPr>
+                        <m:t>(</m:t>
+                      </m:r>
+                      <m:r>
+                        <a:rPr lang="en-US" altLang="zh-CN" b="0" i="1" smtClean="0">
+                          <a:latin typeface="Cambria Math" panose="02040503050406030204" pitchFamily="18" charset="0"/>
+                        </a:rPr>
+                        <m:t>𝑧</m:t>
+                      </m:r>
+                      <m:r>
+                        <a:rPr lang="en-US" altLang="zh-CN" b="0" i="1" smtClean="0">
+                          <a:latin typeface="Cambria Math" panose="02040503050406030204" pitchFamily="18" charset="0"/>
+                        </a:rPr>
+                        <m:t>)</m:t>
+                      </m:r>
+                    </m:oMath>
+                  </m:oMathPara>
+                </a14:m>
+                <a:endParaRPr lang="zh-CN" altLang="en-US"/>
+              </a:p>
+            </p:txBody>
+          </p:sp>
+        </mc:Choice>
+        <mc:Fallback>
+          <p:sp>
+            <p:nvSpPr>
+              <p:cNvPr id="15" name="文本框 14">
+                <a:extLst>
+                  <a:ext uri="{FF2B5EF4-FFF2-40B4-BE49-F238E27FC236}">
+                    <a16:creationId xmlns:a16="http://schemas.microsoft.com/office/drawing/2014/main" id="{3684F730-B4FC-8DE4-9204-1584B89F46EC}"/>
+                  </a:ext>
+                </a:extLst>
+              </p:cNvPr>
+              <p:cNvSpPr txBox="1">
+                <a:spLocks noRot="1" noChangeAspect="1" noMove="1" noResize="1" noEditPoints="1" noAdjustHandles="1" noChangeArrowheads="1" noChangeShapeType="1" noTextEdit="1"/>
+              </p:cNvSpPr>
+              <p:nvPr/>
+            </p:nvSpPr>
+            <p:spPr>
+              <a:xfrm>
+                <a:off x="7153151" y="3152000"/>
+                <a:ext cx="1659942" cy="276999"/>
+              </a:xfrm>
+              <a:prstGeom prst="rect">
+                <a:avLst/>
+              </a:prstGeom>
+              <a:blipFill>
+                <a:blip r:embed="rId4"/>
+                <a:stretch>
+                  <a:fillRect l="-2930" t="-2222" r="-4029" b="-35556"/>
+                </a:stretch>
+              </a:blipFill>
+            </p:spPr>
+            <p:txBody>
+              <a:bodyPr/>
+              <a:lstStyle/>
+              <a:p>
+                <a:r>
+                  <a:rPr lang="zh-CN" altLang="en-US">
+                    <a:noFill/>
+                  </a:rPr>
+                  <a:t> </a:t>
+                </a:r>
+              </a:p>
+            </p:txBody>
+          </p:sp>
+        </mc:Fallback>
+      </mc:AlternateContent>
+      <p:cxnSp>
+        <p:nvCxnSpPr>
+          <p:cNvPr id="17" name="直接箭头连接符 16">
+            <a:extLst>
+              <a:ext uri="{FF2B5EF4-FFF2-40B4-BE49-F238E27FC236}">
+                <a16:creationId xmlns:a16="http://schemas.microsoft.com/office/drawing/2014/main" id="{24568F09-4AAF-CD6E-7735-79511F162845}"/>
+              </a:ext>
+            </a:extLst>
+          </p:cNvPr>
+          <p:cNvCxnSpPr>
+            <a:stCxn id="5" idx="3"/>
+            <a:endCxn id="2" idx="1"/>
+          </p:cNvCxnSpPr>
+          <p:nvPr/>
+        </p:nvCxnSpPr>
+        <p:spPr>
+          <a:xfrm>
+            <a:off x="1869789" y="2642837"/>
+            <a:ext cx="798649" cy="0"/>
+          </a:xfrm>
+          <a:prstGeom prst="straightConnector1">
+            <a:avLst/>
+          </a:prstGeom>
+          <a:ln w="12700">
+            <a:solidFill>
+              <a:schemeClr val="tx1"/>
+            </a:solidFill>
+            <a:tailEnd type="stealth"/>
+          </a:ln>
+        </p:spPr>
+        <p:style>
+          <a:lnRef idx="1">
+            <a:schemeClr val="accent1"/>
+          </a:lnRef>
+          <a:fillRef idx="0">
+            <a:schemeClr val="accent1"/>
+          </a:fillRef>
+          <a:effectRef idx="0">
+            <a:schemeClr val="accent1"/>
+          </a:effectRef>
+          <a:fontRef idx="minor">
+            <a:schemeClr val="tx1"/>
+          </a:fontRef>
+        </p:style>
+      </p:cxnSp>
+      <p:cxnSp>
+        <p:nvCxnSpPr>
+          <p:cNvPr id="21" name="直接箭头连接符 20">
+            <a:extLst>
+              <a:ext uri="{FF2B5EF4-FFF2-40B4-BE49-F238E27FC236}">
+                <a16:creationId xmlns:a16="http://schemas.microsoft.com/office/drawing/2014/main" id="{461BFFB4-A80E-50FA-62E6-DEA47FBDAC85}"/>
+              </a:ext>
+            </a:extLst>
+          </p:cNvPr>
+          <p:cNvCxnSpPr>
+            <a:stCxn id="2" idx="3"/>
+            <a:endCxn id="4" idx="2"/>
+          </p:cNvCxnSpPr>
+          <p:nvPr/>
+        </p:nvCxnSpPr>
+        <p:spPr>
+          <a:xfrm flipV="1">
+            <a:off x="3886151" y="2642836"/>
+            <a:ext cx="798649" cy="1"/>
+          </a:xfrm>
+          <a:prstGeom prst="straightConnector1">
+            <a:avLst/>
+          </a:prstGeom>
+          <a:ln w="12700">
+            <a:solidFill>
+              <a:schemeClr val="tx1"/>
+            </a:solidFill>
+            <a:tailEnd type="stealth"/>
+          </a:ln>
+        </p:spPr>
+        <p:style>
+          <a:lnRef idx="1">
+            <a:schemeClr val="accent1"/>
+          </a:lnRef>
+          <a:fillRef idx="0">
+            <a:schemeClr val="accent1"/>
+          </a:fillRef>
+          <a:effectRef idx="0">
+            <a:schemeClr val="accent1"/>
+          </a:effectRef>
+          <a:fontRef idx="minor">
+            <a:schemeClr val="tx1"/>
+          </a:fontRef>
+        </p:style>
+      </p:cxnSp>
+      <p:cxnSp>
+        <p:nvCxnSpPr>
+          <p:cNvPr id="25" name="直接箭头连接符 24">
+            <a:extLst>
+              <a:ext uri="{FF2B5EF4-FFF2-40B4-BE49-F238E27FC236}">
+                <a16:creationId xmlns:a16="http://schemas.microsoft.com/office/drawing/2014/main" id="{8243798E-DBBF-744F-9436-228E6D576956}"/>
+              </a:ext>
+            </a:extLst>
+          </p:cNvPr>
+          <p:cNvCxnSpPr>
+            <a:stCxn id="4" idx="6"/>
+            <a:endCxn id="3" idx="1"/>
+          </p:cNvCxnSpPr>
+          <p:nvPr/>
+        </p:nvCxnSpPr>
+        <p:spPr>
+          <a:xfrm flipV="1">
+            <a:off x="4864800" y="2642834"/>
+            <a:ext cx="798649" cy="2"/>
+          </a:xfrm>
+          <a:prstGeom prst="straightConnector1">
+            <a:avLst/>
+          </a:prstGeom>
+          <a:ln w="12700">
+            <a:solidFill>
+              <a:schemeClr val="tx1"/>
+            </a:solidFill>
+            <a:tailEnd type="stealth"/>
+          </a:ln>
+        </p:spPr>
+        <p:style>
+          <a:lnRef idx="1">
+            <a:schemeClr val="accent1"/>
+          </a:lnRef>
+          <a:fillRef idx="0">
+            <a:schemeClr val="accent1"/>
+          </a:fillRef>
+          <a:effectRef idx="0">
+            <a:schemeClr val="accent1"/>
+          </a:effectRef>
+          <a:fontRef idx="minor">
+            <a:schemeClr val="tx1"/>
+          </a:fontRef>
+        </p:style>
+      </p:cxnSp>
+      <p:cxnSp>
+        <p:nvCxnSpPr>
+          <p:cNvPr id="27" name="直接箭头连接符 26">
+            <a:extLst>
+              <a:ext uri="{FF2B5EF4-FFF2-40B4-BE49-F238E27FC236}">
+                <a16:creationId xmlns:a16="http://schemas.microsoft.com/office/drawing/2014/main" id="{F47E232E-AFAD-4578-2E07-9C235983E493}"/>
+              </a:ext>
+            </a:extLst>
+          </p:cNvPr>
+          <p:cNvCxnSpPr>
+            <a:stCxn id="3" idx="3"/>
+            <a:endCxn id="9" idx="1"/>
+          </p:cNvCxnSpPr>
+          <p:nvPr/>
+        </p:nvCxnSpPr>
+        <p:spPr>
+          <a:xfrm>
+            <a:off x="6881162" y="2642834"/>
+            <a:ext cx="798649" cy="2"/>
+          </a:xfrm>
+          <a:prstGeom prst="straightConnector1">
+            <a:avLst/>
+          </a:prstGeom>
+          <a:ln w="12700">
+            <a:solidFill>
+              <a:schemeClr val="tx1"/>
+            </a:solidFill>
+            <a:tailEnd type="stealth"/>
+          </a:ln>
+        </p:spPr>
+        <p:style>
+          <a:lnRef idx="1">
+            <a:schemeClr val="accent1"/>
+          </a:lnRef>
+          <a:fillRef idx="0">
+            <a:schemeClr val="accent1"/>
+          </a:fillRef>
+          <a:effectRef idx="0">
+            <a:schemeClr val="accent1"/>
+          </a:effectRef>
+          <a:fontRef idx="minor">
+            <a:schemeClr val="tx1"/>
+          </a:fontRef>
+        </p:style>
+      </p:cxnSp>
+    </p:spTree>
+    <p:extLst>
+      <p:ext uri="{BB962C8B-B14F-4D97-AF65-F5344CB8AC3E}">
+        <p14:creationId xmlns:p14="http://schemas.microsoft.com/office/powerpoint/2010/main" val="3462335099"/>
+      </p:ext>
+    </p:extLst>
+  </p:cSld>
+  <p:clrMapOvr>
+    <a:masterClrMapping/>
+  </p:clrMapOvr>
+</p:sld>
+</file>
+
+<file path=ppt/slides/slide5.xml><?xml version="1.0" encoding="utf-8"?>
+<p:sld xmlns:a="http://schemas.openxmlformats.org/drawingml/2006/main" xmlns:r="http://schemas.openxmlformats.org/officeDocument/2006/relationships" xmlns:p="http://schemas.openxmlformats.org/presentationml/2006/main">
+  <p:cSld>
+    <p:spTree>
+      <p:nvGrpSpPr>
+        <p:cNvPr id="1" name=""/>
+        <p:cNvGrpSpPr/>
+        <p:nvPr/>
+      </p:nvGrpSpPr>
+      <p:grpSpPr>
+        <a:xfrm>
+          <a:off x="0" y="0"/>
+          <a:ext cx="0" cy="0"/>
+          <a:chOff x="0" y="0"/>
+          <a:chExt cx="0" cy="0"/>
+        </a:xfrm>
+      </p:grpSpPr>
       <p:grpSp>
         <p:nvGrpSpPr>
           <p:cNvPr id="91" name="组合 90">
@@ -5772,8 +6634,8 @@
               <a:chExt cx="4712861" cy="2281576"/>
             </a:xfrm>
           </p:grpSpPr>
-          <mc:AlternateContent xmlns:mc="http://schemas.openxmlformats.org/markup-compatibility/2006">
-            <mc:Choice xmlns:a14="http://schemas.microsoft.com/office/drawing/2010/main" Requires="a14">
+          <mc:AlternateContent xmlns:mc="http://schemas.openxmlformats.org/markup-compatibility/2006" xmlns:a14="http://schemas.microsoft.com/office/drawing/2010/main">
+            <mc:Choice Requires="a14">
               <p:sp>
                 <p:nvSpPr>
                   <p:cNvPr id="53" name="文本框 52">
@@ -5802,6 +6664,7 @@
                   </a:bodyPr>
                   <a:lstStyle/>
                   <a:p>
+                    <a:pPr/>
                     <a14:m>
                       <m:oMathPara xmlns:m="http://schemas.openxmlformats.org/officeDocument/2006/math">
                         <m:oMathParaPr>
@@ -5841,7 +6704,7 @@
                 </p:txBody>
               </p:sp>
             </mc:Choice>
-            <mc:Fallback>
+            <mc:Fallback xmlns="">
               <p:sp>
                 <p:nvSpPr>
                   <p:cNvPr id="53" name="文本框 52">
@@ -5886,8 +6749,8 @@
               </p:sp>
             </mc:Fallback>
           </mc:AlternateContent>
-          <mc:AlternateContent xmlns:mc="http://schemas.openxmlformats.org/markup-compatibility/2006">
-            <mc:Choice xmlns:a14="http://schemas.microsoft.com/office/drawing/2010/main" Requires="a14">
+          <mc:AlternateContent xmlns:mc="http://schemas.openxmlformats.org/markup-compatibility/2006" xmlns:a14="http://schemas.microsoft.com/office/drawing/2010/main">
+            <mc:Choice Requires="a14">
               <p:sp>
                 <p:nvSpPr>
                   <p:cNvPr id="54" name="文本框 53">
@@ -5916,6 +6779,7 @@
                   </a:bodyPr>
                   <a:lstStyle/>
                   <a:p>
+                    <a:pPr/>
                     <a14:m>
                       <m:oMathPara xmlns:m="http://schemas.openxmlformats.org/officeDocument/2006/math">
                         <m:oMathParaPr>
@@ -5955,7 +6819,7 @@
                 </p:txBody>
               </p:sp>
             </mc:Choice>
-            <mc:Fallback>
+            <mc:Fallback xmlns="">
               <p:sp>
                 <p:nvSpPr>
                   <p:cNvPr id="54" name="文本框 53">
@@ -6000,8 +6864,8 @@
               </p:sp>
             </mc:Fallback>
           </mc:AlternateContent>
-          <mc:AlternateContent xmlns:mc="http://schemas.openxmlformats.org/markup-compatibility/2006">
-            <mc:Choice xmlns:a14="http://schemas.microsoft.com/office/drawing/2010/main" Requires="a14">
+          <mc:AlternateContent xmlns:mc="http://schemas.openxmlformats.org/markup-compatibility/2006" xmlns:a14="http://schemas.microsoft.com/office/drawing/2010/main">
+            <mc:Choice Requires="a14">
               <p:sp>
                 <p:nvSpPr>
                   <p:cNvPr id="55" name="文本框 54">
@@ -6030,6 +6894,7 @@
                   </a:bodyPr>
                   <a:lstStyle/>
                   <a:p>
+                    <a:pPr/>
                     <a14:m>
                       <m:oMathPara xmlns:m="http://schemas.openxmlformats.org/officeDocument/2006/math">
                         <m:oMathParaPr>
@@ -6069,7 +6934,7 @@
                 </p:txBody>
               </p:sp>
             </mc:Choice>
-            <mc:Fallback>
+            <mc:Fallback xmlns="">
               <p:sp>
                 <p:nvSpPr>
                   <p:cNvPr id="55" name="文本框 54">
@@ -6968,8 +7833,8 @@
                 </p:style>
               </p:cxnSp>
             </p:grpSp>
-            <mc:AlternateContent xmlns:mc="http://schemas.openxmlformats.org/markup-compatibility/2006">
-              <mc:Choice xmlns:a14="http://schemas.microsoft.com/office/drawing/2010/main" Requires="a14">
+            <mc:AlternateContent xmlns:mc="http://schemas.openxmlformats.org/markup-compatibility/2006" xmlns:a14="http://schemas.microsoft.com/office/drawing/2010/main">
+              <mc:Choice Requires="a14">
                 <p:sp>
                   <p:nvSpPr>
                     <p:cNvPr id="50" name="文本框 49">
@@ -6998,6 +7863,7 @@
                     </a:bodyPr>
                     <a:lstStyle/>
                     <a:p>
+                      <a:pPr/>
                       <a14:m>
                         <m:oMathPara xmlns:m="http://schemas.openxmlformats.org/officeDocument/2006/math">
                           <m:oMathParaPr>
@@ -7037,7 +7903,7 @@
                   </p:txBody>
                 </p:sp>
               </mc:Choice>
-              <mc:Fallback>
+              <mc:Fallback xmlns="">
                 <p:sp>
                   <p:nvSpPr>
                     <p:cNvPr id="50" name="文本框 49">
@@ -7082,8 +7948,8 @@
                 </p:sp>
               </mc:Fallback>
             </mc:AlternateContent>
-            <mc:AlternateContent xmlns:mc="http://schemas.openxmlformats.org/markup-compatibility/2006">
-              <mc:Choice xmlns:a14="http://schemas.microsoft.com/office/drawing/2010/main" Requires="a14">
+            <mc:AlternateContent xmlns:mc="http://schemas.openxmlformats.org/markup-compatibility/2006" xmlns:a14="http://schemas.microsoft.com/office/drawing/2010/main">
+              <mc:Choice Requires="a14">
                 <p:sp>
                   <p:nvSpPr>
                     <p:cNvPr id="51" name="文本框 50">
@@ -7112,6 +7978,7 @@
                     </a:bodyPr>
                     <a:lstStyle/>
                     <a:p>
+                      <a:pPr/>
                       <a14:m>
                         <m:oMathPara xmlns:m="http://schemas.openxmlformats.org/officeDocument/2006/math">
                           <m:oMathParaPr>
@@ -7151,7 +8018,7 @@
                   </p:txBody>
                 </p:sp>
               </mc:Choice>
-              <mc:Fallback>
+              <mc:Fallback xmlns="">
                 <p:sp>
                   <p:nvSpPr>
                     <p:cNvPr id="51" name="文本框 50">
@@ -7196,8 +8063,8 @@
                 </p:sp>
               </mc:Fallback>
             </mc:AlternateContent>
-            <mc:AlternateContent xmlns:mc="http://schemas.openxmlformats.org/markup-compatibility/2006">
-              <mc:Choice xmlns:a14="http://schemas.microsoft.com/office/drawing/2010/main" Requires="a14">
+            <mc:AlternateContent xmlns:mc="http://schemas.openxmlformats.org/markup-compatibility/2006" xmlns:a14="http://schemas.microsoft.com/office/drawing/2010/main">
+              <mc:Choice Requires="a14">
                 <p:sp>
                   <p:nvSpPr>
                     <p:cNvPr id="52" name="文本框 51">
@@ -7226,6 +8093,7 @@
                     </a:bodyPr>
                     <a:lstStyle/>
                     <a:p>
+                      <a:pPr/>
                       <a14:m>
                         <m:oMathPara xmlns:m="http://schemas.openxmlformats.org/officeDocument/2006/math">
                           <m:oMathParaPr>
@@ -7265,7 +8133,7 @@
                   </p:txBody>
                 </p:sp>
               </mc:Choice>
-              <mc:Fallback>
+              <mc:Fallback xmlns="">
                 <p:sp>
                   <p:nvSpPr>
                     <p:cNvPr id="52" name="文本框 51">
@@ -7347,8 +8215,8 @@
             </p:sp>
           </p:grpSp>
         </p:grpSp>
-        <mc:AlternateContent xmlns:mc="http://schemas.openxmlformats.org/markup-compatibility/2006">
-          <mc:Choice xmlns:a14="http://schemas.microsoft.com/office/drawing/2010/main" Requires="a14">
+        <mc:AlternateContent xmlns:mc="http://schemas.openxmlformats.org/markup-compatibility/2006" xmlns:a14="http://schemas.microsoft.com/office/drawing/2010/main">
+          <mc:Choice Requires="a14">
             <p:sp>
               <p:nvSpPr>
                 <p:cNvPr id="56" name="文本框 55">
@@ -7377,6 +8245,7 @@
                 </a:bodyPr>
                 <a:lstStyle/>
                 <a:p>
+                  <a:pPr/>
                   <a14:m>
                     <m:oMathPara xmlns:m="http://schemas.openxmlformats.org/officeDocument/2006/math">
                       <m:oMathParaPr>
@@ -7397,7 +8266,7 @@
               </p:txBody>
             </p:sp>
           </mc:Choice>
-          <mc:Fallback>
+          <mc:Fallback xmlns="">
             <p:sp>
               <p:nvSpPr>
                 <p:cNvPr id="56" name="文本框 55">
@@ -7442,8 +8311,8 @@
             </p:sp>
           </mc:Fallback>
         </mc:AlternateContent>
-        <mc:AlternateContent xmlns:mc="http://schemas.openxmlformats.org/markup-compatibility/2006">
-          <mc:Choice xmlns:a14="http://schemas.microsoft.com/office/drawing/2010/main" Requires="a14">
+        <mc:AlternateContent xmlns:mc="http://schemas.openxmlformats.org/markup-compatibility/2006" xmlns:a14="http://schemas.microsoft.com/office/drawing/2010/main">
+          <mc:Choice Requires="a14">
             <p:sp>
               <p:nvSpPr>
                 <p:cNvPr id="57" name="文本框 56">
@@ -7472,6 +8341,7 @@
                 </a:bodyPr>
                 <a:lstStyle/>
                 <a:p>
+                  <a:pPr/>
                   <a14:m>
                     <m:oMathPara xmlns:m="http://schemas.openxmlformats.org/officeDocument/2006/math">
                       <m:oMathParaPr>
@@ -7492,7 +8362,7 @@
               </p:txBody>
             </p:sp>
           </mc:Choice>
-          <mc:Fallback>
+          <mc:Fallback xmlns="">
             <p:sp>
               <p:nvSpPr>
                 <p:cNvPr id="57" name="文本框 56">
@@ -7627,7 +8497,7 @@
 </p:sld>
 </file>
 
-<file path=ppt/slides/slide5.xml><?xml version="1.0" encoding="utf-8"?>
+<file path=ppt/slides/slide6.xml><?xml version="1.0" encoding="utf-8"?>
 <p:sld xmlns:a="http://schemas.openxmlformats.org/drawingml/2006/main" xmlns:r="http://schemas.openxmlformats.org/officeDocument/2006/relationships" xmlns:p="http://schemas.openxmlformats.org/presentationml/2006/main">
   <p:cSld>
     <p:spTree>

--- a/docs/ch6/main.pptx
+++ b/docs/ch6/main.pptx
@@ -264,7 +264,7 @@
           <a:p>
             <a:fld id="{BE7954B5-D689-9A42-94C4-4F3A049241B2}" type="datetimeFigureOut">
               <a:rPr kumimoji="1" lang="zh-CN" altLang="en-US" smtClean="0"/>
-              <a:t>2023/8/20</a:t>
+              <a:t>2023/9/9</a:t>
             </a:fld>
             <a:endParaRPr kumimoji="1" lang="zh-CN" altLang="en-US"/>
           </a:p>
@@ -462,7 +462,7 @@
           <a:p>
             <a:fld id="{BE7954B5-D689-9A42-94C4-4F3A049241B2}" type="datetimeFigureOut">
               <a:rPr kumimoji="1" lang="zh-CN" altLang="en-US" smtClean="0"/>
-              <a:t>2023/8/20</a:t>
+              <a:t>2023/9/9</a:t>
             </a:fld>
             <a:endParaRPr kumimoji="1" lang="zh-CN" altLang="en-US"/>
           </a:p>
@@ -670,7 +670,7 @@
           <a:p>
             <a:fld id="{BE7954B5-D689-9A42-94C4-4F3A049241B2}" type="datetimeFigureOut">
               <a:rPr kumimoji="1" lang="zh-CN" altLang="en-US" smtClean="0"/>
-              <a:t>2023/8/20</a:t>
+              <a:t>2023/9/9</a:t>
             </a:fld>
             <a:endParaRPr kumimoji="1" lang="zh-CN" altLang="en-US"/>
           </a:p>
@@ -868,7 +868,7 @@
           <a:p>
             <a:fld id="{BE7954B5-D689-9A42-94C4-4F3A049241B2}" type="datetimeFigureOut">
               <a:rPr kumimoji="1" lang="zh-CN" altLang="en-US" smtClean="0"/>
-              <a:t>2023/8/20</a:t>
+              <a:t>2023/9/9</a:t>
             </a:fld>
             <a:endParaRPr kumimoji="1" lang="zh-CN" altLang="en-US"/>
           </a:p>
@@ -1143,7 +1143,7 @@
           <a:p>
             <a:fld id="{BE7954B5-D689-9A42-94C4-4F3A049241B2}" type="datetimeFigureOut">
               <a:rPr kumimoji="1" lang="zh-CN" altLang="en-US" smtClean="0"/>
-              <a:t>2023/8/20</a:t>
+              <a:t>2023/9/9</a:t>
             </a:fld>
             <a:endParaRPr kumimoji="1" lang="zh-CN" altLang="en-US"/>
           </a:p>
@@ -1408,7 +1408,7 @@
           <a:p>
             <a:fld id="{BE7954B5-D689-9A42-94C4-4F3A049241B2}" type="datetimeFigureOut">
               <a:rPr kumimoji="1" lang="zh-CN" altLang="en-US" smtClean="0"/>
-              <a:t>2023/8/20</a:t>
+              <a:t>2023/9/9</a:t>
             </a:fld>
             <a:endParaRPr kumimoji="1" lang="zh-CN" altLang="en-US"/>
           </a:p>
@@ -1820,7 +1820,7 @@
           <a:p>
             <a:fld id="{BE7954B5-D689-9A42-94C4-4F3A049241B2}" type="datetimeFigureOut">
               <a:rPr kumimoji="1" lang="zh-CN" altLang="en-US" smtClean="0"/>
-              <a:t>2023/8/20</a:t>
+              <a:t>2023/9/9</a:t>
             </a:fld>
             <a:endParaRPr kumimoji="1" lang="zh-CN" altLang="en-US"/>
           </a:p>
@@ -1961,7 +1961,7 @@
           <a:p>
             <a:fld id="{BE7954B5-D689-9A42-94C4-4F3A049241B2}" type="datetimeFigureOut">
               <a:rPr kumimoji="1" lang="zh-CN" altLang="en-US" smtClean="0"/>
-              <a:t>2023/8/20</a:t>
+              <a:t>2023/9/9</a:t>
             </a:fld>
             <a:endParaRPr kumimoji="1" lang="zh-CN" altLang="en-US"/>
           </a:p>
@@ -2074,7 +2074,7 @@
           <a:p>
             <a:fld id="{BE7954B5-D689-9A42-94C4-4F3A049241B2}" type="datetimeFigureOut">
               <a:rPr kumimoji="1" lang="zh-CN" altLang="en-US" smtClean="0"/>
-              <a:t>2023/8/20</a:t>
+              <a:t>2023/9/9</a:t>
             </a:fld>
             <a:endParaRPr kumimoji="1" lang="zh-CN" altLang="en-US"/>
           </a:p>
@@ -2385,7 +2385,7 @@
           <a:p>
             <a:fld id="{BE7954B5-D689-9A42-94C4-4F3A049241B2}" type="datetimeFigureOut">
               <a:rPr kumimoji="1" lang="zh-CN" altLang="en-US" smtClean="0"/>
-              <a:t>2023/8/20</a:t>
+              <a:t>2023/9/9</a:t>
             </a:fld>
             <a:endParaRPr kumimoji="1" lang="zh-CN" altLang="en-US"/>
           </a:p>
@@ -2673,7 +2673,7 @@
           <a:p>
             <a:fld id="{BE7954B5-D689-9A42-94C4-4F3A049241B2}" type="datetimeFigureOut">
               <a:rPr kumimoji="1" lang="zh-CN" altLang="en-US" smtClean="0"/>
-              <a:t>2023/8/20</a:t>
+              <a:t>2023/9/9</a:t>
             </a:fld>
             <a:endParaRPr kumimoji="1" lang="zh-CN" altLang="en-US"/>
           </a:p>
@@ -2914,7 +2914,7 @@
           <a:p>
             <a:fld id="{BE7954B5-D689-9A42-94C4-4F3A049241B2}" type="datetimeFigureOut">
               <a:rPr kumimoji="1" lang="zh-CN" altLang="en-US" smtClean="0"/>
-              <a:t>2023/8/20</a:t>
+              <a:t>2023/9/9</a:t>
             </a:fld>
             <a:endParaRPr kumimoji="1" lang="zh-CN" altLang="en-US"/>
           </a:p>
@@ -3606,6 +3606,82 @@
           </a:p>
         </p:txBody>
       </p:sp>
+      <p:sp>
+        <p:nvSpPr>
+          <p:cNvPr id="2" name="文本框 1">
+            <a:extLst>
+              <a:ext uri="{FF2B5EF4-FFF2-40B4-BE49-F238E27FC236}">
+                <a16:creationId xmlns:a16="http://schemas.microsoft.com/office/drawing/2014/main" id="{FD702859-80FD-B3FE-1219-F1A23F8C4222}"/>
+              </a:ext>
+            </a:extLst>
+          </p:cNvPr>
+          <p:cNvSpPr txBox="1"/>
+          <p:nvPr/>
+        </p:nvSpPr>
+        <p:spPr>
+          <a:xfrm>
+            <a:off x="2360109" y="3275111"/>
+            <a:ext cx="723275" cy="307777"/>
+          </a:xfrm>
+          <a:prstGeom prst="rect">
+            <a:avLst/>
+          </a:prstGeom>
+          <a:noFill/>
+        </p:spPr>
+        <p:txBody>
+          <a:bodyPr wrap="none" rtlCol="0">
+            <a:spAutoFit/>
+          </a:bodyPr>
+          <a:lstStyle/>
+          <a:p>
+            <a:r>
+              <a:rPr lang="zh-CN" altLang="en-US" sz="1400">
+                <a:latin typeface="宋体" panose="02010600030101010101" pitchFamily="2" charset="-122"/>
+                <a:ea typeface="宋体" panose="02010600030101010101" pitchFamily="2" charset="-122"/>
+              </a:rPr>
+              <a:t>巴菲斯</a:t>
+            </a:r>
+          </a:p>
+        </p:txBody>
+      </p:sp>
+      <p:sp>
+        <p:nvSpPr>
+          <p:cNvPr id="4" name="文本框 3">
+            <a:extLst>
+              <a:ext uri="{FF2B5EF4-FFF2-40B4-BE49-F238E27FC236}">
+                <a16:creationId xmlns:a16="http://schemas.microsoft.com/office/drawing/2014/main" id="{879BEC2C-7444-233A-8D95-DF18436B9AFD}"/>
+              </a:ext>
+            </a:extLst>
+          </p:cNvPr>
+          <p:cNvSpPr txBox="1"/>
+          <p:nvPr/>
+        </p:nvSpPr>
+        <p:spPr>
+          <a:xfrm>
+            <a:off x="6055856" y="3318360"/>
+            <a:ext cx="723275" cy="307777"/>
+          </a:xfrm>
+          <a:prstGeom prst="rect">
+            <a:avLst/>
+          </a:prstGeom>
+          <a:noFill/>
+        </p:spPr>
+        <p:txBody>
+          <a:bodyPr wrap="none" rtlCol="0">
+            <a:spAutoFit/>
+          </a:bodyPr>
+          <a:lstStyle/>
+          <a:p>
+            <a:r>
+              <a:rPr lang="zh-CN" altLang="en-US" sz="1400">
+                <a:latin typeface="宋体" panose="02010600030101010101" pitchFamily="2" charset="-122"/>
+                <a:ea typeface="宋体" panose="02010600030101010101" pitchFamily="2" charset="-122"/>
+              </a:rPr>
+              <a:t>尼尔逊</a:t>
+            </a:r>
+          </a:p>
+        </p:txBody>
+      </p:sp>
     </p:spTree>
     <p:extLst>
       <p:ext uri="{BB962C8B-B14F-4D97-AF65-F5344CB8AC3E}">
@@ -5636,8 +5712,8 @@
           </a:p>
         </p:txBody>
       </p:sp>
-      <mc:AlternateContent xmlns:mc="http://schemas.openxmlformats.org/markup-compatibility/2006">
-        <mc:Choice xmlns:a14="http://schemas.microsoft.com/office/drawing/2010/main" Requires="a14">
+      <mc:AlternateContent xmlns:mc="http://schemas.openxmlformats.org/markup-compatibility/2006" xmlns:a14="http://schemas.microsoft.com/office/drawing/2010/main">
+        <mc:Choice Requires="a14">
           <p:sp>
             <p:nvSpPr>
               <p:cNvPr id="7" name="文本框 6">
@@ -5666,6 +5742,7 @@
               </a:bodyPr>
               <a:lstStyle/>
               <a:p>
+                <a:pPr/>
                 <a14:m>
                   <m:oMathPara xmlns:m="http://schemas.openxmlformats.org/officeDocument/2006/math">
                     <m:oMathParaPr>
@@ -5686,7 +5763,7 @@
             </p:txBody>
           </p:sp>
         </mc:Choice>
-        <mc:Fallback>
+        <mc:Fallback xmlns="">
           <p:sp>
             <p:nvSpPr>
               <p:cNvPr id="7" name="文本框 6">
@@ -5789,8 +5866,8 @@
           </a:p>
         </p:txBody>
       </p:sp>
-      <mc:AlternateContent xmlns:mc="http://schemas.openxmlformats.org/markup-compatibility/2006">
-        <mc:Choice xmlns:a14="http://schemas.microsoft.com/office/drawing/2010/main" Requires="a14">
+      <mc:AlternateContent xmlns:mc="http://schemas.openxmlformats.org/markup-compatibility/2006" xmlns:a14="http://schemas.microsoft.com/office/drawing/2010/main">
+        <mc:Choice Requires="a14">
           <p:sp>
             <p:nvSpPr>
               <p:cNvPr id="12" name="文本框 11">
@@ -5819,6 +5896,7 @@
               </a:bodyPr>
               <a:lstStyle/>
               <a:p>
+                <a:pPr/>
                 <a14:m>
                   <m:oMathPara xmlns:m="http://schemas.openxmlformats.org/officeDocument/2006/math">
                     <m:oMathParaPr>
@@ -5888,7 +5966,7 @@
             </p:txBody>
           </p:sp>
         </mc:Choice>
-        <mc:Fallback>
+        <mc:Fallback xmlns="">
           <p:sp>
             <p:nvSpPr>
               <p:cNvPr id="12" name="文本框 11">
@@ -5933,8 +6011,8 @@
           </p:sp>
         </mc:Fallback>
       </mc:AlternateContent>
-      <mc:AlternateContent xmlns:mc="http://schemas.openxmlformats.org/markup-compatibility/2006">
-        <mc:Choice xmlns:a14="http://schemas.microsoft.com/office/drawing/2010/main" Requires="a14">
+      <mc:AlternateContent xmlns:mc="http://schemas.openxmlformats.org/markup-compatibility/2006" xmlns:a14="http://schemas.microsoft.com/office/drawing/2010/main">
+        <mc:Choice Requires="a14">
           <p:sp>
             <p:nvSpPr>
               <p:cNvPr id="15" name="文本框 14">
@@ -5963,6 +6041,7 @@
               </a:bodyPr>
               <a:lstStyle/>
               <a:p>
+                <a:pPr/>
                 <a14:m>
                   <m:oMathPara xmlns:m="http://schemas.openxmlformats.org/officeDocument/2006/math">
                     <m:oMathParaPr>
@@ -6013,7 +6092,7 @@
             </p:txBody>
           </p:sp>
         </mc:Choice>
-        <mc:Fallback>
+        <mc:Fallback xmlns="">
           <p:sp>
             <p:nvSpPr>
               <p:cNvPr id="15" name="文本框 14">
